--- a/week_7/slides/amir_sketching_train_test_split.pptx
+++ b/week_7/slides/amir_sketching_train_test_split.pptx
@@ -17,6 +17,8 @@
     <p:sldId id="266" r:id="rId11"/>
     <p:sldId id="267" r:id="rId12"/>
     <p:sldId id="268" r:id="rId13"/>
+    <p:sldId id="269" r:id="rId14"/>
+    <p:sldId id="270" r:id="rId15"/>
   </p:sldIdLst>
   <p:sldSz cx="12192000" cy="6858000"/>
   <p:notesSz cx="6858000" cy="9144000"/>
@@ -4841,6 +4843,33 @@
 </inkml:ink>
 </file>
 
+<file path=ppt/ink/ink251.xml><?xml version="1.0" encoding="utf-8"?>
+<inkml:ink xmlns:inkml="http://www.w3.org/2003/InkML">
+  <inkml:definitions>
+    <inkml:context xml:id="ctx0">
+      <inkml:inkSource xml:id="inkSrc0">
+        <inkml:traceFormat>
+          <inkml:channel name="X" type="integer" min="-2.14748E9" max="2.14748E9" units="cm"/>
+          <inkml:channel name="Y" type="integer" min="-2.14748E9" max="2.14748E9" units="cm"/>
+          <inkml:channel name="F" type="integer" max="32767" units="dev"/>
+        </inkml:traceFormat>
+        <inkml:channelProperties>
+          <inkml:channelProperty channel="X" name="resolution" value="1000" units="1/cm"/>
+          <inkml:channelProperty channel="Y" name="resolution" value="1000" units="1/cm"/>
+          <inkml:channelProperty channel="F" name="resolution" value="0" units="1/dev"/>
+        </inkml:channelProperties>
+      </inkml:inkSource>
+      <inkml:timestamp xml:id="ts0" timeString="2025-11-06T08:51:15.058"/>
+    </inkml:context>
+    <inkml:brush xml:id="br0">
+      <inkml:brushProperty name="width" value="0.035" units="cm"/>
+      <inkml:brushProperty name="height" value="0.035" units="cm"/>
+    </inkml:brush>
+  </inkml:definitions>
+  <inkml:trace contextRef="#ctx0" brushRef="#br0">0 1 24575,'6'0'0,"-2"0"0</inkml:trace>
+</inkml:ink>
+</file>
+
 <file path=ppt/ink/ink26.xml><?xml version="1.0" encoding="utf-8"?>
 <inkml:ink xmlns:inkml="http://www.w3.org/2003/InkML">
   <inkml:definitions>
@@ -7244,7 +7273,7 @@
           <a:p>
             <a:fld id="{57BB3E1E-2B9D-5644-8AD8-A086560F1486}" type="datetimeFigureOut">
               <a:rPr lang="en-US" smtClean="0"/>
-              <a:t>11/4/25</a:t>
+              <a:t>11/6/25</a:t>
             </a:fld>
             <a:endParaRPr lang="en-US"/>
           </a:p>
@@ -7444,7 +7473,7 @@
           <a:p>
             <a:fld id="{57BB3E1E-2B9D-5644-8AD8-A086560F1486}" type="datetimeFigureOut">
               <a:rPr lang="en-US" smtClean="0"/>
-              <a:t>11/4/25</a:t>
+              <a:t>11/6/25</a:t>
             </a:fld>
             <a:endParaRPr lang="en-US"/>
           </a:p>
@@ -7654,7 +7683,7 @@
           <a:p>
             <a:fld id="{57BB3E1E-2B9D-5644-8AD8-A086560F1486}" type="datetimeFigureOut">
               <a:rPr lang="en-US" smtClean="0"/>
-              <a:t>11/4/25</a:t>
+              <a:t>11/6/25</a:t>
             </a:fld>
             <a:endParaRPr lang="en-US"/>
           </a:p>
@@ -7854,7 +7883,7 @@
           <a:p>
             <a:fld id="{57BB3E1E-2B9D-5644-8AD8-A086560F1486}" type="datetimeFigureOut">
               <a:rPr lang="en-US" smtClean="0"/>
-              <a:t>11/4/25</a:t>
+              <a:t>11/6/25</a:t>
             </a:fld>
             <a:endParaRPr lang="en-US"/>
           </a:p>
@@ -8130,7 +8159,7 @@
           <a:p>
             <a:fld id="{57BB3E1E-2B9D-5644-8AD8-A086560F1486}" type="datetimeFigureOut">
               <a:rPr lang="en-US" smtClean="0"/>
-              <a:t>11/4/25</a:t>
+              <a:t>11/6/25</a:t>
             </a:fld>
             <a:endParaRPr lang="en-US"/>
           </a:p>
@@ -8398,7 +8427,7 @@
           <a:p>
             <a:fld id="{57BB3E1E-2B9D-5644-8AD8-A086560F1486}" type="datetimeFigureOut">
               <a:rPr lang="en-US" smtClean="0"/>
-              <a:t>11/4/25</a:t>
+              <a:t>11/6/25</a:t>
             </a:fld>
             <a:endParaRPr lang="en-US"/>
           </a:p>
@@ -8813,7 +8842,7 @@
           <a:p>
             <a:fld id="{57BB3E1E-2B9D-5644-8AD8-A086560F1486}" type="datetimeFigureOut">
               <a:rPr lang="en-US" smtClean="0"/>
-              <a:t>11/4/25</a:t>
+              <a:t>11/6/25</a:t>
             </a:fld>
             <a:endParaRPr lang="en-US"/>
           </a:p>
@@ -8955,7 +8984,7 @@
           <a:p>
             <a:fld id="{57BB3E1E-2B9D-5644-8AD8-A086560F1486}" type="datetimeFigureOut">
               <a:rPr lang="en-US" smtClean="0"/>
-              <a:t>11/4/25</a:t>
+              <a:t>11/6/25</a:t>
             </a:fld>
             <a:endParaRPr lang="en-US"/>
           </a:p>
@@ -9068,7 +9097,7 @@
           <a:p>
             <a:fld id="{57BB3E1E-2B9D-5644-8AD8-A086560F1486}" type="datetimeFigureOut">
               <a:rPr lang="en-US" smtClean="0"/>
-              <a:t>11/4/25</a:t>
+              <a:t>11/6/25</a:t>
             </a:fld>
             <a:endParaRPr lang="en-US"/>
           </a:p>
@@ -9381,7 +9410,7 @@
           <a:p>
             <a:fld id="{57BB3E1E-2B9D-5644-8AD8-A086560F1486}" type="datetimeFigureOut">
               <a:rPr lang="en-US" smtClean="0"/>
-              <a:t>11/4/25</a:t>
+              <a:t>11/6/25</a:t>
             </a:fld>
             <a:endParaRPr lang="en-US"/>
           </a:p>
@@ -9670,7 +9699,7 @@
           <a:p>
             <a:fld id="{57BB3E1E-2B9D-5644-8AD8-A086560F1486}" type="datetimeFigureOut">
               <a:rPr lang="en-US" smtClean="0"/>
-              <a:t>11/4/25</a:t>
+              <a:t>11/6/25</a:t>
             </a:fld>
             <a:endParaRPr lang="en-US"/>
           </a:p>
@@ -9913,7 +9942,7 @@
           <a:p>
             <a:fld id="{57BB3E1E-2B9D-5644-8AD8-A086560F1486}" type="datetimeFigureOut">
               <a:rPr lang="en-US" smtClean="0"/>
-              <a:t>11/4/25</a:t>
+              <a:t>11/6/25</a:t>
             </a:fld>
             <a:endParaRPr lang="en-US"/>
           </a:p>
@@ -12188,8 +12217,8 @@
             <a:chExt cx="317520" cy="313920"/>
           </a:xfrm>
         </p:grpSpPr>
-        <mc:AlternateContent xmlns:mc="http://schemas.openxmlformats.org/markup-compatibility/2006">
-          <mc:Choice xmlns:p14="http://schemas.microsoft.com/office/powerpoint/2010/main" Requires="p14">
+        <mc:AlternateContent xmlns:mc="http://schemas.openxmlformats.org/markup-compatibility/2006" xmlns:p14="http://schemas.microsoft.com/office/powerpoint/2010/main">
+          <mc:Choice Requires="p14">
             <p:contentPart p14:bwMode="auto" r:id="rId2">
               <p14:nvContentPartPr>
                 <p14:cNvPr id="16" name="Ink 15">
@@ -12208,7 +12237,7 @@
               </p14:xfrm>
             </p:contentPart>
           </mc:Choice>
-          <mc:Fallback>
+          <mc:Fallback xmlns="">
             <p:pic>
               <p:nvPicPr>
                 <p:cNvPr id="16" name="Ink 15">
@@ -12239,8 +12268,8 @@
             </p:pic>
           </mc:Fallback>
         </mc:AlternateContent>
-        <mc:AlternateContent xmlns:mc="http://schemas.openxmlformats.org/markup-compatibility/2006">
-          <mc:Choice xmlns:p14="http://schemas.microsoft.com/office/powerpoint/2010/main" Requires="p14">
+        <mc:AlternateContent xmlns:mc="http://schemas.openxmlformats.org/markup-compatibility/2006" xmlns:p14="http://schemas.microsoft.com/office/powerpoint/2010/main">
+          <mc:Choice Requires="p14">
             <p:contentPart p14:bwMode="auto" r:id="rId4">
               <p14:nvContentPartPr>
                 <p14:cNvPr id="17" name="Ink 16">
@@ -12259,7 +12288,7 @@
               </p14:xfrm>
             </p:contentPart>
           </mc:Choice>
-          <mc:Fallback>
+          <mc:Fallback xmlns="">
             <p:pic>
               <p:nvPicPr>
                 <p:cNvPr id="17" name="Ink 16">
@@ -12290,8 +12319,8 @@
             </p:pic>
           </mc:Fallback>
         </mc:AlternateContent>
-        <mc:AlternateContent xmlns:mc="http://schemas.openxmlformats.org/markup-compatibility/2006">
-          <mc:Choice xmlns:p14="http://schemas.microsoft.com/office/powerpoint/2010/main" Requires="p14">
+        <mc:AlternateContent xmlns:mc="http://schemas.openxmlformats.org/markup-compatibility/2006" xmlns:p14="http://schemas.microsoft.com/office/powerpoint/2010/main">
+          <mc:Choice Requires="p14">
             <p:contentPart p14:bwMode="auto" r:id="rId6">
               <p14:nvContentPartPr>
                 <p14:cNvPr id="18" name="Ink 17">
@@ -12310,7 +12339,7 @@
               </p14:xfrm>
             </p:contentPart>
           </mc:Choice>
-          <mc:Fallback>
+          <mc:Fallback xmlns="">
             <p:pic>
               <p:nvPicPr>
                 <p:cNvPr id="18" name="Ink 17">
@@ -12362,8 +12391,8 @@
             <a:chExt cx="1113480" cy="752400"/>
           </a:xfrm>
         </p:grpSpPr>
-        <mc:AlternateContent xmlns:mc="http://schemas.openxmlformats.org/markup-compatibility/2006">
-          <mc:Choice xmlns:p14="http://schemas.microsoft.com/office/powerpoint/2010/main" Requires="p14">
+        <mc:AlternateContent xmlns:mc="http://schemas.openxmlformats.org/markup-compatibility/2006" xmlns:p14="http://schemas.microsoft.com/office/powerpoint/2010/main">
+          <mc:Choice Requires="p14">
             <p:contentPart p14:bwMode="auto" r:id="rId8">
               <p14:nvContentPartPr>
                 <p14:cNvPr id="21" name="Ink 20">
@@ -12382,7 +12411,7 @@
               </p14:xfrm>
             </p:contentPart>
           </mc:Choice>
-          <mc:Fallback>
+          <mc:Fallback xmlns="">
             <p:pic>
               <p:nvPicPr>
                 <p:cNvPr id="21" name="Ink 20">
@@ -12413,8 +12442,8 @@
             </p:pic>
           </mc:Fallback>
         </mc:AlternateContent>
-        <mc:AlternateContent xmlns:mc="http://schemas.openxmlformats.org/markup-compatibility/2006">
-          <mc:Choice xmlns:p14="http://schemas.microsoft.com/office/powerpoint/2010/main" Requires="p14">
+        <mc:AlternateContent xmlns:mc="http://schemas.openxmlformats.org/markup-compatibility/2006" xmlns:p14="http://schemas.microsoft.com/office/powerpoint/2010/main">
+          <mc:Choice Requires="p14">
             <p:contentPart p14:bwMode="auto" r:id="rId10">
               <p14:nvContentPartPr>
                 <p14:cNvPr id="22" name="Ink 21">
@@ -12433,7 +12462,7 @@
               </p14:xfrm>
             </p:contentPart>
           </mc:Choice>
-          <mc:Fallback>
+          <mc:Fallback xmlns="">
             <p:pic>
               <p:nvPicPr>
                 <p:cNvPr id="22" name="Ink 21">
@@ -12464,8 +12493,8 @@
             </p:pic>
           </mc:Fallback>
         </mc:AlternateContent>
-        <mc:AlternateContent xmlns:mc="http://schemas.openxmlformats.org/markup-compatibility/2006">
-          <mc:Choice xmlns:p14="http://schemas.microsoft.com/office/powerpoint/2010/main" Requires="p14">
+        <mc:AlternateContent xmlns:mc="http://schemas.openxmlformats.org/markup-compatibility/2006" xmlns:p14="http://schemas.microsoft.com/office/powerpoint/2010/main">
+          <mc:Choice Requires="p14">
             <p:contentPart p14:bwMode="auto" r:id="rId12">
               <p14:nvContentPartPr>
                 <p14:cNvPr id="23" name="Ink 22">
@@ -12484,7 +12513,7 @@
               </p14:xfrm>
             </p:contentPart>
           </mc:Choice>
-          <mc:Fallback>
+          <mc:Fallback xmlns="">
             <p:pic>
               <p:nvPicPr>
                 <p:cNvPr id="23" name="Ink 22">
@@ -12515,8 +12544,8 @@
             </p:pic>
           </mc:Fallback>
         </mc:AlternateContent>
-        <mc:AlternateContent xmlns:mc="http://schemas.openxmlformats.org/markup-compatibility/2006">
-          <mc:Choice xmlns:p14="http://schemas.microsoft.com/office/powerpoint/2010/main" Requires="p14">
+        <mc:AlternateContent xmlns:mc="http://schemas.openxmlformats.org/markup-compatibility/2006" xmlns:p14="http://schemas.microsoft.com/office/powerpoint/2010/main">
+          <mc:Choice Requires="p14">
             <p:contentPart p14:bwMode="auto" r:id="rId14">
               <p14:nvContentPartPr>
                 <p14:cNvPr id="24" name="Ink 23">
@@ -12535,7 +12564,7 @@
               </p14:xfrm>
             </p:contentPart>
           </mc:Choice>
-          <mc:Fallback>
+          <mc:Fallback xmlns="">
             <p:pic>
               <p:nvPicPr>
                 <p:cNvPr id="24" name="Ink 23">
@@ -12566,8 +12595,8 @@
             </p:pic>
           </mc:Fallback>
         </mc:AlternateContent>
-        <mc:AlternateContent xmlns:mc="http://schemas.openxmlformats.org/markup-compatibility/2006">
-          <mc:Choice xmlns:p14="http://schemas.microsoft.com/office/powerpoint/2010/main" Requires="p14">
+        <mc:AlternateContent xmlns:mc="http://schemas.openxmlformats.org/markup-compatibility/2006" xmlns:p14="http://schemas.microsoft.com/office/powerpoint/2010/main">
+          <mc:Choice Requires="p14">
             <p:contentPart p14:bwMode="auto" r:id="rId16">
               <p14:nvContentPartPr>
                 <p14:cNvPr id="25" name="Ink 24">
@@ -12586,7 +12615,7 @@
               </p14:xfrm>
             </p:contentPart>
           </mc:Choice>
-          <mc:Fallback>
+          <mc:Fallback xmlns="">
             <p:pic>
               <p:nvPicPr>
                 <p:cNvPr id="25" name="Ink 24">
@@ -12617,8 +12646,8 @@
             </p:pic>
           </mc:Fallback>
         </mc:AlternateContent>
-        <mc:AlternateContent xmlns:mc="http://schemas.openxmlformats.org/markup-compatibility/2006">
-          <mc:Choice xmlns:p14="http://schemas.microsoft.com/office/powerpoint/2010/main" Requires="p14">
+        <mc:AlternateContent xmlns:mc="http://schemas.openxmlformats.org/markup-compatibility/2006" xmlns:p14="http://schemas.microsoft.com/office/powerpoint/2010/main">
+          <mc:Choice Requires="p14">
             <p:contentPart p14:bwMode="auto" r:id="rId18">
               <p14:nvContentPartPr>
                 <p14:cNvPr id="26" name="Ink 25">
@@ -12637,7 +12666,7 @@
               </p14:xfrm>
             </p:contentPart>
           </mc:Choice>
-          <mc:Fallback>
+          <mc:Fallback xmlns="">
             <p:pic>
               <p:nvPicPr>
                 <p:cNvPr id="26" name="Ink 25">
@@ -12668,8 +12697,8 @@
             </p:pic>
           </mc:Fallback>
         </mc:AlternateContent>
-        <mc:AlternateContent xmlns:mc="http://schemas.openxmlformats.org/markup-compatibility/2006">
-          <mc:Choice xmlns:p14="http://schemas.microsoft.com/office/powerpoint/2010/main" Requires="p14">
+        <mc:AlternateContent xmlns:mc="http://schemas.openxmlformats.org/markup-compatibility/2006" xmlns:p14="http://schemas.microsoft.com/office/powerpoint/2010/main">
+          <mc:Choice Requires="p14">
             <p:contentPart p14:bwMode="auto" r:id="rId20">
               <p14:nvContentPartPr>
                 <p14:cNvPr id="27" name="Ink 26">
@@ -12688,7 +12717,7 @@
               </p14:xfrm>
             </p:contentPart>
           </mc:Choice>
-          <mc:Fallback>
+          <mc:Fallback xmlns="">
             <p:pic>
               <p:nvPicPr>
                 <p:cNvPr id="27" name="Ink 26">
@@ -12719,8 +12748,8 @@
             </p:pic>
           </mc:Fallback>
         </mc:AlternateContent>
-        <mc:AlternateContent xmlns:mc="http://schemas.openxmlformats.org/markup-compatibility/2006">
-          <mc:Choice xmlns:p14="http://schemas.microsoft.com/office/powerpoint/2010/main" Requires="p14">
+        <mc:AlternateContent xmlns:mc="http://schemas.openxmlformats.org/markup-compatibility/2006" xmlns:p14="http://schemas.microsoft.com/office/powerpoint/2010/main">
+          <mc:Choice Requires="p14">
             <p:contentPart p14:bwMode="auto" r:id="rId22">
               <p14:nvContentPartPr>
                 <p14:cNvPr id="28" name="Ink 27">
@@ -12739,7 +12768,7 @@
               </p14:xfrm>
             </p:contentPart>
           </mc:Choice>
-          <mc:Fallback>
+          <mc:Fallback xmlns="">
             <p:pic>
               <p:nvPicPr>
                 <p:cNvPr id="28" name="Ink 27">
@@ -12771,8 +12800,8 @@
           </mc:Fallback>
         </mc:AlternateContent>
       </p:grpSp>
-      <mc:AlternateContent xmlns:mc="http://schemas.openxmlformats.org/markup-compatibility/2006">
-        <mc:Choice xmlns:p14="http://schemas.microsoft.com/office/powerpoint/2010/main" Requires="p14">
+      <mc:AlternateContent xmlns:mc="http://schemas.openxmlformats.org/markup-compatibility/2006" xmlns:p14="http://schemas.microsoft.com/office/powerpoint/2010/main">
+        <mc:Choice Requires="p14">
           <p:contentPart p14:bwMode="auto" r:id="rId24">
             <p14:nvContentPartPr>
               <p14:cNvPr id="31" name="Ink 30">
@@ -12791,7 +12820,7 @@
             </p14:xfrm>
           </p:contentPart>
         </mc:Choice>
-        <mc:Fallback>
+        <mc:Fallback xmlns="">
           <p:pic>
             <p:nvPicPr>
               <p:cNvPr id="31" name="Ink 30">
@@ -12822,8 +12851,8 @@
           </p:pic>
         </mc:Fallback>
       </mc:AlternateContent>
-      <mc:AlternateContent xmlns:mc="http://schemas.openxmlformats.org/markup-compatibility/2006">
-        <mc:Choice xmlns:p14="http://schemas.microsoft.com/office/powerpoint/2010/main" Requires="p14">
+      <mc:AlternateContent xmlns:mc="http://schemas.openxmlformats.org/markup-compatibility/2006" xmlns:p14="http://schemas.microsoft.com/office/powerpoint/2010/main">
+        <mc:Choice Requires="p14">
           <p:contentPart p14:bwMode="auto" r:id="rId26">
             <p14:nvContentPartPr>
               <p14:cNvPr id="32" name="Ink 31">
@@ -12842,7 +12871,7 @@
             </p14:xfrm>
           </p:contentPart>
         </mc:Choice>
-        <mc:Fallback>
+        <mc:Fallback xmlns="">
           <p:pic>
             <p:nvPicPr>
               <p:cNvPr id="32" name="Ink 31">
@@ -12893,8 +12922,8 @@
             <a:chExt cx="406080" cy="234000"/>
           </a:xfrm>
         </p:grpSpPr>
-        <mc:AlternateContent xmlns:mc="http://schemas.openxmlformats.org/markup-compatibility/2006">
-          <mc:Choice xmlns:p14="http://schemas.microsoft.com/office/powerpoint/2010/main" Requires="p14">
+        <mc:AlternateContent xmlns:mc="http://schemas.openxmlformats.org/markup-compatibility/2006" xmlns:p14="http://schemas.microsoft.com/office/powerpoint/2010/main">
+          <mc:Choice Requires="p14">
             <p:contentPart p14:bwMode="auto" r:id="rId28">
               <p14:nvContentPartPr>
                 <p14:cNvPr id="33" name="Ink 32">
@@ -12913,7 +12942,7 @@
               </p14:xfrm>
             </p:contentPart>
           </mc:Choice>
-          <mc:Fallback>
+          <mc:Fallback xmlns="">
             <p:pic>
               <p:nvPicPr>
                 <p:cNvPr id="33" name="Ink 32">
@@ -12944,8 +12973,8 @@
             </p:pic>
           </mc:Fallback>
         </mc:AlternateContent>
-        <mc:AlternateContent xmlns:mc="http://schemas.openxmlformats.org/markup-compatibility/2006">
-          <mc:Choice xmlns:p14="http://schemas.microsoft.com/office/powerpoint/2010/main" Requires="p14">
+        <mc:AlternateContent xmlns:mc="http://schemas.openxmlformats.org/markup-compatibility/2006" xmlns:p14="http://schemas.microsoft.com/office/powerpoint/2010/main">
+          <mc:Choice Requires="p14">
             <p:contentPart p14:bwMode="auto" r:id="rId30">
               <p14:nvContentPartPr>
                 <p14:cNvPr id="34" name="Ink 33">
@@ -12964,7 +12993,7 @@
               </p14:xfrm>
             </p:contentPart>
           </mc:Choice>
-          <mc:Fallback>
+          <mc:Fallback xmlns="">
             <p:pic>
               <p:nvPicPr>
                 <p:cNvPr id="34" name="Ink 33">
@@ -12995,8 +13024,8 @@
             </p:pic>
           </mc:Fallback>
         </mc:AlternateContent>
-        <mc:AlternateContent xmlns:mc="http://schemas.openxmlformats.org/markup-compatibility/2006">
-          <mc:Choice xmlns:p14="http://schemas.microsoft.com/office/powerpoint/2010/main" Requires="p14">
+        <mc:AlternateContent xmlns:mc="http://schemas.openxmlformats.org/markup-compatibility/2006" xmlns:p14="http://schemas.microsoft.com/office/powerpoint/2010/main">
+          <mc:Choice Requires="p14">
             <p:contentPart p14:bwMode="auto" r:id="rId32">
               <p14:nvContentPartPr>
                 <p14:cNvPr id="35" name="Ink 34">
@@ -13015,7 +13044,7 @@
               </p14:xfrm>
             </p:contentPart>
           </mc:Choice>
-          <mc:Fallback>
+          <mc:Fallback xmlns="">
             <p:pic>
               <p:nvPicPr>
                 <p:cNvPr id="35" name="Ink 34">
@@ -13046,8 +13075,8 @@
             </p:pic>
           </mc:Fallback>
         </mc:AlternateContent>
-        <mc:AlternateContent xmlns:mc="http://schemas.openxmlformats.org/markup-compatibility/2006">
-          <mc:Choice xmlns:p14="http://schemas.microsoft.com/office/powerpoint/2010/main" Requires="p14">
+        <mc:AlternateContent xmlns:mc="http://schemas.openxmlformats.org/markup-compatibility/2006" xmlns:p14="http://schemas.microsoft.com/office/powerpoint/2010/main">
+          <mc:Choice Requires="p14">
             <p:contentPart p14:bwMode="auto" r:id="rId34">
               <p14:nvContentPartPr>
                 <p14:cNvPr id="36" name="Ink 35">
@@ -13066,7 +13095,7 @@
               </p14:xfrm>
             </p:contentPart>
           </mc:Choice>
-          <mc:Fallback>
+          <mc:Fallback xmlns="">
             <p:pic>
               <p:nvPicPr>
                 <p:cNvPr id="36" name="Ink 35">
@@ -13118,8 +13147,8 @@
             <a:chExt cx="236160" cy="623520"/>
           </a:xfrm>
         </p:grpSpPr>
-        <mc:AlternateContent xmlns:mc="http://schemas.openxmlformats.org/markup-compatibility/2006">
-          <mc:Choice xmlns:p14="http://schemas.microsoft.com/office/powerpoint/2010/main" Requires="p14">
+        <mc:AlternateContent xmlns:mc="http://schemas.openxmlformats.org/markup-compatibility/2006" xmlns:p14="http://schemas.microsoft.com/office/powerpoint/2010/main">
+          <mc:Choice Requires="p14">
             <p:contentPart p14:bwMode="auto" r:id="rId36">
               <p14:nvContentPartPr>
                 <p14:cNvPr id="39" name="Ink 38">
@@ -13138,7 +13167,7 @@
               </p14:xfrm>
             </p:contentPart>
           </mc:Choice>
-          <mc:Fallback>
+          <mc:Fallback xmlns="">
             <p:pic>
               <p:nvPicPr>
                 <p:cNvPr id="39" name="Ink 38">
@@ -13169,8 +13198,8 @@
             </p:pic>
           </mc:Fallback>
         </mc:AlternateContent>
-        <mc:AlternateContent xmlns:mc="http://schemas.openxmlformats.org/markup-compatibility/2006">
-          <mc:Choice xmlns:p14="http://schemas.microsoft.com/office/powerpoint/2010/main" Requires="p14">
+        <mc:AlternateContent xmlns:mc="http://schemas.openxmlformats.org/markup-compatibility/2006" xmlns:p14="http://schemas.microsoft.com/office/powerpoint/2010/main">
+          <mc:Choice Requires="p14">
             <p:contentPart p14:bwMode="auto" r:id="rId38">
               <p14:nvContentPartPr>
                 <p14:cNvPr id="40" name="Ink 39">
@@ -13189,7 +13218,7 @@
               </p14:xfrm>
             </p:contentPart>
           </mc:Choice>
-          <mc:Fallback>
+          <mc:Fallback xmlns="">
             <p:pic>
               <p:nvPicPr>
                 <p:cNvPr id="40" name="Ink 39">
@@ -13220,8 +13249,8 @@
             </p:pic>
           </mc:Fallback>
         </mc:AlternateContent>
-        <mc:AlternateContent xmlns:mc="http://schemas.openxmlformats.org/markup-compatibility/2006">
-          <mc:Choice xmlns:p14="http://schemas.microsoft.com/office/powerpoint/2010/main" Requires="p14">
+        <mc:AlternateContent xmlns:mc="http://schemas.openxmlformats.org/markup-compatibility/2006" xmlns:p14="http://schemas.microsoft.com/office/powerpoint/2010/main">
+          <mc:Choice Requires="p14">
             <p:contentPart p14:bwMode="auto" r:id="rId40">
               <p14:nvContentPartPr>
                 <p14:cNvPr id="41" name="Ink 40">
@@ -13240,7 +13269,7 @@
               </p14:xfrm>
             </p:contentPart>
           </mc:Choice>
-          <mc:Fallback>
+          <mc:Fallback xmlns="">
             <p:pic>
               <p:nvPicPr>
                 <p:cNvPr id="41" name="Ink 40">
@@ -13292,8 +13321,8 @@
             <a:chExt cx="974880" cy="349560"/>
           </a:xfrm>
         </p:grpSpPr>
-        <mc:AlternateContent xmlns:mc="http://schemas.openxmlformats.org/markup-compatibility/2006">
-          <mc:Choice xmlns:p14="http://schemas.microsoft.com/office/powerpoint/2010/main" Requires="p14">
+        <mc:AlternateContent xmlns:mc="http://schemas.openxmlformats.org/markup-compatibility/2006" xmlns:p14="http://schemas.microsoft.com/office/powerpoint/2010/main">
+          <mc:Choice Requires="p14">
             <p:contentPart p14:bwMode="auto" r:id="rId42">
               <p14:nvContentPartPr>
                 <p14:cNvPr id="46" name="Ink 45">
@@ -13312,7 +13341,7 @@
               </p14:xfrm>
             </p:contentPart>
           </mc:Choice>
-          <mc:Fallback>
+          <mc:Fallback xmlns="">
             <p:pic>
               <p:nvPicPr>
                 <p:cNvPr id="46" name="Ink 45">
@@ -13343,8 +13372,8 @@
             </p:pic>
           </mc:Fallback>
         </mc:AlternateContent>
-        <mc:AlternateContent xmlns:mc="http://schemas.openxmlformats.org/markup-compatibility/2006">
-          <mc:Choice xmlns:p14="http://schemas.microsoft.com/office/powerpoint/2010/main" Requires="p14">
+        <mc:AlternateContent xmlns:mc="http://schemas.openxmlformats.org/markup-compatibility/2006" xmlns:p14="http://schemas.microsoft.com/office/powerpoint/2010/main">
+          <mc:Choice Requires="p14">
             <p:contentPart p14:bwMode="auto" r:id="rId44">
               <p14:nvContentPartPr>
                 <p14:cNvPr id="47" name="Ink 46">
@@ -13363,7 +13392,7 @@
               </p14:xfrm>
             </p:contentPart>
           </mc:Choice>
-          <mc:Fallback>
+          <mc:Fallback xmlns="">
             <p:pic>
               <p:nvPicPr>
                 <p:cNvPr id="47" name="Ink 46">
@@ -13394,8 +13423,8 @@
             </p:pic>
           </mc:Fallback>
         </mc:AlternateContent>
-        <mc:AlternateContent xmlns:mc="http://schemas.openxmlformats.org/markup-compatibility/2006">
-          <mc:Choice xmlns:p14="http://schemas.microsoft.com/office/powerpoint/2010/main" Requires="p14">
+        <mc:AlternateContent xmlns:mc="http://schemas.openxmlformats.org/markup-compatibility/2006" xmlns:p14="http://schemas.microsoft.com/office/powerpoint/2010/main">
+          <mc:Choice Requires="p14">
             <p:contentPart p14:bwMode="auto" r:id="rId46">
               <p14:nvContentPartPr>
                 <p14:cNvPr id="48" name="Ink 47">
@@ -13414,7 +13443,7 @@
               </p14:xfrm>
             </p:contentPart>
           </mc:Choice>
-          <mc:Fallback>
+          <mc:Fallback xmlns="">
             <p:pic>
               <p:nvPicPr>
                 <p:cNvPr id="48" name="Ink 47">
@@ -13445,8 +13474,8 @@
             </p:pic>
           </mc:Fallback>
         </mc:AlternateContent>
-        <mc:AlternateContent xmlns:mc="http://schemas.openxmlformats.org/markup-compatibility/2006">
-          <mc:Choice xmlns:p14="http://schemas.microsoft.com/office/powerpoint/2010/main" Requires="p14">
+        <mc:AlternateContent xmlns:mc="http://schemas.openxmlformats.org/markup-compatibility/2006" xmlns:p14="http://schemas.microsoft.com/office/powerpoint/2010/main">
+          <mc:Choice Requires="p14">
             <p:contentPart p14:bwMode="auto" r:id="rId48">
               <p14:nvContentPartPr>
                 <p14:cNvPr id="51" name="Ink 50">
@@ -13465,7 +13494,7 @@
               </p14:xfrm>
             </p:contentPart>
           </mc:Choice>
-          <mc:Fallback>
+          <mc:Fallback xmlns="">
             <p:pic>
               <p:nvPicPr>
                 <p:cNvPr id="51" name="Ink 50">
@@ -13496,8 +13525,8 @@
             </p:pic>
           </mc:Fallback>
         </mc:AlternateContent>
-        <mc:AlternateContent xmlns:mc="http://schemas.openxmlformats.org/markup-compatibility/2006">
-          <mc:Choice xmlns:p14="http://schemas.microsoft.com/office/powerpoint/2010/main" Requires="p14">
+        <mc:AlternateContent xmlns:mc="http://schemas.openxmlformats.org/markup-compatibility/2006" xmlns:p14="http://schemas.microsoft.com/office/powerpoint/2010/main">
+          <mc:Choice Requires="p14">
             <p:contentPart p14:bwMode="auto" r:id="rId50">
               <p14:nvContentPartPr>
                 <p14:cNvPr id="52" name="Ink 51">
@@ -13516,7 +13545,7 @@
               </p14:xfrm>
             </p:contentPart>
           </mc:Choice>
-          <mc:Fallback>
+          <mc:Fallback xmlns="">
             <p:pic>
               <p:nvPicPr>
                 <p:cNvPr id="52" name="Ink 51">
@@ -13547,8 +13576,8 @@
             </p:pic>
           </mc:Fallback>
         </mc:AlternateContent>
-        <mc:AlternateContent xmlns:mc="http://schemas.openxmlformats.org/markup-compatibility/2006">
-          <mc:Choice xmlns:p14="http://schemas.microsoft.com/office/powerpoint/2010/main" Requires="p14">
+        <mc:AlternateContent xmlns:mc="http://schemas.openxmlformats.org/markup-compatibility/2006" xmlns:p14="http://schemas.microsoft.com/office/powerpoint/2010/main">
+          <mc:Choice Requires="p14">
             <p:contentPart p14:bwMode="auto" r:id="rId52">
               <p14:nvContentPartPr>
                 <p14:cNvPr id="53" name="Ink 52">
@@ -13567,7 +13596,7 @@
               </p14:xfrm>
             </p:contentPart>
           </mc:Choice>
-          <mc:Fallback>
+          <mc:Fallback xmlns="">
             <p:pic>
               <p:nvPicPr>
                 <p:cNvPr id="53" name="Ink 52">
@@ -13598,8 +13627,8 @@
             </p:pic>
           </mc:Fallback>
         </mc:AlternateContent>
-        <mc:AlternateContent xmlns:mc="http://schemas.openxmlformats.org/markup-compatibility/2006">
-          <mc:Choice xmlns:p14="http://schemas.microsoft.com/office/powerpoint/2010/main" Requires="p14">
+        <mc:AlternateContent xmlns:mc="http://schemas.openxmlformats.org/markup-compatibility/2006" xmlns:p14="http://schemas.microsoft.com/office/powerpoint/2010/main">
+          <mc:Choice Requires="p14">
             <p:contentPart p14:bwMode="auto" r:id="rId54">
               <p14:nvContentPartPr>
                 <p14:cNvPr id="54" name="Ink 53">
@@ -13618,7 +13647,7 @@
               </p14:xfrm>
             </p:contentPart>
           </mc:Choice>
-          <mc:Fallback>
+          <mc:Fallback xmlns="">
             <p:pic>
               <p:nvPicPr>
                 <p:cNvPr id="54" name="Ink 53">
@@ -13650,8 +13679,8 @@
           </mc:Fallback>
         </mc:AlternateContent>
       </p:grpSp>
-      <mc:AlternateContent xmlns:mc="http://schemas.openxmlformats.org/markup-compatibility/2006">
-        <mc:Choice xmlns:p14="http://schemas.microsoft.com/office/powerpoint/2010/main" Requires="p14">
+      <mc:AlternateContent xmlns:mc="http://schemas.openxmlformats.org/markup-compatibility/2006" xmlns:p14="http://schemas.microsoft.com/office/powerpoint/2010/main">
+        <mc:Choice Requires="p14">
           <p:contentPart p14:bwMode="auto" r:id="rId56">
             <p14:nvContentPartPr>
               <p14:cNvPr id="57" name="Ink 56">
@@ -13670,7 +13699,7 @@
             </p14:xfrm>
           </p:contentPart>
         </mc:Choice>
-        <mc:Fallback>
+        <mc:Fallback xmlns="">
           <p:pic>
             <p:nvPicPr>
               <p:cNvPr id="57" name="Ink 56">
@@ -13701,8 +13730,8 @@
           </p:pic>
         </mc:Fallback>
       </mc:AlternateContent>
-      <mc:AlternateContent xmlns:mc="http://schemas.openxmlformats.org/markup-compatibility/2006">
-        <mc:Choice xmlns:p14="http://schemas.microsoft.com/office/powerpoint/2010/main" Requires="p14">
+      <mc:AlternateContent xmlns:mc="http://schemas.openxmlformats.org/markup-compatibility/2006" xmlns:p14="http://schemas.microsoft.com/office/powerpoint/2010/main">
+        <mc:Choice Requires="p14">
           <p:contentPart p14:bwMode="auto" r:id="rId58">
             <p14:nvContentPartPr>
               <p14:cNvPr id="58" name="Ink 57">
@@ -13721,7 +13750,7 @@
             </p14:xfrm>
           </p:contentPart>
         </mc:Choice>
-        <mc:Fallback>
+        <mc:Fallback xmlns="">
           <p:pic>
             <p:nvPicPr>
               <p:cNvPr id="58" name="Ink 57">
@@ -13772,8 +13801,8 @@
             <a:chExt cx="215280" cy="489240"/>
           </a:xfrm>
         </p:grpSpPr>
-        <mc:AlternateContent xmlns:mc="http://schemas.openxmlformats.org/markup-compatibility/2006">
-          <mc:Choice xmlns:p14="http://schemas.microsoft.com/office/powerpoint/2010/main" Requires="p14">
+        <mc:AlternateContent xmlns:mc="http://schemas.openxmlformats.org/markup-compatibility/2006" xmlns:p14="http://schemas.microsoft.com/office/powerpoint/2010/main">
+          <mc:Choice Requires="p14">
             <p:contentPart p14:bwMode="auto" r:id="rId60">
               <p14:nvContentPartPr>
                 <p14:cNvPr id="59" name="Ink 58">
@@ -13792,7 +13821,7 @@
               </p14:xfrm>
             </p:contentPart>
           </mc:Choice>
-          <mc:Fallback>
+          <mc:Fallback xmlns="">
             <p:pic>
               <p:nvPicPr>
                 <p:cNvPr id="59" name="Ink 58">
@@ -13823,8 +13852,8 @@
             </p:pic>
           </mc:Fallback>
         </mc:AlternateContent>
-        <mc:AlternateContent xmlns:mc="http://schemas.openxmlformats.org/markup-compatibility/2006">
-          <mc:Choice xmlns:p14="http://schemas.microsoft.com/office/powerpoint/2010/main" Requires="p14">
+        <mc:AlternateContent xmlns:mc="http://schemas.openxmlformats.org/markup-compatibility/2006" xmlns:p14="http://schemas.microsoft.com/office/powerpoint/2010/main">
+          <mc:Choice Requires="p14">
             <p:contentPart p14:bwMode="auto" r:id="rId62">
               <p14:nvContentPartPr>
                 <p14:cNvPr id="60" name="Ink 59">
@@ -13843,7 +13872,7 @@
               </p14:xfrm>
             </p:contentPart>
           </mc:Choice>
-          <mc:Fallback>
+          <mc:Fallback xmlns="">
             <p:pic>
               <p:nvPicPr>
                 <p:cNvPr id="60" name="Ink 59">
@@ -13874,8 +13903,8 @@
             </p:pic>
           </mc:Fallback>
         </mc:AlternateContent>
-        <mc:AlternateContent xmlns:mc="http://schemas.openxmlformats.org/markup-compatibility/2006">
-          <mc:Choice xmlns:p14="http://schemas.microsoft.com/office/powerpoint/2010/main" Requires="p14">
+        <mc:AlternateContent xmlns:mc="http://schemas.openxmlformats.org/markup-compatibility/2006" xmlns:p14="http://schemas.microsoft.com/office/powerpoint/2010/main">
+          <mc:Choice Requires="p14">
             <p:contentPart p14:bwMode="auto" r:id="rId64">
               <p14:nvContentPartPr>
                 <p14:cNvPr id="61" name="Ink 60">
@@ -13894,7 +13923,7 @@
               </p14:xfrm>
             </p:contentPart>
           </mc:Choice>
-          <mc:Fallback>
+          <mc:Fallback xmlns="">
             <p:pic>
               <p:nvPicPr>
                 <p:cNvPr id="61" name="Ink 60">
@@ -13925,8 +13954,8 @@
             </p:pic>
           </mc:Fallback>
         </mc:AlternateContent>
-        <mc:AlternateContent xmlns:mc="http://schemas.openxmlformats.org/markup-compatibility/2006">
-          <mc:Choice xmlns:p14="http://schemas.microsoft.com/office/powerpoint/2010/main" Requires="p14">
+        <mc:AlternateContent xmlns:mc="http://schemas.openxmlformats.org/markup-compatibility/2006" xmlns:p14="http://schemas.microsoft.com/office/powerpoint/2010/main">
+          <mc:Choice Requires="p14">
             <p:contentPart p14:bwMode="auto" r:id="rId66">
               <p14:nvContentPartPr>
                 <p14:cNvPr id="62" name="Ink 61">
@@ -13945,7 +13974,7 @@
               </p14:xfrm>
             </p:contentPart>
           </mc:Choice>
-          <mc:Fallback>
+          <mc:Fallback xmlns="">
             <p:pic>
               <p:nvPicPr>
                 <p:cNvPr id="62" name="Ink 61">
@@ -13997,8 +14026,8 @@
             <a:chExt cx="1480320" cy="472320"/>
           </a:xfrm>
         </p:grpSpPr>
-        <mc:AlternateContent xmlns:mc="http://schemas.openxmlformats.org/markup-compatibility/2006">
-          <mc:Choice xmlns:p14="http://schemas.microsoft.com/office/powerpoint/2010/main" Requires="p14">
+        <mc:AlternateContent xmlns:mc="http://schemas.openxmlformats.org/markup-compatibility/2006" xmlns:p14="http://schemas.microsoft.com/office/powerpoint/2010/main">
+          <mc:Choice Requires="p14">
             <p:contentPart p14:bwMode="auto" r:id="rId68">
               <p14:nvContentPartPr>
                 <p14:cNvPr id="67" name="Ink 66">
@@ -14017,7 +14046,7 @@
               </p14:xfrm>
             </p:contentPart>
           </mc:Choice>
-          <mc:Fallback>
+          <mc:Fallback xmlns="">
             <p:pic>
               <p:nvPicPr>
                 <p:cNvPr id="67" name="Ink 66">
@@ -14048,8 +14077,8 @@
             </p:pic>
           </mc:Fallback>
         </mc:AlternateContent>
-        <mc:AlternateContent xmlns:mc="http://schemas.openxmlformats.org/markup-compatibility/2006">
-          <mc:Choice xmlns:p14="http://schemas.microsoft.com/office/powerpoint/2010/main" Requires="p14">
+        <mc:AlternateContent xmlns:mc="http://schemas.openxmlformats.org/markup-compatibility/2006" xmlns:p14="http://schemas.microsoft.com/office/powerpoint/2010/main">
+          <mc:Choice Requires="p14">
             <p:contentPart p14:bwMode="auto" r:id="rId70">
               <p14:nvContentPartPr>
                 <p14:cNvPr id="68" name="Ink 67">
@@ -14068,7 +14097,7 @@
               </p14:xfrm>
             </p:contentPart>
           </mc:Choice>
-          <mc:Fallback>
+          <mc:Fallback xmlns="">
             <p:pic>
               <p:nvPicPr>
                 <p:cNvPr id="68" name="Ink 67">
@@ -14099,8 +14128,8 @@
             </p:pic>
           </mc:Fallback>
         </mc:AlternateContent>
-        <mc:AlternateContent xmlns:mc="http://schemas.openxmlformats.org/markup-compatibility/2006">
-          <mc:Choice xmlns:p14="http://schemas.microsoft.com/office/powerpoint/2010/main" Requires="p14">
+        <mc:AlternateContent xmlns:mc="http://schemas.openxmlformats.org/markup-compatibility/2006" xmlns:p14="http://schemas.microsoft.com/office/powerpoint/2010/main">
+          <mc:Choice Requires="p14">
             <p:contentPart p14:bwMode="auto" r:id="rId72">
               <p14:nvContentPartPr>
                 <p14:cNvPr id="69" name="Ink 68">
@@ -14119,7 +14148,7 @@
               </p14:xfrm>
             </p:contentPart>
           </mc:Choice>
-          <mc:Fallback>
+          <mc:Fallback xmlns="">
             <p:pic>
               <p:nvPicPr>
                 <p:cNvPr id="69" name="Ink 68">
@@ -14150,8 +14179,8 @@
             </p:pic>
           </mc:Fallback>
         </mc:AlternateContent>
-        <mc:AlternateContent xmlns:mc="http://schemas.openxmlformats.org/markup-compatibility/2006">
-          <mc:Choice xmlns:p14="http://schemas.microsoft.com/office/powerpoint/2010/main" Requires="p14">
+        <mc:AlternateContent xmlns:mc="http://schemas.openxmlformats.org/markup-compatibility/2006" xmlns:p14="http://schemas.microsoft.com/office/powerpoint/2010/main">
+          <mc:Choice Requires="p14">
             <p:contentPart p14:bwMode="auto" r:id="rId74">
               <p14:nvContentPartPr>
                 <p14:cNvPr id="72" name="Ink 71">
@@ -14170,7 +14199,7 @@
               </p14:xfrm>
             </p:contentPart>
           </mc:Choice>
-          <mc:Fallback>
+          <mc:Fallback xmlns="">
             <p:pic>
               <p:nvPicPr>
                 <p:cNvPr id="72" name="Ink 71">
@@ -14201,8 +14230,8 @@
             </p:pic>
           </mc:Fallback>
         </mc:AlternateContent>
-        <mc:AlternateContent xmlns:mc="http://schemas.openxmlformats.org/markup-compatibility/2006">
-          <mc:Choice xmlns:p14="http://schemas.microsoft.com/office/powerpoint/2010/main" Requires="p14">
+        <mc:AlternateContent xmlns:mc="http://schemas.openxmlformats.org/markup-compatibility/2006" xmlns:p14="http://schemas.microsoft.com/office/powerpoint/2010/main">
+          <mc:Choice Requires="p14">
             <p:contentPart p14:bwMode="auto" r:id="rId76">
               <p14:nvContentPartPr>
                 <p14:cNvPr id="73" name="Ink 72">
@@ -14221,7 +14250,7 @@
               </p14:xfrm>
             </p:contentPart>
           </mc:Choice>
-          <mc:Fallback>
+          <mc:Fallback xmlns="">
             <p:pic>
               <p:nvPicPr>
                 <p:cNvPr id="73" name="Ink 72">
@@ -14252,8 +14281,8 @@
             </p:pic>
           </mc:Fallback>
         </mc:AlternateContent>
-        <mc:AlternateContent xmlns:mc="http://schemas.openxmlformats.org/markup-compatibility/2006">
-          <mc:Choice xmlns:p14="http://schemas.microsoft.com/office/powerpoint/2010/main" Requires="p14">
+        <mc:AlternateContent xmlns:mc="http://schemas.openxmlformats.org/markup-compatibility/2006" xmlns:p14="http://schemas.microsoft.com/office/powerpoint/2010/main">
+          <mc:Choice Requires="p14">
             <p:contentPart p14:bwMode="auto" r:id="rId78">
               <p14:nvContentPartPr>
                 <p14:cNvPr id="74" name="Ink 73">
@@ -14272,7 +14301,7 @@
               </p14:xfrm>
             </p:contentPart>
           </mc:Choice>
-          <mc:Fallback>
+          <mc:Fallback xmlns="">
             <p:pic>
               <p:nvPicPr>
                 <p:cNvPr id="74" name="Ink 73">
@@ -14303,8 +14332,8 @@
             </p:pic>
           </mc:Fallback>
         </mc:AlternateContent>
-        <mc:AlternateContent xmlns:mc="http://schemas.openxmlformats.org/markup-compatibility/2006">
-          <mc:Choice xmlns:p14="http://schemas.microsoft.com/office/powerpoint/2010/main" Requires="p14">
+        <mc:AlternateContent xmlns:mc="http://schemas.openxmlformats.org/markup-compatibility/2006" xmlns:p14="http://schemas.microsoft.com/office/powerpoint/2010/main">
+          <mc:Choice Requires="p14">
             <p:contentPart p14:bwMode="auto" r:id="rId80">
               <p14:nvContentPartPr>
                 <p14:cNvPr id="75" name="Ink 74">
@@ -14323,7 +14352,7 @@
               </p14:xfrm>
             </p:contentPart>
           </mc:Choice>
-          <mc:Fallback>
+          <mc:Fallback xmlns="">
             <p:pic>
               <p:nvPicPr>
                 <p:cNvPr id="75" name="Ink 74">
@@ -14354,8 +14383,8 @@
             </p:pic>
           </mc:Fallback>
         </mc:AlternateContent>
-        <mc:AlternateContent xmlns:mc="http://schemas.openxmlformats.org/markup-compatibility/2006">
-          <mc:Choice xmlns:p14="http://schemas.microsoft.com/office/powerpoint/2010/main" Requires="p14">
+        <mc:AlternateContent xmlns:mc="http://schemas.openxmlformats.org/markup-compatibility/2006" xmlns:p14="http://schemas.microsoft.com/office/powerpoint/2010/main">
+          <mc:Choice Requires="p14">
             <p:contentPart p14:bwMode="auto" r:id="rId82">
               <p14:nvContentPartPr>
                 <p14:cNvPr id="76" name="Ink 75">
@@ -14374,7 +14403,7 @@
               </p14:xfrm>
             </p:contentPart>
           </mc:Choice>
-          <mc:Fallback>
+          <mc:Fallback xmlns="">
             <p:pic>
               <p:nvPicPr>
                 <p:cNvPr id="76" name="Ink 75">
@@ -14405,8 +14434,8 @@
             </p:pic>
           </mc:Fallback>
         </mc:AlternateContent>
-        <mc:AlternateContent xmlns:mc="http://schemas.openxmlformats.org/markup-compatibility/2006">
-          <mc:Choice xmlns:p14="http://schemas.microsoft.com/office/powerpoint/2010/main" Requires="p14">
+        <mc:AlternateContent xmlns:mc="http://schemas.openxmlformats.org/markup-compatibility/2006" xmlns:p14="http://schemas.microsoft.com/office/powerpoint/2010/main">
+          <mc:Choice Requires="p14">
             <p:contentPart p14:bwMode="auto" r:id="rId84">
               <p14:nvContentPartPr>
                 <p14:cNvPr id="77" name="Ink 76">
@@ -14425,7 +14454,7 @@
               </p14:xfrm>
             </p:contentPart>
           </mc:Choice>
-          <mc:Fallback>
+          <mc:Fallback xmlns="">
             <p:pic>
               <p:nvPicPr>
                 <p:cNvPr id="77" name="Ink 76">
@@ -14456,8 +14485,8 @@
             </p:pic>
           </mc:Fallback>
         </mc:AlternateContent>
-        <mc:AlternateContent xmlns:mc="http://schemas.openxmlformats.org/markup-compatibility/2006">
-          <mc:Choice xmlns:p14="http://schemas.microsoft.com/office/powerpoint/2010/main" Requires="p14">
+        <mc:AlternateContent xmlns:mc="http://schemas.openxmlformats.org/markup-compatibility/2006" xmlns:p14="http://schemas.microsoft.com/office/powerpoint/2010/main">
+          <mc:Choice Requires="p14">
             <p:contentPart p14:bwMode="auto" r:id="rId86">
               <p14:nvContentPartPr>
                 <p14:cNvPr id="78" name="Ink 77">
@@ -14476,7 +14505,7 @@
               </p14:xfrm>
             </p:contentPart>
           </mc:Choice>
-          <mc:Fallback>
+          <mc:Fallback xmlns="">
             <p:pic>
               <p:nvPicPr>
                 <p:cNvPr id="78" name="Ink 77">
@@ -14507,8 +14536,8 @@
             </p:pic>
           </mc:Fallback>
         </mc:AlternateContent>
-        <mc:AlternateContent xmlns:mc="http://schemas.openxmlformats.org/markup-compatibility/2006">
-          <mc:Choice xmlns:p14="http://schemas.microsoft.com/office/powerpoint/2010/main" Requires="p14">
+        <mc:AlternateContent xmlns:mc="http://schemas.openxmlformats.org/markup-compatibility/2006" xmlns:p14="http://schemas.microsoft.com/office/powerpoint/2010/main">
+          <mc:Choice Requires="p14">
             <p:contentPart p14:bwMode="auto" r:id="rId88">
               <p14:nvContentPartPr>
                 <p14:cNvPr id="79" name="Ink 78">
@@ -14527,7 +14556,7 @@
               </p14:xfrm>
             </p:contentPart>
           </mc:Choice>
-          <mc:Fallback>
+          <mc:Fallback xmlns="">
             <p:pic>
               <p:nvPicPr>
                 <p:cNvPr id="79" name="Ink 78">
@@ -14559,8 +14588,8 @@
           </mc:Fallback>
         </mc:AlternateContent>
       </p:grpSp>
-      <mc:AlternateContent xmlns:mc="http://schemas.openxmlformats.org/markup-compatibility/2006">
-        <mc:Choice xmlns:p14="http://schemas.microsoft.com/office/powerpoint/2010/main" Requires="p14">
+      <mc:AlternateContent xmlns:mc="http://schemas.openxmlformats.org/markup-compatibility/2006" xmlns:p14="http://schemas.microsoft.com/office/powerpoint/2010/main">
+        <mc:Choice Requires="p14">
           <p:contentPart p14:bwMode="auto" r:id="rId90">
             <p14:nvContentPartPr>
               <p14:cNvPr id="82" name="Ink 81">
@@ -14579,7 +14608,7 @@
             </p14:xfrm>
           </p:contentPart>
         </mc:Choice>
-        <mc:Fallback>
+        <mc:Fallback xmlns="">
           <p:pic>
             <p:nvPicPr>
               <p:cNvPr id="82" name="Ink 81">
@@ -14610,8 +14639,8 @@
           </p:pic>
         </mc:Fallback>
       </mc:AlternateContent>
-      <mc:AlternateContent xmlns:mc="http://schemas.openxmlformats.org/markup-compatibility/2006">
-        <mc:Choice xmlns:p14="http://schemas.microsoft.com/office/powerpoint/2010/main" Requires="p14">
+      <mc:AlternateContent xmlns:mc="http://schemas.openxmlformats.org/markup-compatibility/2006" xmlns:p14="http://schemas.microsoft.com/office/powerpoint/2010/main">
+        <mc:Choice Requires="p14">
           <p:contentPart p14:bwMode="auto" r:id="rId92">
             <p14:nvContentPartPr>
               <p14:cNvPr id="83" name="Ink 82">
@@ -14630,7 +14659,7 @@
             </p14:xfrm>
           </p:contentPart>
         </mc:Choice>
-        <mc:Fallback>
+        <mc:Fallback xmlns="">
           <p:pic>
             <p:nvPicPr>
               <p:cNvPr id="83" name="Ink 82">
@@ -14681,8 +14710,8 @@
             <a:chExt cx="239760" cy="369000"/>
           </a:xfrm>
         </p:grpSpPr>
-        <mc:AlternateContent xmlns:mc="http://schemas.openxmlformats.org/markup-compatibility/2006">
-          <mc:Choice xmlns:p14="http://schemas.microsoft.com/office/powerpoint/2010/main" Requires="p14">
+        <mc:AlternateContent xmlns:mc="http://schemas.openxmlformats.org/markup-compatibility/2006" xmlns:p14="http://schemas.microsoft.com/office/powerpoint/2010/main">
+          <mc:Choice Requires="p14">
             <p:contentPart p14:bwMode="auto" r:id="rId94">
               <p14:nvContentPartPr>
                 <p14:cNvPr id="88" name="Ink 87">
@@ -14701,7 +14730,7 @@
               </p14:xfrm>
             </p:contentPart>
           </mc:Choice>
-          <mc:Fallback>
+          <mc:Fallback xmlns="">
             <p:pic>
               <p:nvPicPr>
                 <p:cNvPr id="88" name="Ink 87">
@@ -14732,8 +14761,8 @@
             </p:pic>
           </mc:Fallback>
         </mc:AlternateContent>
-        <mc:AlternateContent xmlns:mc="http://schemas.openxmlformats.org/markup-compatibility/2006">
-          <mc:Choice xmlns:p14="http://schemas.microsoft.com/office/powerpoint/2010/main" Requires="p14">
+        <mc:AlternateContent xmlns:mc="http://schemas.openxmlformats.org/markup-compatibility/2006" xmlns:p14="http://schemas.microsoft.com/office/powerpoint/2010/main">
+          <mc:Choice Requires="p14">
             <p:contentPart p14:bwMode="auto" r:id="rId96">
               <p14:nvContentPartPr>
                 <p14:cNvPr id="89" name="Ink 88">
@@ -14752,7 +14781,7 @@
               </p14:xfrm>
             </p:contentPart>
           </mc:Choice>
-          <mc:Fallback>
+          <mc:Fallback xmlns="">
             <p:pic>
               <p:nvPicPr>
                 <p:cNvPr id="89" name="Ink 88">
@@ -14804,8 +14833,8 @@
             <a:chExt cx="773640" cy="340200"/>
           </a:xfrm>
         </p:grpSpPr>
-        <mc:AlternateContent xmlns:mc="http://schemas.openxmlformats.org/markup-compatibility/2006">
-          <mc:Choice xmlns:p14="http://schemas.microsoft.com/office/powerpoint/2010/main" Requires="p14">
+        <mc:AlternateContent xmlns:mc="http://schemas.openxmlformats.org/markup-compatibility/2006" xmlns:p14="http://schemas.microsoft.com/office/powerpoint/2010/main">
+          <mc:Choice Requires="p14">
             <p:contentPart p14:bwMode="auto" r:id="rId98">
               <p14:nvContentPartPr>
                 <p14:cNvPr id="92" name="Ink 91">
@@ -14824,7 +14853,7 @@
               </p14:xfrm>
             </p:contentPart>
           </mc:Choice>
-          <mc:Fallback>
+          <mc:Fallback xmlns="">
             <p:pic>
               <p:nvPicPr>
                 <p:cNvPr id="92" name="Ink 91">
@@ -14855,8 +14884,8 @@
             </p:pic>
           </mc:Fallback>
         </mc:AlternateContent>
-        <mc:AlternateContent xmlns:mc="http://schemas.openxmlformats.org/markup-compatibility/2006">
-          <mc:Choice xmlns:p14="http://schemas.microsoft.com/office/powerpoint/2010/main" Requires="p14">
+        <mc:AlternateContent xmlns:mc="http://schemas.openxmlformats.org/markup-compatibility/2006" xmlns:p14="http://schemas.microsoft.com/office/powerpoint/2010/main">
+          <mc:Choice Requires="p14">
             <p:contentPart p14:bwMode="auto" r:id="rId100">
               <p14:nvContentPartPr>
                 <p14:cNvPr id="93" name="Ink 92">
@@ -14875,7 +14904,7 @@
               </p14:xfrm>
             </p:contentPart>
           </mc:Choice>
-          <mc:Fallback>
+          <mc:Fallback xmlns="">
             <p:pic>
               <p:nvPicPr>
                 <p:cNvPr id="93" name="Ink 92">
@@ -14906,8 +14935,8 @@
             </p:pic>
           </mc:Fallback>
         </mc:AlternateContent>
-        <mc:AlternateContent xmlns:mc="http://schemas.openxmlformats.org/markup-compatibility/2006">
-          <mc:Choice xmlns:p14="http://schemas.microsoft.com/office/powerpoint/2010/main" Requires="p14">
+        <mc:AlternateContent xmlns:mc="http://schemas.openxmlformats.org/markup-compatibility/2006" xmlns:p14="http://schemas.microsoft.com/office/powerpoint/2010/main">
+          <mc:Choice Requires="p14">
             <p:contentPart p14:bwMode="auto" r:id="rId102">
               <p14:nvContentPartPr>
                 <p14:cNvPr id="94" name="Ink 93">
@@ -14926,7 +14955,7 @@
               </p14:xfrm>
             </p:contentPart>
           </mc:Choice>
-          <mc:Fallback>
+          <mc:Fallback xmlns="">
             <p:pic>
               <p:nvPicPr>
                 <p:cNvPr id="94" name="Ink 93">
@@ -14957,8 +14986,8 @@
             </p:pic>
           </mc:Fallback>
         </mc:AlternateContent>
-        <mc:AlternateContent xmlns:mc="http://schemas.openxmlformats.org/markup-compatibility/2006">
-          <mc:Choice xmlns:p14="http://schemas.microsoft.com/office/powerpoint/2010/main" Requires="p14">
+        <mc:AlternateContent xmlns:mc="http://schemas.openxmlformats.org/markup-compatibility/2006" xmlns:p14="http://schemas.microsoft.com/office/powerpoint/2010/main">
+          <mc:Choice Requires="p14">
             <p:contentPart p14:bwMode="auto" r:id="rId104">
               <p14:nvContentPartPr>
                 <p14:cNvPr id="95" name="Ink 94">
@@ -14977,7 +15006,7 @@
               </p14:xfrm>
             </p:contentPart>
           </mc:Choice>
-          <mc:Fallback>
+          <mc:Fallback xmlns="">
             <p:pic>
               <p:nvPicPr>
                 <p:cNvPr id="95" name="Ink 94">
@@ -15008,8 +15037,8 @@
             </p:pic>
           </mc:Fallback>
         </mc:AlternateContent>
-        <mc:AlternateContent xmlns:mc="http://schemas.openxmlformats.org/markup-compatibility/2006">
-          <mc:Choice xmlns:p14="http://schemas.microsoft.com/office/powerpoint/2010/main" Requires="p14">
+        <mc:AlternateContent xmlns:mc="http://schemas.openxmlformats.org/markup-compatibility/2006" xmlns:p14="http://schemas.microsoft.com/office/powerpoint/2010/main">
+          <mc:Choice Requires="p14">
             <p:contentPart p14:bwMode="auto" r:id="rId106">
               <p14:nvContentPartPr>
                 <p14:cNvPr id="96" name="Ink 95">
@@ -15028,7 +15057,7 @@
               </p14:xfrm>
             </p:contentPart>
           </mc:Choice>
-          <mc:Fallback>
+          <mc:Fallback xmlns="">
             <p:pic>
               <p:nvPicPr>
                 <p:cNvPr id="96" name="Ink 95">
@@ -15059,8 +15088,8 @@
             </p:pic>
           </mc:Fallback>
         </mc:AlternateContent>
-        <mc:AlternateContent xmlns:mc="http://schemas.openxmlformats.org/markup-compatibility/2006">
-          <mc:Choice xmlns:p14="http://schemas.microsoft.com/office/powerpoint/2010/main" Requires="p14">
+        <mc:AlternateContent xmlns:mc="http://schemas.openxmlformats.org/markup-compatibility/2006" xmlns:p14="http://schemas.microsoft.com/office/powerpoint/2010/main">
+          <mc:Choice Requires="p14">
             <p:contentPart p14:bwMode="auto" r:id="rId108">
               <p14:nvContentPartPr>
                 <p14:cNvPr id="97" name="Ink 96">
@@ -15079,7 +15108,7 @@
               </p14:xfrm>
             </p:contentPart>
           </mc:Choice>
-          <mc:Fallback>
+          <mc:Fallback xmlns="">
             <p:pic>
               <p:nvPicPr>
                 <p:cNvPr id="97" name="Ink 96">
@@ -15131,8 +15160,8 @@
             <a:chExt cx="133920" cy="135720"/>
           </a:xfrm>
         </p:grpSpPr>
-        <mc:AlternateContent xmlns:mc="http://schemas.openxmlformats.org/markup-compatibility/2006">
-          <mc:Choice xmlns:p14="http://schemas.microsoft.com/office/powerpoint/2010/main" Requires="p14">
+        <mc:AlternateContent xmlns:mc="http://schemas.openxmlformats.org/markup-compatibility/2006" xmlns:p14="http://schemas.microsoft.com/office/powerpoint/2010/main">
+          <mc:Choice Requires="p14">
             <p:contentPart p14:bwMode="auto" r:id="rId110">
               <p14:nvContentPartPr>
                 <p14:cNvPr id="98" name="Ink 97">
@@ -15151,7 +15180,7 @@
               </p14:xfrm>
             </p:contentPart>
           </mc:Choice>
-          <mc:Fallback>
+          <mc:Fallback xmlns="">
             <p:pic>
               <p:nvPicPr>
                 <p:cNvPr id="98" name="Ink 97">
@@ -15182,8 +15211,8 @@
             </p:pic>
           </mc:Fallback>
         </mc:AlternateContent>
-        <mc:AlternateContent xmlns:mc="http://schemas.openxmlformats.org/markup-compatibility/2006">
-          <mc:Choice xmlns:p14="http://schemas.microsoft.com/office/powerpoint/2010/main" Requires="p14">
+        <mc:AlternateContent xmlns:mc="http://schemas.openxmlformats.org/markup-compatibility/2006" xmlns:p14="http://schemas.microsoft.com/office/powerpoint/2010/main">
+          <mc:Choice Requires="p14">
             <p:contentPart p14:bwMode="auto" r:id="rId112">
               <p14:nvContentPartPr>
                 <p14:cNvPr id="99" name="Ink 98">
@@ -15202,7 +15231,7 @@
               </p14:xfrm>
             </p:contentPart>
           </mc:Choice>
-          <mc:Fallback>
+          <mc:Fallback xmlns="">
             <p:pic>
               <p:nvPicPr>
                 <p:cNvPr id="99" name="Ink 98">
@@ -15234,8 +15263,8 @@
           </mc:Fallback>
         </mc:AlternateContent>
       </p:grpSp>
-      <mc:AlternateContent xmlns:mc="http://schemas.openxmlformats.org/markup-compatibility/2006">
-        <mc:Choice xmlns:p14="http://schemas.microsoft.com/office/powerpoint/2010/main" Requires="p14">
+      <mc:AlternateContent xmlns:mc="http://schemas.openxmlformats.org/markup-compatibility/2006" xmlns:p14="http://schemas.microsoft.com/office/powerpoint/2010/main">
+        <mc:Choice Requires="p14">
           <p:contentPart p14:bwMode="auto" r:id="rId114">
             <p14:nvContentPartPr>
               <p14:cNvPr id="104" name="Ink 103">
@@ -15254,7 +15283,7 @@
             </p14:xfrm>
           </p:contentPart>
         </mc:Choice>
-        <mc:Fallback>
+        <mc:Fallback xmlns="">
           <p:pic>
             <p:nvPicPr>
               <p:cNvPr id="104" name="Ink 103">
@@ -15285,8 +15314,8 @@
           </p:pic>
         </mc:Fallback>
       </mc:AlternateContent>
-      <mc:AlternateContent xmlns:mc="http://schemas.openxmlformats.org/markup-compatibility/2006">
-        <mc:Choice xmlns:p14="http://schemas.microsoft.com/office/powerpoint/2010/main" Requires="p14">
+      <mc:AlternateContent xmlns:mc="http://schemas.openxmlformats.org/markup-compatibility/2006" xmlns:p14="http://schemas.microsoft.com/office/powerpoint/2010/main">
+        <mc:Choice Requires="p14">
           <p:contentPart p14:bwMode="auto" r:id="rId116">
             <p14:nvContentPartPr>
               <p14:cNvPr id="105" name="Ink 104">
@@ -15305,7 +15334,7 @@
             </p14:xfrm>
           </p:contentPart>
         </mc:Choice>
-        <mc:Fallback>
+        <mc:Fallback xmlns="">
           <p:pic>
             <p:nvPicPr>
               <p:cNvPr id="105" name="Ink 104">
@@ -15336,8 +15365,8 @@
           </p:pic>
         </mc:Fallback>
       </mc:AlternateContent>
-      <mc:AlternateContent xmlns:mc="http://schemas.openxmlformats.org/markup-compatibility/2006">
-        <mc:Choice xmlns:p14="http://schemas.microsoft.com/office/powerpoint/2010/main" Requires="p14">
+      <mc:AlternateContent xmlns:mc="http://schemas.openxmlformats.org/markup-compatibility/2006" xmlns:p14="http://schemas.microsoft.com/office/powerpoint/2010/main">
+        <mc:Choice Requires="p14">
           <p:contentPart p14:bwMode="auto" r:id="rId118">
             <p14:nvContentPartPr>
               <p14:cNvPr id="106" name="Ink 105">
@@ -15356,7 +15385,7 @@
             </p14:xfrm>
           </p:contentPart>
         </mc:Choice>
-        <mc:Fallback>
+        <mc:Fallback xmlns="">
           <p:pic>
             <p:nvPicPr>
               <p:cNvPr id="106" name="Ink 105">
@@ -15387,8 +15416,8 @@
           </p:pic>
         </mc:Fallback>
       </mc:AlternateContent>
-      <mc:AlternateContent xmlns:mc="http://schemas.openxmlformats.org/markup-compatibility/2006">
-        <mc:Choice xmlns:p14="http://schemas.microsoft.com/office/powerpoint/2010/main" Requires="p14">
+      <mc:AlternateContent xmlns:mc="http://schemas.openxmlformats.org/markup-compatibility/2006" xmlns:p14="http://schemas.microsoft.com/office/powerpoint/2010/main">
+        <mc:Choice Requires="p14">
           <p:contentPart p14:bwMode="auto" r:id="rId120">
             <p14:nvContentPartPr>
               <p14:cNvPr id="118" name="Ink 117">
@@ -15407,7 +15436,7 @@
             </p14:xfrm>
           </p:contentPart>
         </mc:Choice>
-        <mc:Fallback>
+        <mc:Fallback xmlns="">
           <p:pic>
             <p:nvPicPr>
               <p:cNvPr id="118" name="Ink 117">
@@ -15438,8 +15467,8 @@
           </p:pic>
         </mc:Fallback>
       </mc:AlternateContent>
-      <mc:AlternateContent xmlns:mc="http://schemas.openxmlformats.org/markup-compatibility/2006">
-        <mc:Choice xmlns:p14="http://schemas.microsoft.com/office/powerpoint/2010/main" Requires="p14">
+      <mc:AlternateContent xmlns:mc="http://schemas.openxmlformats.org/markup-compatibility/2006" xmlns:p14="http://schemas.microsoft.com/office/powerpoint/2010/main">
+        <mc:Choice Requires="p14">
           <p:contentPart p14:bwMode="auto" r:id="rId122">
             <p14:nvContentPartPr>
               <p14:cNvPr id="119" name="Ink 118">
@@ -15458,7 +15487,7 @@
             </p14:xfrm>
           </p:contentPart>
         </mc:Choice>
-        <mc:Fallback>
+        <mc:Fallback xmlns="">
           <p:pic>
             <p:nvPicPr>
               <p:cNvPr id="119" name="Ink 118">
@@ -15489,8 +15518,8 @@
           </p:pic>
         </mc:Fallback>
       </mc:AlternateContent>
-      <mc:AlternateContent xmlns:mc="http://schemas.openxmlformats.org/markup-compatibility/2006">
-        <mc:Choice xmlns:p14="http://schemas.microsoft.com/office/powerpoint/2010/main" Requires="p14">
+      <mc:AlternateContent xmlns:mc="http://schemas.openxmlformats.org/markup-compatibility/2006" xmlns:p14="http://schemas.microsoft.com/office/powerpoint/2010/main">
+        <mc:Choice Requires="p14">
           <p:contentPart p14:bwMode="auto" r:id="rId124">
             <p14:nvContentPartPr>
               <p14:cNvPr id="120" name="Ink 119">
@@ -15509,7 +15538,7 @@
             </p14:xfrm>
           </p:contentPart>
         </mc:Choice>
-        <mc:Fallback>
+        <mc:Fallback xmlns="">
           <p:pic>
             <p:nvPicPr>
               <p:cNvPr id="120" name="Ink 119">
@@ -15540,8 +15569,8 @@
           </p:pic>
         </mc:Fallback>
       </mc:AlternateContent>
-      <mc:AlternateContent xmlns:mc="http://schemas.openxmlformats.org/markup-compatibility/2006">
-        <mc:Choice xmlns:p14="http://schemas.microsoft.com/office/powerpoint/2010/main" Requires="p14">
+      <mc:AlternateContent xmlns:mc="http://schemas.openxmlformats.org/markup-compatibility/2006" xmlns:p14="http://schemas.microsoft.com/office/powerpoint/2010/main">
+        <mc:Choice Requires="p14">
           <p:contentPart p14:bwMode="auto" r:id="rId126">
             <p14:nvContentPartPr>
               <p14:cNvPr id="121" name="Ink 120">
@@ -15560,7 +15589,7 @@
             </p14:xfrm>
           </p:contentPart>
         </mc:Choice>
-        <mc:Fallback>
+        <mc:Fallback xmlns="">
           <p:pic>
             <p:nvPicPr>
               <p:cNvPr id="121" name="Ink 120">
@@ -15611,8 +15640,8 @@
             <a:chExt cx="447480" cy="234360"/>
           </a:xfrm>
         </p:grpSpPr>
-        <mc:AlternateContent xmlns:mc="http://schemas.openxmlformats.org/markup-compatibility/2006">
-          <mc:Choice xmlns:p14="http://schemas.microsoft.com/office/powerpoint/2010/main" Requires="p14">
+        <mc:AlternateContent xmlns:mc="http://schemas.openxmlformats.org/markup-compatibility/2006" xmlns:p14="http://schemas.microsoft.com/office/powerpoint/2010/main">
+          <mc:Choice Requires="p14">
             <p:contentPart p14:bwMode="auto" r:id="rId128">
               <p14:nvContentPartPr>
                 <p14:cNvPr id="122" name="Ink 121">
@@ -15631,7 +15660,7 @@
               </p14:xfrm>
             </p:contentPart>
           </mc:Choice>
-          <mc:Fallback>
+          <mc:Fallback xmlns="">
             <p:pic>
               <p:nvPicPr>
                 <p:cNvPr id="122" name="Ink 121">
@@ -15662,8 +15691,8 @@
             </p:pic>
           </mc:Fallback>
         </mc:AlternateContent>
-        <mc:AlternateContent xmlns:mc="http://schemas.openxmlformats.org/markup-compatibility/2006">
-          <mc:Choice xmlns:p14="http://schemas.microsoft.com/office/powerpoint/2010/main" Requires="p14">
+        <mc:AlternateContent xmlns:mc="http://schemas.openxmlformats.org/markup-compatibility/2006" xmlns:p14="http://schemas.microsoft.com/office/powerpoint/2010/main">
+          <mc:Choice Requires="p14">
             <p:contentPart p14:bwMode="auto" r:id="rId130">
               <p14:nvContentPartPr>
                 <p14:cNvPr id="123" name="Ink 122">
@@ -15682,7 +15711,7 @@
               </p14:xfrm>
             </p:contentPart>
           </mc:Choice>
-          <mc:Fallback>
+          <mc:Fallback xmlns="">
             <p:pic>
               <p:nvPicPr>
                 <p:cNvPr id="123" name="Ink 122">
@@ -15713,8 +15742,8 @@
             </p:pic>
           </mc:Fallback>
         </mc:AlternateContent>
-        <mc:AlternateContent xmlns:mc="http://schemas.openxmlformats.org/markup-compatibility/2006">
-          <mc:Choice xmlns:p14="http://schemas.microsoft.com/office/powerpoint/2010/main" Requires="p14">
+        <mc:AlternateContent xmlns:mc="http://schemas.openxmlformats.org/markup-compatibility/2006" xmlns:p14="http://schemas.microsoft.com/office/powerpoint/2010/main">
+          <mc:Choice Requires="p14">
             <p:contentPart p14:bwMode="auto" r:id="rId132">
               <p14:nvContentPartPr>
                 <p14:cNvPr id="124" name="Ink 123">
@@ -15733,7 +15762,7 @@
               </p14:xfrm>
             </p:contentPart>
           </mc:Choice>
-          <mc:Fallback>
+          <mc:Fallback xmlns="">
             <p:pic>
               <p:nvPicPr>
                 <p:cNvPr id="124" name="Ink 123">
@@ -15765,8 +15794,8 @@
           </mc:Fallback>
         </mc:AlternateContent>
       </p:grpSp>
-      <mc:AlternateContent xmlns:mc="http://schemas.openxmlformats.org/markup-compatibility/2006">
-        <mc:Choice xmlns:p14="http://schemas.microsoft.com/office/powerpoint/2010/main" Requires="p14">
+      <mc:AlternateContent xmlns:mc="http://schemas.openxmlformats.org/markup-compatibility/2006" xmlns:p14="http://schemas.microsoft.com/office/powerpoint/2010/main">
+        <mc:Choice Requires="p14">
           <p:contentPart p14:bwMode="auto" r:id="rId134">
             <p14:nvContentPartPr>
               <p14:cNvPr id="125" name="Ink 124">
@@ -15785,7 +15814,7 @@
             </p14:xfrm>
           </p:contentPart>
         </mc:Choice>
-        <mc:Fallback>
+        <mc:Fallback xmlns="">
           <p:pic>
             <p:nvPicPr>
               <p:cNvPr id="125" name="Ink 124">
@@ -15836,8 +15865,8 @@
             <a:chExt cx="715680" cy="607680"/>
           </a:xfrm>
         </p:grpSpPr>
-        <mc:AlternateContent xmlns:mc="http://schemas.openxmlformats.org/markup-compatibility/2006">
-          <mc:Choice xmlns:p14="http://schemas.microsoft.com/office/powerpoint/2010/main" Requires="p14">
+        <mc:AlternateContent xmlns:mc="http://schemas.openxmlformats.org/markup-compatibility/2006" xmlns:p14="http://schemas.microsoft.com/office/powerpoint/2010/main">
+          <mc:Choice Requires="p14">
             <p:contentPart p14:bwMode="auto" r:id="rId136">
               <p14:nvContentPartPr>
                 <p14:cNvPr id="107" name="Ink 106">
@@ -15856,7 +15885,7 @@
               </p14:xfrm>
             </p:contentPart>
           </mc:Choice>
-          <mc:Fallback>
+          <mc:Fallback xmlns="">
             <p:pic>
               <p:nvPicPr>
                 <p:cNvPr id="107" name="Ink 106">
@@ -15887,8 +15916,8 @@
             </p:pic>
           </mc:Fallback>
         </mc:AlternateContent>
-        <mc:AlternateContent xmlns:mc="http://schemas.openxmlformats.org/markup-compatibility/2006">
-          <mc:Choice xmlns:p14="http://schemas.microsoft.com/office/powerpoint/2010/main" Requires="p14">
+        <mc:AlternateContent xmlns:mc="http://schemas.openxmlformats.org/markup-compatibility/2006" xmlns:p14="http://schemas.microsoft.com/office/powerpoint/2010/main">
+          <mc:Choice Requires="p14">
             <p:contentPart p14:bwMode="auto" r:id="rId138">
               <p14:nvContentPartPr>
                 <p14:cNvPr id="108" name="Ink 107">
@@ -15907,7 +15936,7 @@
               </p14:xfrm>
             </p:contentPart>
           </mc:Choice>
-          <mc:Fallback>
+          <mc:Fallback xmlns="">
             <p:pic>
               <p:nvPicPr>
                 <p:cNvPr id="108" name="Ink 107">
@@ -15938,8 +15967,8 @@
             </p:pic>
           </mc:Fallback>
         </mc:AlternateContent>
-        <mc:AlternateContent xmlns:mc="http://schemas.openxmlformats.org/markup-compatibility/2006">
-          <mc:Choice xmlns:p14="http://schemas.microsoft.com/office/powerpoint/2010/main" Requires="p14">
+        <mc:AlternateContent xmlns:mc="http://schemas.openxmlformats.org/markup-compatibility/2006" xmlns:p14="http://schemas.microsoft.com/office/powerpoint/2010/main">
+          <mc:Choice Requires="p14">
             <p:contentPart p14:bwMode="auto" r:id="rId140">
               <p14:nvContentPartPr>
                 <p14:cNvPr id="111" name="Ink 110">
@@ -15958,7 +15987,7 @@
               </p14:xfrm>
             </p:contentPart>
           </mc:Choice>
-          <mc:Fallback>
+          <mc:Fallback xmlns="">
             <p:pic>
               <p:nvPicPr>
                 <p:cNvPr id="111" name="Ink 110">
@@ -15989,8 +16018,8 @@
             </p:pic>
           </mc:Fallback>
         </mc:AlternateContent>
-        <mc:AlternateContent xmlns:mc="http://schemas.openxmlformats.org/markup-compatibility/2006">
-          <mc:Choice xmlns:p14="http://schemas.microsoft.com/office/powerpoint/2010/main" Requires="p14">
+        <mc:AlternateContent xmlns:mc="http://schemas.openxmlformats.org/markup-compatibility/2006" xmlns:p14="http://schemas.microsoft.com/office/powerpoint/2010/main">
+          <mc:Choice Requires="p14">
             <p:contentPart p14:bwMode="auto" r:id="rId142">
               <p14:nvContentPartPr>
                 <p14:cNvPr id="112" name="Ink 111">
@@ -16009,7 +16038,7 @@
               </p14:xfrm>
             </p:contentPart>
           </mc:Choice>
-          <mc:Fallback>
+          <mc:Fallback xmlns="">
             <p:pic>
               <p:nvPicPr>
                 <p:cNvPr id="112" name="Ink 111">
@@ -16040,8 +16069,8 @@
             </p:pic>
           </mc:Fallback>
         </mc:AlternateContent>
-        <mc:AlternateContent xmlns:mc="http://schemas.openxmlformats.org/markup-compatibility/2006">
-          <mc:Choice xmlns:p14="http://schemas.microsoft.com/office/powerpoint/2010/main" Requires="p14">
+        <mc:AlternateContent xmlns:mc="http://schemas.openxmlformats.org/markup-compatibility/2006" xmlns:p14="http://schemas.microsoft.com/office/powerpoint/2010/main">
+          <mc:Choice Requires="p14">
             <p:contentPart p14:bwMode="auto" r:id="rId144">
               <p14:nvContentPartPr>
                 <p14:cNvPr id="113" name="Ink 112">
@@ -16060,7 +16089,7 @@
               </p14:xfrm>
             </p:contentPart>
           </mc:Choice>
-          <mc:Fallback>
+          <mc:Fallback xmlns="">
             <p:pic>
               <p:nvPicPr>
                 <p:cNvPr id="113" name="Ink 112">
@@ -16091,8 +16120,8 @@
             </p:pic>
           </mc:Fallback>
         </mc:AlternateContent>
-        <mc:AlternateContent xmlns:mc="http://schemas.openxmlformats.org/markup-compatibility/2006">
-          <mc:Choice xmlns:p14="http://schemas.microsoft.com/office/powerpoint/2010/main" Requires="p14">
+        <mc:AlternateContent xmlns:mc="http://schemas.openxmlformats.org/markup-compatibility/2006" xmlns:p14="http://schemas.microsoft.com/office/powerpoint/2010/main">
+          <mc:Choice Requires="p14">
             <p:contentPart p14:bwMode="auto" r:id="rId146">
               <p14:nvContentPartPr>
                 <p14:cNvPr id="114" name="Ink 113">
@@ -16111,7 +16140,7 @@
               </p14:xfrm>
             </p:contentPart>
           </mc:Choice>
-          <mc:Fallback>
+          <mc:Fallback xmlns="">
             <p:pic>
               <p:nvPicPr>
                 <p:cNvPr id="114" name="Ink 113">
@@ -16142,8 +16171,8 @@
             </p:pic>
           </mc:Fallback>
         </mc:AlternateContent>
-        <mc:AlternateContent xmlns:mc="http://schemas.openxmlformats.org/markup-compatibility/2006">
-          <mc:Choice xmlns:p14="http://schemas.microsoft.com/office/powerpoint/2010/main" Requires="p14">
+        <mc:AlternateContent xmlns:mc="http://schemas.openxmlformats.org/markup-compatibility/2006" xmlns:p14="http://schemas.microsoft.com/office/powerpoint/2010/main">
+          <mc:Choice Requires="p14">
             <p:contentPart p14:bwMode="auto" r:id="rId148">
               <p14:nvContentPartPr>
                 <p14:cNvPr id="115" name="Ink 114">
@@ -16162,7 +16191,7 @@
               </p14:xfrm>
             </p:contentPart>
           </mc:Choice>
-          <mc:Fallback>
+          <mc:Fallback xmlns="">
             <p:pic>
               <p:nvPicPr>
                 <p:cNvPr id="115" name="Ink 114">
@@ -16193,8 +16222,8 @@
             </p:pic>
           </mc:Fallback>
         </mc:AlternateContent>
-        <mc:AlternateContent xmlns:mc="http://schemas.openxmlformats.org/markup-compatibility/2006">
-          <mc:Choice xmlns:p14="http://schemas.microsoft.com/office/powerpoint/2010/main" Requires="p14">
+        <mc:AlternateContent xmlns:mc="http://schemas.openxmlformats.org/markup-compatibility/2006" xmlns:p14="http://schemas.microsoft.com/office/powerpoint/2010/main">
+          <mc:Choice Requires="p14">
             <p:contentPart p14:bwMode="auto" r:id="rId150">
               <p14:nvContentPartPr>
                 <p14:cNvPr id="128" name="Ink 127">
@@ -16213,7 +16242,7 @@
               </p14:xfrm>
             </p:contentPart>
           </mc:Choice>
-          <mc:Fallback>
+          <mc:Fallback xmlns="">
             <p:pic>
               <p:nvPicPr>
                 <p:cNvPr id="128" name="Ink 127">
@@ -16244,8 +16273,8 @@
             </p:pic>
           </mc:Fallback>
         </mc:AlternateContent>
-        <mc:AlternateContent xmlns:mc="http://schemas.openxmlformats.org/markup-compatibility/2006">
-          <mc:Choice xmlns:p14="http://schemas.microsoft.com/office/powerpoint/2010/main" Requires="p14">
+        <mc:AlternateContent xmlns:mc="http://schemas.openxmlformats.org/markup-compatibility/2006" xmlns:p14="http://schemas.microsoft.com/office/powerpoint/2010/main">
+          <mc:Choice Requires="p14">
             <p:contentPart p14:bwMode="auto" r:id="rId152">
               <p14:nvContentPartPr>
                 <p14:cNvPr id="129" name="Ink 128">
@@ -16264,7 +16293,7 @@
               </p14:xfrm>
             </p:contentPart>
           </mc:Choice>
-          <mc:Fallback>
+          <mc:Fallback xmlns="">
             <p:pic>
               <p:nvPicPr>
                 <p:cNvPr id="129" name="Ink 128">
@@ -16295,8 +16324,8 @@
             </p:pic>
           </mc:Fallback>
         </mc:AlternateContent>
-        <mc:AlternateContent xmlns:mc="http://schemas.openxmlformats.org/markup-compatibility/2006">
-          <mc:Choice xmlns:p14="http://schemas.microsoft.com/office/powerpoint/2010/main" Requires="p14">
+        <mc:AlternateContent xmlns:mc="http://schemas.openxmlformats.org/markup-compatibility/2006" xmlns:p14="http://schemas.microsoft.com/office/powerpoint/2010/main">
+          <mc:Choice Requires="p14">
             <p:contentPart p14:bwMode="auto" r:id="rId154">
               <p14:nvContentPartPr>
                 <p14:cNvPr id="130" name="Ink 129">
@@ -16315,7 +16344,7 @@
               </p14:xfrm>
             </p:contentPart>
           </mc:Choice>
-          <mc:Fallback>
+          <mc:Fallback xmlns="">
             <p:pic>
               <p:nvPicPr>
                 <p:cNvPr id="130" name="Ink 129">
@@ -16367,8 +16396,8 @@
             <a:chExt cx="1522080" cy="486720"/>
           </a:xfrm>
         </p:grpSpPr>
-        <mc:AlternateContent xmlns:mc="http://schemas.openxmlformats.org/markup-compatibility/2006">
-          <mc:Choice xmlns:p14="http://schemas.microsoft.com/office/powerpoint/2010/main" Requires="p14">
+        <mc:AlternateContent xmlns:mc="http://schemas.openxmlformats.org/markup-compatibility/2006" xmlns:p14="http://schemas.microsoft.com/office/powerpoint/2010/main">
+          <mc:Choice Requires="p14">
             <p:contentPart p14:bwMode="auto" r:id="rId156">
               <p14:nvContentPartPr>
                 <p14:cNvPr id="133" name="Ink 132">
@@ -16387,7 +16416,7 @@
               </p14:xfrm>
             </p:contentPart>
           </mc:Choice>
-          <mc:Fallback>
+          <mc:Fallback xmlns="">
             <p:pic>
               <p:nvPicPr>
                 <p:cNvPr id="133" name="Ink 132">
@@ -16418,8 +16447,8 @@
             </p:pic>
           </mc:Fallback>
         </mc:AlternateContent>
-        <mc:AlternateContent xmlns:mc="http://schemas.openxmlformats.org/markup-compatibility/2006">
-          <mc:Choice xmlns:p14="http://schemas.microsoft.com/office/powerpoint/2010/main" Requires="p14">
+        <mc:AlternateContent xmlns:mc="http://schemas.openxmlformats.org/markup-compatibility/2006" xmlns:p14="http://schemas.microsoft.com/office/powerpoint/2010/main">
+          <mc:Choice Requires="p14">
             <p:contentPart p14:bwMode="auto" r:id="rId158">
               <p14:nvContentPartPr>
                 <p14:cNvPr id="134" name="Ink 133">
@@ -16438,7 +16467,7 @@
               </p14:xfrm>
             </p:contentPart>
           </mc:Choice>
-          <mc:Fallback>
+          <mc:Fallback xmlns="">
             <p:pic>
               <p:nvPicPr>
                 <p:cNvPr id="134" name="Ink 133">
@@ -16469,8 +16498,8 @@
             </p:pic>
           </mc:Fallback>
         </mc:AlternateContent>
-        <mc:AlternateContent xmlns:mc="http://schemas.openxmlformats.org/markup-compatibility/2006">
-          <mc:Choice xmlns:p14="http://schemas.microsoft.com/office/powerpoint/2010/main" Requires="p14">
+        <mc:AlternateContent xmlns:mc="http://schemas.openxmlformats.org/markup-compatibility/2006" xmlns:p14="http://schemas.microsoft.com/office/powerpoint/2010/main">
+          <mc:Choice Requires="p14">
             <p:contentPart p14:bwMode="auto" r:id="rId160">
               <p14:nvContentPartPr>
                 <p14:cNvPr id="135" name="Ink 134">
@@ -16489,7 +16518,7 @@
               </p14:xfrm>
             </p:contentPart>
           </mc:Choice>
-          <mc:Fallback>
+          <mc:Fallback xmlns="">
             <p:pic>
               <p:nvPicPr>
                 <p:cNvPr id="135" name="Ink 134">
@@ -16520,8 +16549,8 @@
             </p:pic>
           </mc:Fallback>
         </mc:AlternateContent>
-        <mc:AlternateContent xmlns:mc="http://schemas.openxmlformats.org/markup-compatibility/2006">
-          <mc:Choice xmlns:p14="http://schemas.microsoft.com/office/powerpoint/2010/main" Requires="p14">
+        <mc:AlternateContent xmlns:mc="http://schemas.openxmlformats.org/markup-compatibility/2006" xmlns:p14="http://schemas.microsoft.com/office/powerpoint/2010/main">
+          <mc:Choice Requires="p14">
             <p:contentPart p14:bwMode="auto" r:id="rId162">
               <p14:nvContentPartPr>
                 <p14:cNvPr id="136" name="Ink 135">
@@ -16540,7 +16569,7 @@
               </p14:xfrm>
             </p:contentPart>
           </mc:Choice>
-          <mc:Fallback>
+          <mc:Fallback xmlns="">
             <p:pic>
               <p:nvPicPr>
                 <p:cNvPr id="136" name="Ink 135">
@@ -16592,8 +16621,8 @@
             <a:chExt cx="279720" cy="239760"/>
           </a:xfrm>
         </p:grpSpPr>
-        <mc:AlternateContent xmlns:mc="http://schemas.openxmlformats.org/markup-compatibility/2006">
-          <mc:Choice xmlns:p14="http://schemas.microsoft.com/office/powerpoint/2010/main" Requires="p14">
+        <mc:AlternateContent xmlns:mc="http://schemas.openxmlformats.org/markup-compatibility/2006" xmlns:p14="http://schemas.microsoft.com/office/powerpoint/2010/main">
+          <mc:Choice Requires="p14">
             <p:contentPart p14:bwMode="auto" r:id="rId164">
               <p14:nvContentPartPr>
                 <p14:cNvPr id="139" name="Ink 138">
@@ -16612,7 +16641,7 @@
               </p14:xfrm>
             </p:contentPart>
           </mc:Choice>
-          <mc:Fallback>
+          <mc:Fallback xmlns="">
             <p:pic>
               <p:nvPicPr>
                 <p:cNvPr id="139" name="Ink 138">
@@ -16643,8 +16672,8 @@
             </p:pic>
           </mc:Fallback>
         </mc:AlternateContent>
-        <mc:AlternateContent xmlns:mc="http://schemas.openxmlformats.org/markup-compatibility/2006">
-          <mc:Choice xmlns:p14="http://schemas.microsoft.com/office/powerpoint/2010/main" Requires="p14">
+        <mc:AlternateContent xmlns:mc="http://schemas.openxmlformats.org/markup-compatibility/2006" xmlns:p14="http://schemas.microsoft.com/office/powerpoint/2010/main">
+          <mc:Choice Requires="p14">
             <p:contentPart p14:bwMode="auto" r:id="rId166">
               <p14:nvContentPartPr>
                 <p14:cNvPr id="140" name="Ink 139">
@@ -16663,7 +16692,7 @@
               </p14:xfrm>
             </p:contentPart>
           </mc:Choice>
-          <mc:Fallback>
+          <mc:Fallback xmlns="">
             <p:pic>
               <p:nvPicPr>
                 <p:cNvPr id="140" name="Ink 139">
@@ -16715,8 +16744,8 @@
             <a:chExt cx="882000" cy="250200"/>
           </a:xfrm>
         </p:grpSpPr>
-        <mc:AlternateContent xmlns:mc="http://schemas.openxmlformats.org/markup-compatibility/2006">
-          <mc:Choice xmlns:p14="http://schemas.microsoft.com/office/powerpoint/2010/main" Requires="p14">
+        <mc:AlternateContent xmlns:mc="http://schemas.openxmlformats.org/markup-compatibility/2006" xmlns:p14="http://schemas.microsoft.com/office/powerpoint/2010/main">
+          <mc:Choice Requires="p14">
             <p:contentPart p14:bwMode="auto" r:id="rId168">
               <p14:nvContentPartPr>
                 <p14:cNvPr id="143" name="Ink 142">
@@ -16735,7 +16764,7 @@
               </p14:xfrm>
             </p:contentPart>
           </mc:Choice>
-          <mc:Fallback>
+          <mc:Fallback xmlns="">
             <p:pic>
               <p:nvPicPr>
                 <p:cNvPr id="143" name="Ink 142">
@@ -16766,8 +16795,8 @@
             </p:pic>
           </mc:Fallback>
         </mc:AlternateContent>
-        <mc:AlternateContent xmlns:mc="http://schemas.openxmlformats.org/markup-compatibility/2006">
-          <mc:Choice xmlns:p14="http://schemas.microsoft.com/office/powerpoint/2010/main" Requires="p14">
+        <mc:AlternateContent xmlns:mc="http://schemas.openxmlformats.org/markup-compatibility/2006" xmlns:p14="http://schemas.microsoft.com/office/powerpoint/2010/main">
+          <mc:Choice Requires="p14">
             <p:contentPart p14:bwMode="auto" r:id="rId170">
               <p14:nvContentPartPr>
                 <p14:cNvPr id="144" name="Ink 143">
@@ -16786,7 +16815,7 @@
               </p14:xfrm>
             </p:contentPart>
           </mc:Choice>
-          <mc:Fallback>
+          <mc:Fallback xmlns="">
             <p:pic>
               <p:nvPicPr>
                 <p:cNvPr id="144" name="Ink 143">
@@ -16817,8 +16846,8 @@
             </p:pic>
           </mc:Fallback>
         </mc:AlternateContent>
-        <mc:AlternateContent xmlns:mc="http://schemas.openxmlformats.org/markup-compatibility/2006">
-          <mc:Choice xmlns:p14="http://schemas.microsoft.com/office/powerpoint/2010/main" Requires="p14">
+        <mc:AlternateContent xmlns:mc="http://schemas.openxmlformats.org/markup-compatibility/2006" xmlns:p14="http://schemas.microsoft.com/office/powerpoint/2010/main">
+          <mc:Choice Requires="p14">
             <p:contentPart p14:bwMode="auto" r:id="rId172">
               <p14:nvContentPartPr>
                 <p14:cNvPr id="145" name="Ink 144">
@@ -16837,7 +16866,7 @@
               </p14:xfrm>
             </p:contentPart>
           </mc:Choice>
-          <mc:Fallback>
+          <mc:Fallback xmlns="">
             <p:pic>
               <p:nvPicPr>
                 <p:cNvPr id="145" name="Ink 144">
@@ -16868,8 +16897,8 @@
             </p:pic>
           </mc:Fallback>
         </mc:AlternateContent>
-        <mc:AlternateContent xmlns:mc="http://schemas.openxmlformats.org/markup-compatibility/2006">
-          <mc:Choice xmlns:p14="http://schemas.microsoft.com/office/powerpoint/2010/main" Requires="p14">
+        <mc:AlternateContent xmlns:mc="http://schemas.openxmlformats.org/markup-compatibility/2006" xmlns:p14="http://schemas.microsoft.com/office/powerpoint/2010/main">
+          <mc:Choice Requires="p14">
             <p:contentPart p14:bwMode="auto" r:id="rId174">
               <p14:nvContentPartPr>
                 <p14:cNvPr id="146" name="Ink 145">
@@ -16888,7 +16917,7 @@
               </p14:xfrm>
             </p:contentPart>
           </mc:Choice>
-          <mc:Fallback>
+          <mc:Fallback xmlns="">
             <p:pic>
               <p:nvPicPr>
                 <p:cNvPr id="146" name="Ink 145">
@@ -16919,8 +16948,8 @@
             </p:pic>
           </mc:Fallback>
         </mc:AlternateContent>
-        <mc:AlternateContent xmlns:mc="http://schemas.openxmlformats.org/markup-compatibility/2006">
-          <mc:Choice xmlns:p14="http://schemas.microsoft.com/office/powerpoint/2010/main" Requires="p14">
+        <mc:AlternateContent xmlns:mc="http://schemas.openxmlformats.org/markup-compatibility/2006" xmlns:p14="http://schemas.microsoft.com/office/powerpoint/2010/main">
+          <mc:Choice Requires="p14">
             <p:contentPart p14:bwMode="auto" r:id="rId176">
               <p14:nvContentPartPr>
                 <p14:cNvPr id="147" name="Ink 146">
@@ -16939,7 +16968,7 @@
               </p14:xfrm>
             </p:contentPart>
           </mc:Choice>
-          <mc:Fallback>
+          <mc:Fallback xmlns="">
             <p:pic>
               <p:nvPicPr>
                 <p:cNvPr id="147" name="Ink 146">
@@ -16970,8 +16999,8 @@
             </p:pic>
           </mc:Fallback>
         </mc:AlternateContent>
-        <mc:AlternateContent xmlns:mc="http://schemas.openxmlformats.org/markup-compatibility/2006">
-          <mc:Choice xmlns:p14="http://schemas.microsoft.com/office/powerpoint/2010/main" Requires="p14">
+        <mc:AlternateContent xmlns:mc="http://schemas.openxmlformats.org/markup-compatibility/2006" xmlns:p14="http://schemas.microsoft.com/office/powerpoint/2010/main">
+          <mc:Choice Requires="p14">
             <p:contentPart p14:bwMode="auto" r:id="rId178">
               <p14:nvContentPartPr>
                 <p14:cNvPr id="148" name="Ink 147">
@@ -16990,7 +17019,7 @@
               </p14:xfrm>
             </p:contentPart>
           </mc:Choice>
-          <mc:Fallback>
+          <mc:Fallback xmlns="">
             <p:pic>
               <p:nvPicPr>
                 <p:cNvPr id="148" name="Ink 147">
@@ -17042,8 +17071,8 @@
             <a:chExt cx="1347480" cy="329040"/>
           </a:xfrm>
         </p:grpSpPr>
-        <mc:AlternateContent xmlns:mc="http://schemas.openxmlformats.org/markup-compatibility/2006">
-          <mc:Choice xmlns:p14="http://schemas.microsoft.com/office/powerpoint/2010/main" Requires="p14">
+        <mc:AlternateContent xmlns:mc="http://schemas.openxmlformats.org/markup-compatibility/2006" xmlns:p14="http://schemas.microsoft.com/office/powerpoint/2010/main">
+          <mc:Choice Requires="p14">
             <p:contentPart p14:bwMode="auto" r:id="rId180">
               <p14:nvContentPartPr>
                 <p14:cNvPr id="151" name="Ink 150">
@@ -17062,7 +17091,7 @@
               </p14:xfrm>
             </p:contentPart>
           </mc:Choice>
-          <mc:Fallback>
+          <mc:Fallback xmlns="">
             <p:pic>
               <p:nvPicPr>
                 <p:cNvPr id="151" name="Ink 150">
@@ -17093,8 +17122,8 @@
             </p:pic>
           </mc:Fallback>
         </mc:AlternateContent>
-        <mc:AlternateContent xmlns:mc="http://schemas.openxmlformats.org/markup-compatibility/2006">
-          <mc:Choice xmlns:p14="http://schemas.microsoft.com/office/powerpoint/2010/main" Requires="p14">
+        <mc:AlternateContent xmlns:mc="http://schemas.openxmlformats.org/markup-compatibility/2006" xmlns:p14="http://schemas.microsoft.com/office/powerpoint/2010/main">
+          <mc:Choice Requires="p14">
             <p:contentPart p14:bwMode="auto" r:id="rId182">
               <p14:nvContentPartPr>
                 <p14:cNvPr id="152" name="Ink 151">
@@ -17113,7 +17142,7 @@
               </p14:xfrm>
             </p:contentPart>
           </mc:Choice>
-          <mc:Fallback>
+          <mc:Fallback xmlns="">
             <p:pic>
               <p:nvPicPr>
                 <p:cNvPr id="152" name="Ink 151">
@@ -17144,8 +17173,8 @@
             </p:pic>
           </mc:Fallback>
         </mc:AlternateContent>
-        <mc:AlternateContent xmlns:mc="http://schemas.openxmlformats.org/markup-compatibility/2006">
-          <mc:Choice xmlns:p14="http://schemas.microsoft.com/office/powerpoint/2010/main" Requires="p14">
+        <mc:AlternateContent xmlns:mc="http://schemas.openxmlformats.org/markup-compatibility/2006" xmlns:p14="http://schemas.microsoft.com/office/powerpoint/2010/main">
+          <mc:Choice Requires="p14">
             <p:contentPart p14:bwMode="auto" r:id="rId184">
               <p14:nvContentPartPr>
                 <p14:cNvPr id="153" name="Ink 152">
@@ -17164,7 +17193,7 @@
               </p14:xfrm>
             </p:contentPart>
           </mc:Choice>
-          <mc:Fallback>
+          <mc:Fallback xmlns="">
             <p:pic>
               <p:nvPicPr>
                 <p:cNvPr id="153" name="Ink 152">
@@ -17195,8 +17224,8 @@
             </p:pic>
           </mc:Fallback>
         </mc:AlternateContent>
-        <mc:AlternateContent xmlns:mc="http://schemas.openxmlformats.org/markup-compatibility/2006">
-          <mc:Choice xmlns:p14="http://schemas.microsoft.com/office/powerpoint/2010/main" Requires="p14">
+        <mc:AlternateContent xmlns:mc="http://schemas.openxmlformats.org/markup-compatibility/2006" xmlns:p14="http://schemas.microsoft.com/office/powerpoint/2010/main">
+          <mc:Choice Requires="p14">
             <p:contentPart p14:bwMode="auto" r:id="rId186">
               <p14:nvContentPartPr>
                 <p14:cNvPr id="154" name="Ink 153">
@@ -17215,7 +17244,7 @@
               </p14:xfrm>
             </p:contentPart>
           </mc:Choice>
-          <mc:Fallback>
+          <mc:Fallback xmlns="">
             <p:pic>
               <p:nvPicPr>
                 <p:cNvPr id="154" name="Ink 153">
@@ -17246,8 +17275,8 @@
             </p:pic>
           </mc:Fallback>
         </mc:AlternateContent>
-        <mc:AlternateContent xmlns:mc="http://schemas.openxmlformats.org/markup-compatibility/2006">
-          <mc:Choice xmlns:p14="http://schemas.microsoft.com/office/powerpoint/2010/main" Requires="p14">
+        <mc:AlternateContent xmlns:mc="http://schemas.openxmlformats.org/markup-compatibility/2006" xmlns:p14="http://schemas.microsoft.com/office/powerpoint/2010/main">
+          <mc:Choice Requires="p14">
             <p:contentPart p14:bwMode="auto" r:id="rId188">
               <p14:nvContentPartPr>
                 <p14:cNvPr id="155" name="Ink 154">
@@ -17266,7 +17295,7 @@
               </p14:xfrm>
             </p:contentPart>
           </mc:Choice>
-          <mc:Fallback>
+          <mc:Fallback xmlns="">
             <p:pic>
               <p:nvPicPr>
                 <p:cNvPr id="155" name="Ink 154">
@@ -17297,8 +17326,8 @@
             </p:pic>
           </mc:Fallback>
         </mc:AlternateContent>
-        <mc:AlternateContent xmlns:mc="http://schemas.openxmlformats.org/markup-compatibility/2006">
-          <mc:Choice xmlns:p14="http://schemas.microsoft.com/office/powerpoint/2010/main" Requires="p14">
+        <mc:AlternateContent xmlns:mc="http://schemas.openxmlformats.org/markup-compatibility/2006" xmlns:p14="http://schemas.microsoft.com/office/powerpoint/2010/main">
+          <mc:Choice Requires="p14">
             <p:contentPart p14:bwMode="auto" r:id="rId190">
               <p14:nvContentPartPr>
                 <p14:cNvPr id="156" name="Ink 155">
@@ -17317,7 +17346,7 @@
               </p14:xfrm>
             </p:contentPart>
           </mc:Choice>
-          <mc:Fallback>
+          <mc:Fallback xmlns="">
             <p:pic>
               <p:nvPicPr>
                 <p:cNvPr id="156" name="Ink 155">
@@ -17348,8 +17377,8 @@
             </p:pic>
           </mc:Fallback>
         </mc:AlternateContent>
-        <mc:AlternateContent xmlns:mc="http://schemas.openxmlformats.org/markup-compatibility/2006">
-          <mc:Choice xmlns:p14="http://schemas.microsoft.com/office/powerpoint/2010/main" Requires="p14">
+        <mc:AlternateContent xmlns:mc="http://schemas.openxmlformats.org/markup-compatibility/2006" xmlns:p14="http://schemas.microsoft.com/office/powerpoint/2010/main">
+          <mc:Choice Requires="p14">
             <p:contentPart p14:bwMode="auto" r:id="rId192">
               <p14:nvContentPartPr>
                 <p14:cNvPr id="157" name="Ink 156">
@@ -17368,7 +17397,7 @@
               </p14:xfrm>
             </p:contentPart>
           </mc:Choice>
-          <mc:Fallback>
+          <mc:Fallback xmlns="">
             <p:pic>
               <p:nvPicPr>
                 <p:cNvPr id="157" name="Ink 156">
@@ -17399,8 +17428,8 @@
             </p:pic>
           </mc:Fallback>
         </mc:AlternateContent>
-        <mc:AlternateContent xmlns:mc="http://schemas.openxmlformats.org/markup-compatibility/2006">
-          <mc:Choice xmlns:p14="http://schemas.microsoft.com/office/powerpoint/2010/main" Requires="p14">
+        <mc:AlternateContent xmlns:mc="http://schemas.openxmlformats.org/markup-compatibility/2006" xmlns:p14="http://schemas.microsoft.com/office/powerpoint/2010/main">
+          <mc:Choice Requires="p14">
             <p:contentPart p14:bwMode="auto" r:id="rId194">
               <p14:nvContentPartPr>
                 <p14:cNvPr id="158" name="Ink 157">
@@ -17419,7 +17448,7 @@
               </p14:xfrm>
             </p:contentPart>
           </mc:Choice>
-          <mc:Fallback>
+          <mc:Fallback xmlns="">
             <p:pic>
               <p:nvPicPr>
                 <p:cNvPr id="158" name="Ink 157">
@@ -18367,6 +18396,2724 @@
     <p:extLst>
       <p:ext uri="{BB962C8B-B14F-4D97-AF65-F5344CB8AC3E}">
         <p14:creationId xmlns:p14="http://schemas.microsoft.com/office/powerpoint/2010/main" val="1777796035"/>
+      </p:ext>
+    </p:extLst>
+  </p:cSld>
+  <p:clrMapOvr>
+    <a:masterClrMapping/>
+  </p:clrMapOvr>
+</p:sld>
+</file>
+
+<file path=ppt/slides/slide13.xml><?xml version="1.0" encoding="utf-8"?>
+<p:sld xmlns:a="http://schemas.openxmlformats.org/drawingml/2006/main" xmlns:r="http://schemas.openxmlformats.org/officeDocument/2006/relationships" xmlns:p="http://schemas.openxmlformats.org/presentationml/2006/main">
+  <p:cSld>
+    <p:spTree>
+      <p:nvGrpSpPr>
+        <p:cNvPr id="1" name=""/>
+        <p:cNvGrpSpPr/>
+        <p:nvPr/>
+      </p:nvGrpSpPr>
+      <p:grpSpPr>
+        <a:xfrm>
+          <a:off x="0" y="0"/>
+          <a:ext cx="0" cy="0"/>
+          <a:chOff x="0" y="0"/>
+          <a:chExt cx="0" cy="0"/>
+        </a:xfrm>
+      </p:grpSpPr>
+      <mc:AlternateContent xmlns:mc="http://schemas.openxmlformats.org/markup-compatibility/2006">
+        <mc:Choice xmlns:p14="http://schemas.microsoft.com/office/powerpoint/2010/main" Requires="p14">
+          <p:contentPart p14:bwMode="auto" r:id="rId2">
+            <p14:nvContentPartPr>
+              <p14:cNvPr id="11" name="Ink 10">
+                <a:extLst>
+                  <a:ext uri="{FF2B5EF4-FFF2-40B4-BE49-F238E27FC236}">
+                    <a16:creationId xmlns:a16="http://schemas.microsoft.com/office/drawing/2014/main" id="{4C8581E2-5F03-72D3-CAA2-E895AD022D32}"/>
+                  </a:ext>
+                </a:extLst>
+              </p14:cNvPr>
+              <p14:cNvContentPartPr/>
+              <p14:nvPr/>
+            </p14:nvContentPartPr>
+            <p14:xfrm>
+              <a:off x="3280149" y="1244539"/>
+              <a:ext cx="3960" cy="360"/>
+            </p14:xfrm>
+          </p:contentPart>
+        </mc:Choice>
+        <mc:Fallback>
+          <p:pic>
+            <p:nvPicPr>
+              <p:cNvPr id="11" name="Ink 10">
+                <a:extLst>
+                  <a:ext uri="{FF2B5EF4-FFF2-40B4-BE49-F238E27FC236}">
+                    <a16:creationId xmlns:a16="http://schemas.microsoft.com/office/drawing/2014/main" id="{4C8581E2-5F03-72D3-CAA2-E895AD022D32}"/>
+                  </a:ext>
+                </a:extLst>
+              </p:cNvPr>
+              <p:cNvPicPr/>
+              <p:nvPr/>
+            </p:nvPicPr>
+            <p:blipFill>
+              <a:blip r:embed="rId3"/>
+              <a:stretch>
+                <a:fillRect/>
+              </a:stretch>
+            </p:blipFill>
+            <p:spPr>
+              <a:xfrm>
+                <a:off x="3274029" y="1238419"/>
+                <a:ext cx="16200" cy="12600"/>
+              </a:xfrm>
+              <a:prstGeom prst="rect">
+                <a:avLst/>
+              </a:prstGeom>
+            </p:spPr>
+          </p:pic>
+        </mc:Fallback>
+      </mc:AlternateContent>
+      <p:sp>
+        <p:nvSpPr>
+          <p:cNvPr id="12" name="Rectangle 11">
+            <a:extLst>
+              <a:ext uri="{FF2B5EF4-FFF2-40B4-BE49-F238E27FC236}">
+                <a16:creationId xmlns:a16="http://schemas.microsoft.com/office/drawing/2014/main" id="{4C61B739-C7BD-312A-20F0-5D080A7610D8}"/>
+              </a:ext>
+            </a:extLst>
+          </p:cNvPr>
+          <p:cNvSpPr/>
+          <p:nvPr/>
+        </p:nvSpPr>
+        <p:spPr>
+          <a:xfrm>
+            <a:off x="789271" y="691679"/>
+            <a:ext cx="1511166" cy="5216889"/>
+          </a:xfrm>
+          <a:prstGeom prst="rect">
+            <a:avLst/>
+          </a:prstGeom>
+        </p:spPr>
+        <p:style>
+          <a:lnRef idx="2">
+            <a:schemeClr val="accent1">
+              <a:shade val="15000"/>
+            </a:schemeClr>
+          </a:lnRef>
+          <a:fillRef idx="1">
+            <a:schemeClr val="accent1"/>
+          </a:fillRef>
+          <a:effectRef idx="0">
+            <a:schemeClr val="accent1"/>
+          </a:effectRef>
+          <a:fontRef idx="minor">
+            <a:schemeClr val="lt1"/>
+          </a:fontRef>
+        </p:style>
+        <p:txBody>
+          <a:bodyPr rtlCol="0" anchor="ctr"/>
+          <a:lstStyle/>
+          <a:p>
+            <a:pPr algn="ctr"/>
+            <a:r>
+              <a:rPr lang="en-US" dirty="0"/>
+              <a:t>X</a:t>
+            </a:r>
+          </a:p>
+        </p:txBody>
+      </p:sp>
+      <p:sp>
+        <p:nvSpPr>
+          <p:cNvPr id="13" name="Rectangle 12">
+            <a:extLst>
+              <a:ext uri="{FF2B5EF4-FFF2-40B4-BE49-F238E27FC236}">
+                <a16:creationId xmlns:a16="http://schemas.microsoft.com/office/drawing/2014/main" id="{43725C58-7F42-4F8F-9D09-D566278CD604}"/>
+              </a:ext>
+            </a:extLst>
+          </p:cNvPr>
+          <p:cNvSpPr/>
+          <p:nvPr/>
+        </p:nvSpPr>
+        <p:spPr>
+          <a:xfrm>
+            <a:off x="2452838" y="691680"/>
+            <a:ext cx="338487" cy="5214728"/>
+          </a:xfrm>
+          <a:prstGeom prst="rect">
+            <a:avLst/>
+          </a:prstGeom>
+          <a:solidFill>
+            <a:srgbClr val="FFC000"/>
+          </a:solidFill>
+        </p:spPr>
+        <p:style>
+          <a:lnRef idx="2">
+            <a:schemeClr val="accent1">
+              <a:shade val="15000"/>
+            </a:schemeClr>
+          </a:lnRef>
+          <a:fillRef idx="1">
+            <a:schemeClr val="accent1"/>
+          </a:fillRef>
+          <a:effectRef idx="0">
+            <a:schemeClr val="accent1"/>
+          </a:effectRef>
+          <a:fontRef idx="minor">
+            <a:schemeClr val="lt1"/>
+          </a:fontRef>
+        </p:style>
+        <p:txBody>
+          <a:bodyPr rtlCol="0" anchor="ctr"/>
+          <a:lstStyle/>
+          <a:p>
+            <a:pPr algn="ctr"/>
+            <a:r>
+              <a:rPr lang="en-US" dirty="0">
+                <a:solidFill>
+                  <a:sysClr val="windowText" lastClr="000000"/>
+                </a:solidFill>
+              </a:rPr>
+              <a:t>y</a:t>
+            </a:r>
+          </a:p>
+        </p:txBody>
+      </p:sp>
+      <p:sp>
+        <p:nvSpPr>
+          <p:cNvPr id="14" name="Rectangle 13">
+            <a:extLst>
+              <a:ext uri="{FF2B5EF4-FFF2-40B4-BE49-F238E27FC236}">
+                <a16:creationId xmlns:a16="http://schemas.microsoft.com/office/drawing/2014/main" id="{A87A9F15-C923-F956-34C6-686191DDC808}"/>
+              </a:ext>
+            </a:extLst>
+          </p:cNvPr>
+          <p:cNvSpPr/>
+          <p:nvPr/>
+        </p:nvSpPr>
+        <p:spPr>
+          <a:xfrm>
+            <a:off x="3598246" y="691680"/>
+            <a:ext cx="1384697" cy="3628723"/>
+          </a:xfrm>
+          <a:prstGeom prst="rect">
+            <a:avLst/>
+          </a:prstGeom>
+          <a:solidFill>
+            <a:schemeClr val="accent6"/>
+          </a:solidFill>
+          <a:ln>
+            <a:noFill/>
+          </a:ln>
+        </p:spPr>
+        <p:style>
+          <a:lnRef idx="2">
+            <a:schemeClr val="accent1">
+              <a:shade val="15000"/>
+            </a:schemeClr>
+          </a:lnRef>
+          <a:fillRef idx="1">
+            <a:schemeClr val="accent1"/>
+          </a:fillRef>
+          <a:effectRef idx="0">
+            <a:schemeClr val="accent1"/>
+          </a:effectRef>
+          <a:fontRef idx="minor">
+            <a:schemeClr val="lt1"/>
+          </a:fontRef>
+        </p:style>
+        <p:txBody>
+          <a:bodyPr rtlCol="0" anchor="ctr"/>
+          <a:lstStyle/>
+          <a:p>
+            <a:pPr algn="ctr"/>
+            <a:r>
+              <a:rPr lang="en-US" sz="1400" dirty="0" err="1"/>
+              <a:t>X_train</a:t>
+            </a:r>
+            <a:r>
+              <a:rPr lang="en-US" sz="1400" dirty="0"/>
+              <a:t> (70%)</a:t>
+            </a:r>
+          </a:p>
+        </p:txBody>
+      </p:sp>
+      <p:sp>
+        <p:nvSpPr>
+          <p:cNvPr id="15" name="Rectangle 14">
+            <a:extLst>
+              <a:ext uri="{FF2B5EF4-FFF2-40B4-BE49-F238E27FC236}">
+                <a16:creationId xmlns:a16="http://schemas.microsoft.com/office/drawing/2014/main" id="{16BAE169-457B-0AEE-D5B4-A6D2767F7E9F}"/>
+              </a:ext>
+            </a:extLst>
+          </p:cNvPr>
+          <p:cNvSpPr/>
+          <p:nvPr/>
+        </p:nvSpPr>
+        <p:spPr>
+          <a:xfrm>
+            <a:off x="3598246" y="4378154"/>
+            <a:ext cx="1381753" cy="731521"/>
+          </a:xfrm>
+          <a:prstGeom prst="rect">
+            <a:avLst/>
+          </a:prstGeom>
+          <a:solidFill>
+            <a:srgbClr val="FFC000"/>
+          </a:solidFill>
+          <a:ln>
+            <a:noFill/>
+          </a:ln>
+        </p:spPr>
+        <p:style>
+          <a:lnRef idx="2">
+            <a:schemeClr val="accent1">
+              <a:shade val="15000"/>
+            </a:schemeClr>
+          </a:lnRef>
+          <a:fillRef idx="1">
+            <a:schemeClr val="accent1"/>
+          </a:fillRef>
+          <a:effectRef idx="0">
+            <a:schemeClr val="accent1"/>
+          </a:effectRef>
+          <a:fontRef idx="minor">
+            <a:schemeClr val="lt1"/>
+          </a:fontRef>
+        </p:style>
+        <p:txBody>
+          <a:bodyPr rtlCol="0" anchor="ctr"/>
+          <a:lstStyle/>
+          <a:p>
+            <a:pPr algn="ctr"/>
+            <a:r>
+              <a:rPr lang="en-US" sz="1400" dirty="0" err="1"/>
+              <a:t>X_valid</a:t>
+            </a:r>
+            <a:r>
+              <a:rPr lang="en-US" sz="1400" dirty="0"/>
+              <a:t> (15%)</a:t>
+            </a:r>
+          </a:p>
+        </p:txBody>
+      </p:sp>
+      <p:sp>
+        <p:nvSpPr>
+          <p:cNvPr id="16" name="Rectangle 15">
+            <a:extLst>
+              <a:ext uri="{FF2B5EF4-FFF2-40B4-BE49-F238E27FC236}">
+                <a16:creationId xmlns:a16="http://schemas.microsoft.com/office/drawing/2014/main" id="{3743DBAB-BF36-9D12-774E-708497ACF2F9}"/>
+              </a:ext>
+            </a:extLst>
+          </p:cNvPr>
+          <p:cNvSpPr/>
+          <p:nvPr/>
+        </p:nvSpPr>
+        <p:spPr>
+          <a:xfrm>
+            <a:off x="3598246" y="5174887"/>
+            <a:ext cx="1381753" cy="731521"/>
+          </a:xfrm>
+          <a:prstGeom prst="rect">
+            <a:avLst/>
+          </a:prstGeom>
+          <a:solidFill>
+            <a:srgbClr val="FF0000"/>
+          </a:solidFill>
+          <a:ln>
+            <a:noFill/>
+          </a:ln>
+        </p:spPr>
+        <p:style>
+          <a:lnRef idx="2">
+            <a:schemeClr val="accent1">
+              <a:shade val="15000"/>
+            </a:schemeClr>
+          </a:lnRef>
+          <a:fillRef idx="1">
+            <a:schemeClr val="accent1"/>
+          </a:fillRef>
+          <a:effectRef idx="0">
+            <a:schemeClr val="accent1"/>
+          </a:effectRef>
+          <a:fontRef idx="minor">
+            <a:schemeClr val="lt1"/>
+          </a:fontRef>
+        </p:style>
+        <p:txBody>
+          <a:bodyPr rtlCol="0" anchor="ctr"/>
+          <a:lstStyle/>
+          <a:p>
+            <a:pPr algn="ctr"/>
+            <a:r>
+              <a:rPr lang="en-US" sz="1400" dirty="0" err="1"/>
+              <a:t>X_test</a:t>
+            </a:r>
+            <a:r>
+              <a:rPr lang="en-US" sz="1400" dirty="0"/>
+              <a:t> (15%)</a:t>
+            </a:r>
+          </a:p>
+        </p:txBody>
+      </p:sp>
+      <p:sp>
+        <p:nvSpPr>
+          <p:cNvPr id="17" name="Rectangle 16">
+            <a:extLst>
+              <a:ext uri="{FF2B5EF4-FFF2-40B4-BE49-F238E27FC236}">
+                <a16:creationId xmlns:a16="http://schemas.microsoft.com/office/drawing/2014/main" id="{D96FE8FC-EA95-B22C-2A23-74475101866B}"/>
+              </a:ext>
+            </a:extLst>
+          </p:cNvPr>
+          <p:cNvSpPr/>
+          <p:nvPr/>
+        </p:nvSpPr>
+        <p:spPr>
+          <a:xfrm>
+            <a:off x="5040694" y="691680"/>
+            <a:ext cx="336884" cy="3628723"/>
+          </a:xfrm>
+          <a:prstGeom prst="rect">
+            <a:avLst/>
+          </a:prstGeom>
+          <a:solidFill>
+            <a:schemeClr val="accent1"/>
+          </a:solidFill>
+          <a:ln>
+            <a:noFill/>
+          </a:ln>
+        </p:spPr>
+        <p:style>
+          <a:lnRef idx="2">
+            <a:schemeClr val="accent1">
+              <a:shade val="15000"/>
+            </a:schemeClr>
+          </a:lnRef>
+          <a:fillRef idx="1">
+            <a:schemeClr val="accent1"/>
+          </a:fillRef>
+          <a:effectRef idx="0">
+            <a:schemeClr val="accent1"/>
+          </a:effectRef>
+          <a:fontRef idx="minor">
+            <a:schemeClr val="lt1"/>
+          </a:fontRef>
+        </p:style>
+        <p:txBody>
+          <a:bodyPr vert="vert" rtlCol="0" anchor="ctr"/>
+          <a:lstStyle/>
+          <a:p>
+            <a:pPr algn="ctr"/>
+            <a:r>
+              <a:rPr lang="en-US" sz="1400" dirty="0" err="1"/>
+              <a:t>Y_train</a:t>
+            </a:r>
+            <a:endParaRPr lang="en-US" sz="1400" dirty="0"/>
+          </a:p>
+        </p:txBody>
+      </p:sp>
+      <p:sp>
+        <p:nvSpPr>
+          <p:cNvPr id="18" name="Rectangle 17">
+            <a:extLst>
+              <a:ext uri="{FF2B5EF4-FFF2-40B4-BE49-F238E27FC236}">
+                <a16:creationId xmlns:a16="http://schemas.microsoft.com/office/drawing/2014/main" id="{4B7E66D9-5AFA-D99F-9D6E-FD92E9A4BA21}"/>
+              </a:ext>
+            </a:extLst>
+          </p:cNvPr>
+          <p:cNvSpPr/>
+          <p:nvPr/>
+        </p:nvSpPr>
+        <p:spPr>
+          <a:xfrm>
+            <a:off x="5037750" y="4378154"/>
+            <a:ext cx="336884" cy="736332"/>
+          </a:xfrm>
+          <a:prstGeom prst="rect">
+            <a:avLst/>
+          </a:prstGeom>
+          <a:solidFill>
+            <a:schemeClr val="accent1"/>
+          </a:solidFill>
+          <a:ln>
+            <a:noFill/>
+          </a:ln>
+        </p:spPr>
+        <p:style>
+          <a:lnRef idx="2">
+            <a:schemeClr val="accent1">
+              <a:shade val="15000"/>
+            </a:schemeClr>
+          </a:lnRef>
+          <a:fillRef idx="1">
+            <a:schemeClr val="accent1"/>
+          </a:fillRef>
+          <a:effectRef idx="0">
+            <a:schemeClr val="accent1"/>
+          </a:effectRef>
+          <a:fontRef idx="minor">
+            <a:schemeClr val="lt1"/>
+          </a:fontRef>
+        </p:style>
+        <p:txBody>
+          <a:bodyPr vert="vert" rtlCol="0" anchor="ctr"/>
+          <a:lstStyle/>
+          <a:p>
+            <a:pPr algn="ctr"/>
+            <a:r>
+              <a:rPr lang="en-US" sz="1400" dirty="0" err="1"/>
+              <a:t>Y_valid</a:t>
+            </a:r>
+            <a:endParaRPr lang="en-US" sz="1400" dirty="0"/>
+          </a:p>
+        </p:txBody>
+      </p:sp>
+      <p:sp>
+        <p:nvSpPr>
+          <p:cNvPr id="19" name="Rectangle 18">
+            <a:extLst>
+              <a:ext uri="{FF2B5EF4-FFF2-40B4-BE49-F238E27FC236}">
+                <a16:creationId xmlns:a16="http://schemas.microsoft.com/office/drawing/2014/main" id="{03CF4920-2B23-D4A7-C106-BB4390BCBA8E}"/>
+              </a:ext>
+            </a:extLst>
+          </p:cNvPr>
+          <p:cNvSpPr/>
+          <p:nvPr/>
+        </p:nvSpPr>
+        <p:spPr>
+          <a:xfrm>
+            <a:off x="5069306" y="5170076"/>
+            <a:ext cx="336884" cy="736332"/>
+          </a:xfrm>
+          <a:prstGeom prst="rect">
+            <a:avLst/>
+          </a:prstGeom>
+          <a:solidFill>
+            <a:schemeClr val="accent1"/>
+          </a:solidFill>
+          <a:ln>
+            <a:noFill/>
+          </a:ln>
+        </p:spPr>
+        <p:style>
+          <a:lnRef idx="2">
+            <a:schemeClr val="accent1">
+              <a:shade val="15000"/>
+            </a:schemeClr>
+          </a:lnRef>
+          <a:fillRef idx="1">
+            <a:schemeClr val="accent1"/>
+          </a:fillRef>
+          <a:effectRef idx="0">
+            <a:schemeClr val="accent1"/>
+          </a:effectRef>
+          <a:fontRef idx="minor">
+            <a:schemeClr val="lt1"/>
+          </a:fontRef>
+        </p:style>
+        <p:txBody>
+          <a:bodyPr vert="vert" rtlCol="0" anchor="ctr"/>
+          <a:lstStyle/>
+          <a:p>
+            <a:pPr algn="ctr"/>
+            <a:r>
+              <a:rPr lang="en-US" sz="1400" dirty="0" err="1"/>
+              <a:t>Y_test</a:t>
+            </a:r>
+            <a:endParaRPr lang="en-US" sz="1400" dirty="0"/>
+          </a:p>
+        </p:txBody>
+      </p:sp>
+      <p:sp>
+        <p:nvSpPr>
+          <p:cNvPr id="20" name="Rectangle 19">
+            <a:extLst>
+              <a:ext uri="{FF2B5EF4-FFF2-40B4-BE49-F238E27FC236}">
+                <a16:creationId xmlns:a16="http://schemas.microsoft.com/office/drawing/2014/main" id="{3D8A0BC6-6841-3304-AD88-F2AD565E5A01}"/>
+              </a:ext>
+            </a:extLst>
+          </p:cNvPr>
+          <p:cNvSpPr/>
+          <p:nvPr/>
+        </p:nvSpPr>
+        <p:spPr>
+          <a:xfrm>
+            <a:off x="6236362" y="691679"/>
+            <a:ext cx="1384697" cy="3628723"/>
+          </a:xfrm>
+          <a:prstGeom prst="rect">
+            <a:avLst/>
+          </a:prstGeom>
+          <a:solidFill>
+            <a:schemeClr val="accent6"/>
+          </a:solidFill>
+          <a:ln>
+            <a:noFill/>
+          </a:ln>
+        </p:spPr>
+        <p:style>
+          <a:lnRef idx="2">
+            <a:schemeClr val="accent1">
+              <a:shade val="15000"/>
+            </a:schemeClr>
+          </a:lnRef>
+          <a:fillRef idx="1">
+            <a:schemeClr val="accent1"/>
+          </a:fillRef>
+          <a:effectRef idx="0">
+            <a:schemeClr val="accent1"/>
+          </a:effectRef>
+          <a:fontRef idx="minor">
+            <a:schemeClr val="lt1"/>
+          </a:fontRef>
+        </p:style>
+        <p:txBody>
+          <a:bodyPr rtlCol="0" anchor="ctr"/>
+          <a:lstStyle/>
+          <a:p>
+            <a:pPr algn="ctr"/>
+            <a:r>
+              <a:rPr lang="en-US" sz="1400" dirty="0" err="1"/>
+              <a:t>X_train</a:t>
+            </a:r>
+            <a:r>
+              <a:rPr lang="en-US" sz="1400" dirty="0"/>
+              <a:t> (70%)</a:t>
+            </a:r>
+          </a:p>
+        </p:txBody>
+      </p:sp>
+      <p:sp>
+        <p:nvSpPr>
+          <p:cNvPr id="21" name="Rectangle 20">
+            <a:extLst>
+              <a:ext uri="{FF2B5EF4-FFF2-40B4-BE49-F238E27FC236}">
+                <a16:creationId xmlns:a16="http://schemas.microsoft.com/office/drawing/2014/main" id="{940EC9B2-8EF2-2068-31CF-BE9B209119C2}"/>
+              </a:ext>
+            </a:extLst>
+          </p:cNvPr>
+          <p:cNvSpPr/>
+          <p:nvPr/>
+        </p:nvSpPr>
+        <p:spPr>
+          <a:xfrm>
+            <a:off x="6236362" y="4378153"/>
+            <a:ext cx="1381753" cy="731521"/>
+          </a:xfrm>
+          <a:prstGeom prst="rect">
+            <a:avLst/>
+          </a:prstGeom>
+          <a:solidFill>
+            <a:srgbClr val="FFC000"/>
+          </a:solidFill>
+          <a:ln>
+            <a:noFill/>
+          </a:ln>
+        </p:spPr>
+        <p:style>
+          <a:lnRef idx="2">
+            <a:schemeClr val="accent1">
+              <a:shade val="15000"/>
+            </a:schemeClr>
+          </a:lnRef>
+          <a:fillRef idx="1">
+            <a:schemeClr val="accent1"/>
+          </a:fillRef>
+          <a:effectRef idx="0">
+            <a:schemeClr val="accent1"/>
+          </a:effectRef>
+          <a:fontRef idx="minor">
+            <a:schemeClr val="lt1"/>
+          </a:fontRef>
+        </p:style>
+        <p:txBody>
+          <a:bodyPr rtlCol="0" anchor="ctr"/>
+          <a:lstStyle/>
+          <a:p>
+            <a:pPr algn="ctr"/>
+            <a:r>
+              <a:rPr lang="en-US" sz="1400" dirty="0" err="1"/>
+              <a:t>X_valid</a:t>
+            </a:r>
+            <a:r>
+              <a:rPr lang="en-US" sz="1400" dirty="0"/>
+              <a:t> (15%)</a:t>
+            </a:r>
+          </a:p>
+        </p:txBody>
+      </p:sp>
+      <p:sp>
+        <p:nvSpPr>
+          <p:cNvPr id="22" name="Rectangle 21">
+            <a:extLst>
+              <a:ext uri="{FF2B5EF4-FFF2-40B4-BE49-F238E27FC236}">
+                <a16:creationId xmlns:a16="http://schemas.microsoft.com/office/drawing/2014/main" id="{277DDA58-B7C3-8285-9890-72E9BE0567C8}"/>
+              </a:ext>
+            </a:extLst>
+          </p:cNvPr>
+          <p:cNvSpPr/>
+          <p:nvPr/>
+        </p:nvSpPr>
+        <p:spPr>
+          <a:xfrm>
+            <a:off x="7678810" y="691679"/>
+            <a:ext cx="336884" cy="3628723"/>
+          </a:xfrm>
+          <a:prstGeom prst="rect">
+            <a:avLst/>
+          </a:prstGeom>
+          <a:solidFill>
+            <a:schemeClr val="accent1"/>
+          </a:solidFill>
+          <a:ln>
+            <a:noFill/>
+          </a:ln>
+        </p:spPr>
+        <p:style>
+          <a:lnRef idx="2">
+            <a:schemeClr val="accent1">
+              <a:shade val="15000"/>
+            </a:schemeClr>
+          </a:lnRef>
+          <a:fillRef idx="1">
+            <a:schemeClr val="accent1"/>
+          </a:fillRef>
+          <a:effectRef idx="0">
+            <a:schemeClr val="accent1"/>
+          </a:effectRef>
+          <a:fontRef idx="minor">
+            <a:schemeClr val="lt1"/>
+          </a:fontRef>
+        </p:style>
+        <p:txBody>
+          <a:bodyPr vert="vert" rtlCol="0" anchor="ctr"/>
+          <a:lstStyle/>
+          <a:p>
+            <a:pPr algn="ctr"/>
+            <a:r>
+              <a:rPr lang="en-US" sz="1400" dirty="0" err="1"/>
+              <a:t>Y_train</a:t>
+            </a:r>
+            <a:endParaRPr lang="en-US" sz="1400" dirty="0"/>
+          </a:p>
+        </p:txBody>
+      </p:sp>
+      <p:sp>
+        <p:nvSpPr>
+          <p:cNvPr id="23" name="Rectangle 22">
+            <a:extLst>
+              <a:ext uri="{FF2B5EF4-FFF2-40B4-BE49-F238E27FC236}">
+                <a16:creationId xmlns:a16="http://schemas.microsoft.com/office/drawing/2014/main" id="{A40491A6-4003-303B-F7CA-27C24D5EECA0}"/>
+              </a:ext>
+            </a:extLst>
+          </p:cNvPr>
+          <p:cNvSpPr/>
+          <p:nvPr/>
+        </p:nvSpPr>
+        <p:spPr>
+          <a:xfrm>
+            <a:off x="7675866" y="4378153"/>
+            <a:ext cx="336884" cy="736332"/>
+          </a:xfrm>
+          <a:prstGeom prst="rect">
+            <a:avLst/>
+          </a:prstGeom>
+          <a:solidFill>
+            <a:schemeClr val="accent1"/>
+          </a:solidFill>
+          <a:ln>
+            <a:noFill/>
+          </a:ln>
+        </p:spPr>
+        <p:style>
+          <a:lnRef idx="2">
+            <a:schemeClr val="accent1">
+              <a:shade val="15000"/>
+            </a:schemeClr>
+          </a:lnRef>
+          <a:fillRef idx="1">
+            <a:schemeClr val="accent1"/>
+          </a:fillRef>
+          <a:effectRef idx="0">
+            <a:schemeClr val="accent1"/>
+          </a:effectRef>
+          <a:fontRef idx="minor">
+            <a:schemeClr val="lt1"/>
+          </a:fontRef>
+        </p:style>
+        <p:txBody>
+          <a:bodyPr vert="vert" rtlCol="0" anchor="ctr"/>
+          <a:lstStyle/>
+          <a:p>
+            <a:pPr algn="ctr"/>
+            <a:r>
+              <a:rPr lang="en-US" sz="1400" dirty="0" err="1"/>
+              <a:t>Y_valid</a:t>
+            </a:r>
+            <a:endParaRPr lang="en-US" sz="1400" dirty="0"/>
+          </a:p>
+        </p:txBody>
+      </p:sp>
+    </p:spTree>
+    <p:extLst>
+      <p:ext uri="{BB962C8B-B14F-4D97-AF65-F5344CB8AC3E}">
+        <p14:creationId xmlns:p14="http://schemas.microsoft.com/office/powerpoint/2010/main" val="2985106416"/>
+      </p:ext>
+    </p:extLst>
+  </p:cSld>
+  <p:clrMapOvr>
+    <a:masterClrMapping/>
+  </p:clrMapOvr>
+</p:sld>
+</file>
+
+<file path=ppt/slides/slide14.xml><?xml version="1.0" encoding="utf-8"?>
+<p:sld xmlns:a="http://schemas.openxmlformats.org/drawingml/2006/main" xmlns:r="http://schemas.openxmlformats.org/officeDocument/2006/relationships" xmlns:p="http://schemas.openxmlformats.org/presentationml/2006/main">
+  <p:cSld>
+    <p:spTree>
+      <p:nvGrpSpPr>
+        <p:cNvPr id="1" name="">
+          <a:extLst>
+            <a:ext uri="{FF2B5EF4-FFF2-40B4-BE49-F238E27FC236}">
+              <a16:creationId xmlns:a16="http://schemas.microsoft.com/office/drawing/2014/main" id="{75E82275-075E-9B43-4FEA-F95123D5B617}"/>
+            </a:ext>
+          </a:extLst>
+        </p:cNvPr>
+        <p:cNvGrpSpPr/>
+        <p:nvPr/>
+      </p:nvGrpSpPr>
+      <p:grpSpPr>
+        <a:xfrm>
+          <a:off x="0" y="0"/>
+          <a:ext cx="0" cy="0"/>
+          <a:chOff x="0" y="0"/>
+          <a:chExt cx="0" cy="0"/>
+        </a:xfrm>
+      </p:grpSpPr>
+      <p:sp>
+        <p:nvSpPr>
+          <p:cNvPr id="14" name="Rectangle 13">
+            <a:extLst>
+              <a:ext uri="{FF2B5EF4-FFF2-40B4-BE49-F238E27FC236}">
+                <a16:creationId xmlns:a16="http://schemas.microsoft.com/office/drawing/2014/main" id="{1FF560CC-B9CF-4EA4-AAC4-5FF282703B0A}"/>
+              </a:ext>
+            </a:extLst>
+          </p:cNvPr>
+          <p:cNvSpPr/>
+          <p:nvPr/>
+        </p:nvSpPr>
+        <p:spPr>
+          <a:xfrm>
+            <a:off x="940200" y="1100754"/>
+            <a:ext cx="1384697" cy="3628723"/>
+          </a:xfrm>
+          <a:prstGeom prst="rect">
+            <a:avLst/>
+          </a:prstGeom>
+          <a:solidFill>
+            <a:schemeClr val="accent6"/>
+          </a:solidFill>
+          <a:ln>
+            <a:noFill/>
+          </a:ln>
+        </p:spPr>
+        <p:style>
+          <a:lnRef idx="2">
+            <a:schemeClr val="accent1">
+              <a:shade val="15000"/>
+            </a:schemeClr>
+          </a:lnRef>
+          <a:fillRef idx="1">
+            <a:schemeClr val="accent1"/>
+          </a:fillRef>
+          <a:effectRef idx="0">
+            <a:schemeClr val="accent1"/>
+          </a:effectRef>
+          <a:fontRef idx="minor">
+            <a:schemeClr val="lt1"/>
+          </a:fontRef>
+        </p:style>
+        <p:txBody>
+          <a:bodyPr rtlCol="0" anchor="ctr"/>
+          <a:lstStyle/>
+          <a:p>
+            <a:pPr algn="ctr"/>
+            <a:r>
+              <a:rPr lang="en-US" sz="1400" dirty="0" err="1"/>
+              <a:t>X_train</a:t>
+            </a:r>
+            <a:endParaRPr lang="en-US" sz="1400" dirty="0"/>
+          </a:p>
+        </p:txBody>
+      </p:sp>
+      <p:sp>
+        <p:nvSpPr>
+          <p:cNvPr id="15" name="Rectangle 14">
+            <a:extLst>
+              <a:ext uri="{FF2B5EF4-FFF2-40B4-BE49-F238E27FC236}">
+                <a16:creationId xmlns:a16="http://schemas.microsoft.com/office/drawing/2014/main" id="{85B23941-70BE-1CB6-1F5F-A51C85CE4E2A}"/>
+              </a:ext>
+            </a:extLst>
+          </p:cNvPr>
+          <p:cNvSpPr/>
+          <p:nvPr/>
+        </p:nvSpPr>
+        <p:spPr>
+          <a:xfrm>
+            <a:off x="941673" y="4792040"/>
+            <a:ext cx="1381753" cy="731521"/>
+          </a:xfrm>
+          <a:prstGeom prst="rect">
+            <a:avLst/>
+          </a:prstGeom>
+          <a:solidFill>
+            <a:srgbClr val="FFC000"/>
+          </a:solidFill>
+          <a:ln>
+            <a:noFill/>
+          </a:ln>
+        </p:spPr>
+        <p:style>
+          <a:lnRef idx="2">
+            <a:schemeClr val="accent1">
+              <a:shade val="15000"/>
+            </a:schemeClr>
+          </a:lnRef>
+          <a:fillRef idx="1">
+            <a:schemeClr val="accent1"/>
+          </a:fillRef>
+          <a:effectRef idx="0">
+            <a:schemeClr val="accent1"/>
+          </a:effectRef>
+          <a:fontRef idx="minor">
+            <a:schemeClr val="lt1"/>
+          </a:fontRef>
+        </p:style>
+        <p:txBody>
+          <a:bodyPr rtlCol="0" anchor="ctr"/>
+          <a:lstStyle/>
+          <a:p>
+            <a:pPr algn="ctr"/>
+            <a:r>
+              <a:rPr lang="en-US" sz="1400" dirty="0" err="1"/>
+              <a:t>X_valid</a:t>
+            </a:r>
+            <a:endParaRPr lang="en-US" sz="1400" dirty="0"/>
+          </a:p>
+        </p:txBody>
+      </p:sp>
+      <p:sp>
+        <p:nvSpPr>
+          <p:cNvPr id="16" name="Rectangle 15">
+            <a:extLst>
+              <a:ext uri="{FF2B5EF4-FFF2-40B4-BE49-F238E27FC236}">
+                <a16:creationId xmlns:a16="http://schemas.microsoft.com/office/drawing/2014/main" id="{CA8545D0-BD00-48DA-23EF-BABD6F204B9A}"/>
+              </a:ext>
+            </a:extLst>
+          </p:cNvPr>
+          <p:cNvSpPr/>
+          <p:nvPr/>
+        </p:nvSpPr>
+        <p:spPr>
+          <a:xfrm>
+            <a:off x="12192000" y="5374368"/>
+            <a:ext cx="1381753" cy="731521"/>
+          </a:xfrm>
+          <a:prstGeom prst="rect">
+            <a:avLst/>
+          </a:prstGeom>
+          <a:solidFill>
+            <a:srgbClr val="FF0000"/>
+          </a:solidFill>
+          <a:ln>
+            <a:noFill/>
+          </a:ln>
+        </p:spPr>
+        <p:style>
+          <a:lnRef idx="2">
+            <a:schemeClr val="accent1">
+              <a:shade val="15000"/>
+            </a:schemeClr>
+          </a:lnRef>
+          <a:fillRef idx="1">
+            <a:schemeClr val="accent1"/>
+          </a:fillRef>
+          <a:effectRef idx="0">
+            <a:schemeClr val="accent1"/>
+          </a:effectRef>
+          <a:fontRef idx="minor">
+            <a:schemeClr val="lt1"/>
+          </a:fontRef>
+        </p:style>
+        <p:txBody>
+          <a:bodyPr rtlCol="0" anchor="ctr"/>
+          <a:lstStyle/>
+          <a:p>
+            <a:pPr algn="ctr"/>
+            <a:r>
+              <a:rPr lang="en-US" sz="1400" dirty="0" err="1"/>
+              <a:t>X_test</a:t>
+            </a:r>
+            <a:r>
+              <a:rPr lang="en-US" sz="1400" dirty="0"/>
+              <a:t> (15%)</a:t>
+            </a:r>
+          </a:p>
+        </p:txBody>
+      </p:sp>
+      <p:sp>
+        <p:nvSpPr>
+          <p:cNvPr id="17" name="Rectangle 16">
+            <a:extLst>
+              <a:ext uri="{FF2B5EF4-FFF2-40B4-BE49-F238E27FC236}">
+                <a16:creationId xmlns:a16="http://schemas.microsoft.com/office/drawing/2014/main" id="{F87404DB-AE26-26D8-6AF7-FA6605A1E017}"/>
+              </a:ext>
+            </a:extLst>
+          </p:cNvPr>
+          <p:cNvSpPr/>
+          <p:nvPr/>
+        </p:nvSpPr>
+        <p:spPr>
+          <a:xfrm>
+            <a:off x="2384121" y="1105566"/>
+            <a:ext cx="336884" cy="3628723"/>
+          </a:xfrm>
+          <a:prstGeom prst="rect">
+            <a:avLst/>
+          </a:prstGeom>
+          <a:solidFill>
+            <a:schemeClr val="accent1"/>
+          </a:solidFill>
+          <a:ln>
+            <a:noFill/>
+          </a:ln>
+        </p:spPr>
+        <p:style>
+          <a:lnRef idx="2">
+            <a:schemeClr val="accent1">
+              <a:shade val="15000"/>
+            </a:schemeClr>
+          </a:lnRef>
+          <a:fillRef idx="1">
+            <a:schemeClr val="accent1"/>
+          </a:fillRef>
+          <a:effectRef idx="0">
+            <a:schemeClr val="accent1"/>
+          </a:effectRef>
+          <a:fontRef idx="minor">
+            <a:schemeClr val="lt1"/>
+          </a:fontRef>
+        </p:style>
+        <p:txBody>
+          <a:bodyPr vert="vert" rtlCol="0" anchor="ctr"/>
+          <a:lstStyle/>
+          <a:p>
+            <a:pPr algn="ctr"/>
+            <a:r>
+              <a:rPr lang="en-US" sz="1400" dirty="0" err="1"/>
+              <a:t>Y_train</a:t>
+            </a:r>
+            <a:endParaRPr lang="en-US" sz="1400" dirty="0"/>
+          </a:p>
+        </p:txBody>
+      </p:sp>
+      <p:sp>
+        <p:nvSpPr>
+          <p:cNvPr id="18" name="Rectangle 17">
+            <a:extLst>
+              <a:ext uri="{FF2B5EF4-FFF2-40B4-BE49-F238E27FC236}">
+                <a16:creationId xmlns:a16="http://schemas.microsoft.com/office/drawing/2014/main" id="{AF802853-E0F2-F615-7AD8-6EDE63570047}"/>
+              </a:ext>
+            </a:extLst>
+          </p:cNvPr>
+          <p:cNvSpPr/>
+          <p:nvPr/>
+        </p:nvSpPr>
+        <p:spPr>
+          <a:xfrm>
+            <a:off x="2381177" y="4792040"/>
+            <a:ext cx="336884" cy="736332"/>
+          </a:xfrm>
+          <a:prstGeom prst="rect">
+            <a:avLst/>
+          </a:prstGeom>
+          <a:solidFill>
+            <a:schemeClr val="tx2"/>
+          </a:solidFill>
+          <a:ln>
+            <a:noFill/>
+          </a:ln>
+        </p:spPr>
+        <p:style>
+          <a:lnRef idx="2">
+            <a:schemeClr val="accent1">
+              <a:shade val="15000"/>
+            </a:schemeClr>
+          </a:lnRef>
+          <a:fillRef idx="1">
+            <a:schemeClr val="accent1"/>
+          </a:fillRef>
+          <a:effectRef idx="0">
+            <a:schemeClr val="accent1"/>
+          </a:effectRef>
+          <a:fontRef idx="minor">
+            <a:schemeClr val="lt1"/>
+          </a:fontRef>
+        </p:style>
+        <p:txBody>
+          <a:bodyPr vert="vert" rtlCol="0" anchor="ctr"/>
+          <a:lstStyle/>
+          <a:p>
+            <a:pPr algn="ctr"/>
+            <a:r>
+              <a:rPr lang="en-US" sz="1400" dirty="0" err="1"/>
+              <a:t>Y_valid</a:t>
+            </a:r>
+            <a:endParaRPr lang="en-US" sz="1400" dirty="0"/>
+          </a:p>
+        </p:txBody>
+      </p:sp>
+      <p:sp>
+        <p:nvSpPr>
+          <p:cNvPr id="19" name="Rectangle 18">
+            <a:extLst>
+              <a:ext uri="{FF2B5EF4-FFF2-40B4-BE49-F238E27FC236}">
+                <a16:creationId xmlns:a16="http://schemas.microsoft.com/office/drawing/2014/main" id="{844FE2CE-2302-B9E5-BC94-88A060758B62}"/>
+              </a:ext>
+            </a:extLst>
+          </p:cNvPr>
+          <p:cNvSpPr/>
+          <p:nvPr/>
+        </p:nvSpPr>
+        <p:spPr>
+          <a:xfrm>
+            <a:off x="13663060" y="5369557"/>
+            <a:ext cx="336884" cy="736332"/>
+          </a:xfrm>
+          <a:prstGeom prst="rect">
+            <a:avLst/>
+          </a:prstGeom>
+          <a:solidFill>
+            <a:schemeClr val="accent1"/>
+          </a:solidFill>
+          <a:ln>
+            <a:noFill/>
+          </a:ln>
+        </p:spPr>
+        <p:style>
+          <a:lnRef idx="2">
+            <a:schemeClr val="accent1">
+              <a:shade val="15000"/>
+            </a:schemeClr>
+          </a:lnRef>
+          <a:fillRef idx="1">
+            <a:schemeClr val="accent1"/>
+          </a:fillRef>
+          <a:effectRef idx="0">
+            <a:schemeClr val="accent1"/>
+          </a:effectRef>
+          <a:fontRef idx="minor">
+            <a:schemeClr val="lt1"/>
+          </a:fontRef>
+        </p:style>
+        <p:txBody>
+          <a:bodyPr vert="vert" rtlCol="0" anchor="ctr"/>
+          <a:lstStyle/>
+          <a:p>
+            <a:pPr algn="ctr"/>
+            <a:r>
+              <a:rPr lang="en-US" sz="1400" dirty="0" err="1"/>
+              <a:t>Y_test</a:t>
+            </a:r>
+            <a:endParaRPr lang="en-US" sz="1400" dirty="0"/>
+          </a:p>
+        </p:txBody>
+      </p:sp>
+      <p:sp>
+        <p:nvSpPr>
+          <p:cNvPr id="2" name="TextBox 1">
+            <a:extLst>
+              <a:ext uri="{FF2B5EF4-FFF2-40B4-BE49-F238E27FC236}">
+                <a16:creationId xmlns:a16="http://schemas.microsoft.com/office/drawing/2014/main" id="{E47673D0-5171-A98D-D73E-4C4A08661383}"/>
+              </a:ext>
+            </a:extLst>
+          </p:cNvPr>
+          <p:cNvSpPr txBox="1"/>
+          <p:nvPr/>
+        </p:nvSpPr>
+        <p:spPr>
+          <a:xfrm>
+            <a:off x="941673" y="529389"/>
+            <a:ext cx="1776388" cy="369332"/>
+          </a:xfrm>
+          <a:prstGeom prst="rect">
+            <a:avLst/>
+          </a:prstGeom>
+          <a:noFill/>
+        </p:spPr>
+        <p:txBody>
+          <a:bodyPr wrap="square" rtlCol="0">
+            <a:spAutoFit/>
+          </a:bodyPr>
+          <a:lstStyle/>
+          <a:p>
+            <a:r>
+              <a:rPr lang="en-US" dirty="0"/>
+              <a:t>Fold 1</a:t>
+            </a:r>
+          </a:p>
+        </p:txBody>
+      </p:sp>
+      <p:sp>
+        <p:nvSpPr>
+          <p:cNvPr id="3" name="Rectangle 2">
+            <a:extLst>
+              <a:ext uri="{FF2B5EF4-FFF2-40B4-BE49-F238E27FC236}">
+                <a16:creationId xmlns:a16="http://schemas.microsoft.com/office/drawing/2014/main" id="{FCFD88F4-0499-F6C4-A257-158764363ED4}"/>
+              </a:ext>
+            </a:extLst>
+          </p:cNvPr>
+          <p:cNvSpPr/>
+          <p:nvPr/>
+        </p:nvSpPr>
+        <p:spPr>
+          <a:xfrm>
+            <a:off x="3230881" y="1100755"/>
+            <a:ext cx="1384697" cy="2928483"/>
+          </a:xfrm>
+          <a:prstGeom prst="rect">
+            <a:avLst/>
+          </a:prstGeom>
+          <a:solidFill>
+            <a:schemeClr val="accent6"/>
+          </a:solidFill>
+          <a:ln>
+            <a:noFill/>
+          </a:ln>
+        </p:spPr>
+        <p:style>
+          <a:lnRef idx="2">
+            <a:schemeClr val="accent1">
+              <a:shade val="15000"/>
+            </a:schemeClr>
+          </a:lnRef>
+          <a:fillRef idx="1">
+            <a:schemeClr val="accent1"/>
+          </a:fillRef>
+          <a:effectRef idx="0">
+            <a:schemeClr val="accent1"/>
+          </a:effectRef>
+          <a:fontRef idx="minor">
+            <a:schemeClr val="lt1"/>
+          </a:fontRef>
+        </p:style>
+        <p:txBody>
+          <a:bodyPr rtlCol="0" anchor="ctr"/>
+          <a:lstStyle/>
+          <a:p>
+            <a:pPr algn="ctr"/>
+            <a:r>
+              <a:rPr lang="en-US" sz="1400" dirty="0" err="1"/>
+              <a:t>X_train</a:t>
+            </a:r>
+            <a:endParaRPr lang="en-US" sz="1400" dirty="0"/>
+          </a:p>
+        </p:txBody>
+      </p:sp>
+      <p:sp>
+        <p:nvSpPr>
+          <p:cNvPr id="4" name="Rectangle 3">
+            <a:extLst>
+              <a:ext uri="{FF2B5EF4-FFF2-40B4-BE49-F238E27FC236}">
+                <a16:creationId xmlns:a16="http://schemas.microsoft.com/office/drawing/2014/main" id="{C83CC4FF-CB5D-51A5-D5B9-121B4CD3D8FD}"/>
+              </a:ext>
+            </a:extLst>
+          </p:cNvPr>
+          <p:cNvSpPr/>
+          <p:nvPr/>
+        </p:nvSpPr>
+        <p:spPr>
+          <a:xfrm>
+            <a:off x="3227937" y="4029238"/>
+            <a:ext cx="1381753" cy="731521"/>
+          </a:xfrm>
+          <a:prstGeom prst="rect">
+            <a:avLst/>
+          </a:prstGeom>
+          <a:solidFill>
+            <a:srgbClr val="FFC000"/>
+          </a:solidFill>
+          <a:ln>
+            <a:noFill/>
+          </a:ln>
+        </p:spPr>
+        <p:style>
+          <a:lnRef idx="2">
+            <a:schemeClr val="accent1">
+              <a:shade val="15000"/>
+            </a:schemeClr>
+          </a:lnRef>
+          <a:fillRef idx="1">
+            <a:schemeClr val="accent1"/>
+          </a:fillRef>
+          <a:effectRef idx="0">
+            <a:schemeClr val="accent1"/>
+          </a:effectRef>
+          <a:fontRef idx="minor">
+            <a:schemeClr val="lt1"/>
+          </a:fontRef>
+        </p:style>
+        <p:txBody>
+          <a:bodyPr rtlCol="0" anchor="ctr"/>
+          <a:lstStyle/>
+          <a:p>
+            <a:pPr algn="ctr"/>
+            <a:r>
+              <a:rPr lang="en-US" sz="1400" dirty="0" err="1"/>
+              <a:t>X_valid</a:t>
+            </a:r>
+            <a:endParaRPr lang="en-US" sz="1400" dirty="0"/>
+          </a:p>
+        </p:txBody>
+      </p:sp>
+      <p:sp>
+        <p:nvSpPr>
+          <p:cNvPr id="5" name="Rectangle 4">
+            <a:extLst>
+              <a:ext uri="{FF2B5EF4-FFF2-40B4-BE49-F238E27FC236}">
+                <a16:creationId xmlns:a16="http://schemas.microsoft.com/office/drawing/2014/main" id="{C15D413A-37B4-6EA6-82E4-BFB13D62FCFA}"/>
+              </a:ext>
+            </a:extLst>
+          </p:cNvPr>
+          <p:cNvSpPr/>
+          <p:nvPr/>
+        </p:nvSpPr>
+        <p:spPr>
+          <a:xfrm>
+            <a:off x="4673329" y="1100755"/>
+            <a:ext cx="336884" cy="3628723"/>
+          </a:xfrm>
+          <a:prstGeom prst="rect">
+            <a:avLst/>
+          </a:prstGeom>
+          <a:solidFill>
+            <a:schemeClr val="accent1"/>
+          </a:solidFill>
+          <a:ln>
+            <a:noFill/>
+          </a:ln>
+        </p:spPr>
+        <p:style>
+          <a:lnRef idx="2">
+            <a:schemeClr val="accent1">
+              <a:shade val="15000"/>
+            </a:schemeClr>
+          </a:lnRef>
+          <a:fillRef idx="1">
+            <a:schemeClr val="accent1"/>
+          </a:fillRef>
+          <a:effectRef idx="0">
+            <a:schemeClr val="accent1"/>
+          </a:effectRef>
+          <a:fontRef idx="minor">
+            <a:schemeClr val="lt1"/>
+          </a:fontRef>
+        </p:style>
+        <p:txBody>
+          <a:bodyPr vert="vert" rtlCol="0" anchor="ctr"/>
+          <a:lstStyle/>
+          <a:p>
+            <a:pPr algn="ctr"/>
+            <a:r>
+              <a:rPr lang="en-US" sz="1400" dirty="0" err="1"/>
+              <a:t>Y_train</a:t>
+            </a:r>
+            <a:endParaRPr lang="en-US" sz="1400" dirty="0"/>
+          </a:p>
+        </p:txBody>
+      </p:sp>
+      <p:sp>
+        <p:nvSpPr>
+          <p:cNvPr id="6" name="Rectangle 5">
+            <a:extLst>
+              <a:ext uri="{FF2B5EF4-FFF2-40B4-BE49-F238E27FC236}">
+                <a16:creationId xmlns:a16="http://schemas.microsoft.com/office/drawing/2014/main" id="{16CCE846-89A7-2558-8A5A-8543514AA007}"/>
+              </a:ext>
+            </a:extLst>
+          </p:cNvPr>
+          <p:cNvSpPr/>
+          <p:nvPr/>
+        </p:nvSpPr>
+        <p:spPr>
+          <a:xfrm>
+            <a:off x="4682142" y="3993146"/>
+            <a:ext cx="336884" cy="736332"/>
+          </a:xfrm>
+          <a:prstGeom prst="rect">
+            <a:avLst/>
+          </a:prstGeom>
+          <a:solidFill>
+            <a:schemeClr val="tx2"/>
+          </a:solidFill>
+          <a:ln>
+            <a:noFill/>
+          </a:ln>
+        </p:spPr>
+        <p:style>
+          <a:lnRef idx="2">
+            <a:schemeClr val="accent1">
+              <a:shade val="15000"/>
+            </a:schemeClr>
+          </a:lnRef>
+          <a:fillRef idx="1">
+            <a:schemeClr val="accent1"/>
+          </a:fillRef>
+          <a:effectRef idx="0">
+            <a:schemeClr val="accent1"/>
+          </a:effectRef>
+          <a:fontRef idx="minor">
+            <a:schemeClr val="lt1"/>
+          </a:fontRef>
+        </p:style>
+        <p:txBody>
+          <a:bodyPr vert="vert" rtlCol="0" anchor="ctr"/>
+          <a:lstStyle/>
+          <a:p>
+            <a:pPr algn="ctr"/>
+            <a:r>
+              <a:rPr lang="en-US" sz="1400" dirty="0" err="1"/>
+              <a:t>Y_valid</a:t>
+            </a:r>
+            <a:endParaRPr lang="en-US" sz="1400" dirty="0"/>
+          </a:p>
+        </p:txBody>
+      </p:sp>
+      <p:sp>
+        <p:nvSpPr>
+          <p:cNvPr id="7" name="TextBox 6">
+            <a:extLst>
+              <a:ext uri="{FF2B5EF4-FFF2-40B4-BE49-F238E27FC236}">
+                <a16:creationId xmlns:a16="http://schemas.microsoft.com/office/drawing/2014/main" id="{FE1E37D0-81D2-0589-8389-8672C2BEF40F}"/>
+              </a:ext>
+            </a:extLst>
+          </p:cNvPr>
+          <p:cNvSpPr txBox="1"/>
+          <p:nvPr/>
+        </p:nvSpPr>
+        <p:spPr>
+          <a:xfrm>
+            <a:off x="3230881" y="524578"/>
+            <a:ext cx="1776388" cy="369332"/>
+          </a:xfrm>
+          <a:prstGeom prst="rect">
+            <a:avLst/>
+          </a:prstGeom>
+          <a:noFill/>
+        </p:spPr>
+        <p:txBody>
+          <a:bodyPr wrap="square" rtlCol="0">
+            <a:spAutoFit/>
+          </a:bodyPr>
+          <a:lstStyle/>
+          <a:p>
+            <a:r>
+              <a:rPr lang="en-US" dirty="0"/>
+              <a:t>Fold 2</a:t>
+            </a:r>
+          </a:p>
+        </p:txBody>
+      </p:sp>
+      <p:sp>
+        <p:nvSpPr>
+          <p:cNvPr id="8" name="Rectangle 7">
+            <a:extLst>
+              <a:ext uri="{FF2B5EF4-FFF2-40B4-BE49-F238E27FC236}">
+                <a16:creationId xmlns:a16="http://schemas.microsoft.com/office/drawing/2014/main" id="{96577C8B-C9E1-89EB-1E7B-D9648CF0D33C}"/>
+              </a:ext>
+            </a:extLst>
+          </p:cNvPr>
+          <p:cNvSpPr/>
+          <p:nvPr/>
+        </p:nvSpPr>
+        <p:spPr>
+          <a:xfrm>
+            <a:off x="3230881" y="4792040"/>
+            <a:ext cx="1384697" cy="731521"/>
+          </a:xfrm>
+          <a:prstGeom prst="rect">
+            <a:avLst/>
+          </a:prstGeom>
+          <a:solidFill>
+            <a:schemeClr val="accent6"/>
+          </a:solidFill>
+          <a:ln>
+            <a:noFill/>
+          </a:ln>
+        </p:spPr>
+        <p:style>
+          <a:lnRef idx="2">
+            <a:schemeClr val="accent1">
+              <a:shade val="15000"/>
+            </a:schemeClr>
+          </a:lnRef>
+          <a:fillRef idx="1">
+            <a:schemeClr val="accent1"/>
+          </a:fillRef>
+          <a:effectRef idx="0">
+            <a:schemeClr val="accent1"/>
+          </a:effectRef>
+          <a:fontRef idx="minor">
+            <a:schemeClr val="lt1"/>
+          </a:fontRef>
+        </p:style>
+        <p:txBody>
+          <a:bodyPr rtlCol="0" anchor="ctr"/>
+          <a:lstStyle/>
+          <a:p>
+            <a:pPr algn="ctr"/>
+            <a:r>
+              <a:rPr lang="en-US" sz="1400" dirty="0" err="1"/>
+              <a:t>X_train</a:t>
+            </a:r>
+            <a:endParaRPr lang="en-US" sz="1400" dirty="0"/>
+          </a:p>
+        </p:txBody>
+      </p:sp>
+      <p:sp>
+        <p:nvSpPr>
+          <p:cNvPr id="9" name="Rectangle 8">
+            <a:extLst>
+              <a:ext uri="{FF2B5EF4-FFF2-40B4-BE49-F238E27FC236}">
+                <a16:creationId xmlns:a16="http://schemas.microsoft.com/office/drawing/2014/main" id="{42FE6D4D-E3BF-940D-7E88-7363BD662D8F}"/>
+              </a:ext>
+            </a:extLst>
+          </p:cNvPr>
+          <p:cNvSpPr/>
+          <p:nvPr/>
+        </p:nvSpPr>
+        <p:spPr>
+          <a:xfrm>
+            <a:off x="4673329" y="4792040"/>
+            <a:ext cx="336884" cy="731521"/>
+          </a:xfrm>
+          <a:prstGeom prst="rect">
+            <a:avLst/>
+          </a:prstGeom>
+          <a:solidFill>
+            <a:schemeClr val="accent1"/>
+          </a:solidFill>
+          <a:ln>
+            <a:noFill/>
+          </a:ln>
+        </p:spPr>
+        <p:style>
+          <a:lnRef idx="2">
+            <a:schemeClr val="accent1">
+              <a:shade val="15000"/>
+            </a:schemeClr>
+          </a:lnRef>
+          <a:fillRef idx="1">
+            <a:schemeClr val="accent1"/>
+          </a:fillRef>
+          <a:effectRef idx="0">
+            <a:schemeClr val="accent1"/>
+          </a:effectRef>
+          <a:fontRef idx="minor">
+            <a:schemeClr val="lt1"/>
+          </a:fontRef>
+        </p:style>
+        <p:txBody>
+          <a:bodyPr vert="vert" rtlCol="0" anchor="ctr"/>
+          <a:lstStyle/>
+          <a:p>
+            <a:pPr algn="ctr"/>
+            <a:r>
+              <a:rPr lang="en-US" sz="1400" dirty="0" err="1"/>
+              <a:t>Y_train</a:t>
+            </a:r>
+            <a:endParaRPr lang="en-US" sz="1400" dirty="0"/>
+          </a:p>
+        </p:txBody>
+      </p:sp>
+      <p:sp>
+        <p:nvSpPr>
+          <p:cNvPr id="10" name="Rectangle 9">
+            <a:extLst>
+              <a:ext uri="{FF2B5EF4-FFF2-40B4-BE49-F238E27FC236}">
+                <a16:creationId xmlns:a16="http://schemas.microsoft.com/office/drawing/2014/main" id="{ECF70A08-DF97-BA04-1277-52D8FF3D6FD2}"/>
+              </a:ext>
+            </a:extLst>
+          </p:cNvPr>
+          <p:cNvSpPr/>
+          <p:nvPr/>
+        </p:nvSpPr>
+        <p:spPr>
+          <a:xfrm>
+            <a:off x="5520089" y="1100756"/>
+            <a:ext cx="1384697" cy="2196962"/>
+          </a:xfrm>
+          <a:prstGeom prst="rect">
+            <a:avLst/>
+          </a:prstGeom>
+          <a:solidFill>
+            <a:schemeClr val="accent6"/>
+          </a:solidFill>
+          <a:ln>
+            <a:noFill/>
+          </a:ln>
+        </p:spPr>
+        <p:style>
+          <a:lnRef idx="2">
+            <a:schemeClr val="accent1">
+              <a:shade val="15000"/>
+            </a:schemeClr>
+          </a:lnRef>
+          <a:fillRef idx="1">
+            <a:schemeClr val="accent1"/>
+          </a:fillRef>
+          <a:effectRef idx="0">
+            <a:schemeClr val="accent1"/>
+          </a:effectRef>
+          <a:fontRef idx="minor">
+            <a:schemeClr val="lt1"/>
+          </a:fontRef>
+        </p:style>
+        <p:txBody>
+          <a:bodyPr rtlCol="0" anchor="ctr"/>
+          <a:lstStyle/>
+          <a:p>
+            <a:pPr algn="ctr"/>
+            <a:r>
+              <a:rPr lang="en-US" sz="1400" dirty="0" err="1"/>
+              <a:t>X_train</a:t>
+            </a:r>
+            <a:endParaRPr lang="en-US" sz="1400" dirty="0"/>
+          </a:p>
+        </p:txBody>
+      </p:sp>
+      <p:sp>
+        <p:nvSpPr>
+          <p:cNvPr id="20" name="Rectangle 19">
+            <a:extLst>
+              <a:ext uri="{FF2B5EF4-FFF2-40B4-BE49-F238E27FC236}">
+                <a16:creationId xmlns:a16="http://schemas.microsoft.com/office/drawing/2014/main" id="{D4D87393-1362-1205-D725-FA09361DFDCB}"/>
+              </a:ext>
+            </a:extLst>
+          </p:cNvPr>
+          <p:cNvSpPr/>
+          <p:nvPr/>
+        </p:nvSpPr>
+        <p:spPr>
+          <a:xfrm>
+            <a:off x="5528902" y="3297717"/>
+            <a:ext cx="1381753" cy="731521"/>
+          </a:xfrm>
+          <a:prstGeom prst="rect">
+            <a:avLst/>
+          </a:prstGeom>
+          <a:solidFill>
+            <a:srgbClr val="FFC000"/>
+          </a:solidFill>
+          <a:ln>
+            <a:noFill/>
+          </a:ln>
+        </p:spPr>
+        <p:style>
+          <a:lnRef idx="2">
+            <a:schemeClr val="accent1">
+              <a:shade val="15000"/>
+            </a:schemeClr>
+          </a:lnRef>
+          <a:fillRef idx="1">
+            <a:schemeClr val="accent1"/>
+          </a:fillRef>
+          <a:effectRef idx="0">
+            <a:schemeClr val="accent1"/>
+          </a:effectRef>
+          <a:fontRef idx="minor">
+            <a:schemeClr val="lt1"/>
+          </a:fontRef>
+        </p:style>
+        <p:txBody>
+          <a:bodyPr rtlCol="0" anchor="ctr"/>
+          <a:lstStyle/>
+          <a:p>
+            <a:pPr algn="ctr"/>
+            <a:r>
+              <a:rPr lang="en-US" sz="1400" dirty="0" err="1"/>
+              <a:t>X_valid</a:t>
+            </a:r>
+            <a:endParaRPr lang="en-US" sz="1400" dirty="0"/>
+          </a:p>
+        </p:txBody>
+      </p:sp>
+      <p:sp>
+        <p:nvSpPr>
+          <p:cNvPr id="21" name="Rectangle 20">
+            <a:extLst>
+              <a:ext uri="{FF2B5EF4-FFF2-40B4-BE49-F238E27FC236}">
+                <a16:creationId xmlns:a16="http://schemas.microsoft.com/office/drawing/2014/main" id="{E7722AF1-1F44-FEA3-193E-09926B60F0BF}"/>
+              </a:ext>
+            </a:extLst>
+          </p:cNvPr>
+          <p:cNvSpPr/>
+          <p:nvPr/>
+        </p:nvSpPr>
+        <p:spPr>
+          <a:xfrm>
+            <a:off x="6962537" y="1100756"/>
+            <a:ext cx="336884" cy="2196962"/>
+          </a:xfrm>
+          <a:prstGeom prst="rect">
+            <a:avLst/>
+          </a:prstGeom>
+          <a:solidFill>
+            <a:schemeClr val="accent1"/>
+          </a:solidFill>
+          <a:ln>
+            <a:noFill/>
+          </a:ln>
+        </p:spPr>
+        <p:style>
+          <a:lnRef idx="2">
+            <a:schemeClr val="accent1">
+              <a:shade val="15000"/>
+            </a:schemeClr>
+          </a:lnRef>
+          <a:fillRef idx="1">
+            <a:schemeClr val="accent1"/>
+          </a:fillRef>
+          <a:effectRef idx="0">
+            <a:schemeClr val="accent1"/>
+          </a:effectRef>
+          <a:fontRef idx="minor">
+            <a:schemeClr val="lt1"/>
+          </a:fontRef>
+        </p:style>
+        <p:txBody>
+          <a:bodyPr vert="vert" rtlCol="0" anchor="ctr"/>
+          <a:lstStyle/>
+          <a:p>
+            <a:pPr algn="ctr"/>
+            <a:r>
+              <a:rPr lang="en-US" sz="1400" dirty="0" err="1"/>
+              <a:t>Y_train</a:t>
+            </a:r>
+            <a:endParaRPr lang="en-US" sz="1400" dirty="0"/>
+          </a:p>
+        </p:txBody>
+      </p:sp>
+      <p:sp>
+        <p:nvSpPr>
+          <p:cNvPr id="22" name="Rectangle 21">
+            <a:extLst>
+              <a:ext uri="{FF2B5EF4-FFF2-40B4-BE49-F238E27FC236}">
+                <a16:creationId xmlns:a16="http://schemas.microsoft.com/office/drawing/2014/main" id="{885482C1-44BE-F69D-C225-3F8FDC353207}"/>
+              </a:ext>
+            </a:extLst>
+          </p:cNvPr>
+          <p:cNvSpPr/>
+          <p:nvPr/>
+        </p:nvSpPr>
+        <p:spPr>
+          <a:xfrm>
+            <a:off x="6962252" y="3297717"/>
+            <a:ext cx="336884" cy="736332"/>
+          </a:xfrm>
+          <a:prstGeom prst="rect">
+            <a:avLst/>
+          </a:prstGeom>
+          <a:solidFill>
+            <a:schemeClr val="tx2"/>
+          </a:solidFill>
+          <a:ln>
+            <a:noFill/>
+          </a:ln>
+        </p:spPr>
+        <p:style>
+          <a:lnRef idx="2">
+            <a:schemeClr val="accent1">
+              <a:shade val="15000"/>
+            </a:schemeClr>
+          </a:lnRef>
+          <a:fillRef idx="1">
+            <a:schemeClr val="accent1"/>
+          </a:fillRef>
+          <a:effectRef idx="0">
+            <a:schemeClr val="accent1"/>
+          </a:effectRef>
+          <a:fontRef idx="minor">
+            <a:schemeClr val="lt1"/>
+          </a:fontRef>
+        </p:style>
+        <p:txBody>
+          <a:bodyPr vert="vert" rtlCol="0" anchor="ctr"/>
+          <a:lstStyle/>
+          <a:p>
+            <a:pPr algn="ctr"/>
+            <a:r>
+              <a:rPr lang="en-US" sz="1400" dirty="0" err="1"/>
+              <a:t>Y_valid</a:t>
+            </a:r>
+            <a:endParaRPr lang="en-US" sz="1400" dirty="0"/>
+          </a:p>
+        </p:txBody>
+      </p:sp>
+      <p:sp>
+        <p:nvSpPr>
+          <p:cNvPr id="23" name="TextBox 22">
+            <a:extLst>
+              <a:ext uri="{FF2B5EF4-FFF2-40B4-BE49-F238E27FC236}">
+                <a16:creationId xmlns:a16="http://schemas.microsoft.com/office/drawing/2014/main" id="{B081F93E-BF53-12C4-19B6-E0CA971C842F}"/>
+              </a:ext>
+            </a:extLst>
+          </p:cNvPr>
+          <p:cNvSpPr txBox="1"/>
+          <p:nvPr/>
+        </p:nvSpPr>
+        <p:spPr>
+          <a:xfrm>
+            <a:off x="5520089" y="524578"/>
+            <a:ext cx="1776388" cy="369332"/>
+          </a:xfrm>
+          <a:prstGeom prst="rect">
+            <a:avLst/>
+          </a:prstGeom>
+          <a:noFill/>
+        </p:spPr>
+        <p:txBody>
+          <a:bodyPr wrap="square" rtlCol="0">
+            <a:spAutoFit/>
+          </a:bodyPr>
+          <a:lstStyle/>
+          <a:p>
+            <a:r>
+              <a:rPr lang="en-US" dirty="0"/>
+              <a:t>Fold 3</a:t>
+            </a:r>
+          </a:p>
+        </p:txBody>
+      </p:sp>
+      <p:sp>
+        <p:nvSpPr>
+          <p:cNvPr id="24" name="Rectangle 23">
+            <a:extLst>
+              <a:ext uri="{FF2B5EF4-FFF2-40B4-BE49-F238E27FC236}">
+                <a16:creationId xmlns:a16="http://schemas.microsoft.com/office/drawing/2014/main" id="{BF6B47E7-00F6-7B77-EA2E-14448C3EF83E}"/>
+              </a:ext>
+            </a:extLst>
+          </p:cNvPr>
+          <p:cNvSpPr/>
+          <p:nvPr/>
+        </p:nvSpPr>
+        <p:spPr>
+          <a:xfrm>
+            <a:off x="5520089" y="4029238"/>
+            <a:ext cx="1384697" cy="1494323"/>
+          </a:xfrm>
+          <a:prstGeom prst="rect">
+            <a:avLst/>
+          </a:prstGeom>
+          <a:solidFill>
+            <a:schemeClr val="accent6"/>
+          </a:solidFill>
+          <a:ln>
+            <a:noFill/>
+          </a:ln>
+        </p:spPr>
+        <p:style>
+          <a:lnRef idx="2">
+            <a:schemeClr val="accent1">
+              <a:shade val="15000"/>
+            </a:schemeClr>
+          </a:lnRef>
+          <a:fillRef idx="1">
+            <a:schemeClr val="accent1"/>
+          </a:fillRef>
+          <a:effectRef idx="0">
+            <a:schemeClr val="accent1"/>
+          </a:effectRef>
+          <a:fontRef idx="minor">
+            <a:schemeClr val="lt1"/>
+          </a:fontRef>
+        </p:style>
+        <p:txBody>
+          <a:bodyPr rtlCol="0" anchor="ctr"/>
+          <a:lstStyle/>
+          <a:p>
+            <a:pPr algn="ctr"/>
+            <a:r>
+              <a:rPr lang="en-US" sz="1400" dirty="0" err="1"/>
+              <a:t>X_train</a:t>
+            </a:r>
+            <a:endParaRPr lang="en-US" sz="1400" dirty="0"/>
+          </a:p>
+        </p:txBody>
+      </p:sp>
+      <p:sp>
+        <p:nvSpPr>
+          <p:cNvPr id="25" name="Rectangle 24">
+            <a:extLst>
+              <a:ext uri="{FF2B5EF4-FFF2-40B4-BE49-F238E27FC236}">
+                <a16:creationId xmlns:a16="http://schemas.microsoft.com/office/drawing/2014/main" id="{C6C3134F-7BF8-4512-00C8-FAA79831FBA2}"/>
+              </a:ext>
+            </a:extLst>
+          </p:cNvPr>
+          <p:cNvSpPr/>
+          <p:nvPr/>
+        </p:nvSpPr>
+        <p:spPr>
+          <a:xfrm>
+            <a:off x="6962537" y="4029238"/>
+            <a:ext cx="336884" cy="1494323"/>
+          </a:xfrm>
+          <a:prstGeom prst="rect">
+            <a:avLst/>
+          </a:prstGeom>
+          <a:solidFill>
+            <a:schemeClr val="accent1"/>
+          </a:solidFill>
+          <a:ln>
+            <a:noFill/>
+          </a:ln>
+        </p:spPr>
+        <p:style>
+          <a:lnRef idx="2">
+            <a:schemeClr val="accent1">
+              <a:shade val="15000"/>
+            </a:schemeClr>
+          </a:lnRef>
+          <a:fillRef idx="1">
+            <a:schemeClr val="accent1"/>
+          </a:fillRef>
+          <a:effectRef idx="0">
+            <a:schemeClr val="accent1"/>
+          </a:effectRef>
+          <a:fontRef idx="minor">
+            <a:schemeClr val="lt1"/>
+          </a:fontRef>
+        </p:style>
+        <p:txBody>
+          <a:bodyPr vert="vert" rtlCol="0" anchor="ctr"/>
+          <a:lstStyle/>
+          <a:p>
+            <a:pPr algn="ctr"/>
+            <a:r>
+              <a:rPr lang="en-US" sz="1400" dirty="0" err="1"/>
+              <a:t>Y_train</a:t>
+            </a:r>
+            <a:endParaRPr lang="en-US" sz="1400" dirty="0"/>
+          </a:p>
+        </p:txBody>
+      </p:sp>
+      <p:sp>
+        <p:nvSpPr>
+          <p:cNvPr id="26" name="Rectangle 25">
+            <a:extLst>
+              <a:ext uri="{FF2B5EF4-FFF2-40B4-BE49-F238E27FC236}">
+                <a16:creationId xmlns:a16="http://schemas.microsoft.com/office/drawing/2014/main" id="{590FFEE4-D929-3BE2-E8B6-2356A0FF285B}"/>
+              </a:ext>
+            </a:extLst>
+          </p:cNvPr>
+          <p:cNvSpPr/>
+          <p:nvPr/>
+        </p:nvSpPr>
+        <p:spPr>
+          <a:xfrm>
+            <a:off x="7711441" y="1100756"/>
+            <a:ext cx="1384697" cy="1463035"/>
+          </a:xfrm>
+          <a:prstGeom prst="rect">
+            <a:avLst/>
+          </a:prstGeom>
+          <a:solidFill>
+            <a:schemeClr val="accent6"/>
+          </a:solidFill>
+          <a:ln>
+            <a:noFill/>
+          </a:ln>
+        </p:spPr>
+        <p:style>
+          <a:lnRef idx="2">
+            <a:schemeClr val="accent1">
+              <a:shade val="15000"/>
+            </a:schemeClr>
+          </a:lnRef>
+          <a:fillRef idx="1">
+            <a:schemeClr val="accent1"/>
+          </a:fillRef>
+          <a:effectRef idx="0">
+            <a:schemeClr val="accent1"/>
+          </a:effectRef>
+          <a:fontRef idx="minor">
+            <a:schemeClr val="lt1"/>
+          </a:fontRef>
+        </p:style>
+        <p:txBody>
+          <a:bodyPr rtlCol="0" anchor="ctr"/>
+          <a:lstStyle/>
+          <a:p>
+            <a:pPr algn="ctr"/>
+            <a:r>
+              <a:rPr lang="en-US" sz="1400" dirty="0" err="1"/>
+              <a:t>X_train</a:t>
+            </a:r>
+            <a:endParaRPr lang="en-US" sz="1400" dirty="0"/>
+          </a:p>
+        </p:txBody>
+      </p:sp>
+      <p:sp>
+        <p:nvSpPr>
+          <p:cNvPr id="27" name="Rectangle 26">
+            <a:extLst>
+              <a:ext uri="{FF2B5EF4-FFF2-40B4-BE49-F238E27FC236}">
+                <a16:creationId xmlns:a16="http://schemas.microsoft.com/office/drawing/2014/main" id="{6F09E72D-C7CF-69A8-4FFA-7EFD2C62FC22}"/>
+              </a:ext>
+            </a:extLst>
+          </p:cNvPr>
+          <p:cNvSpPr/>
+          <p:nvPr/>
+        </p:nvSpPr>
+        <p:spPr>
+          <a:xfrm>
+            <a:off x="7711441" y="2563791"/>
+            <a:ext cx="1381753" cy="731521"/>
+          </a:xfrm>
+          <a:prstGeom prst="rect">
+            <a:avLst/>
+          </a:prstGeom>
+          <a:solidFill>
+            <a:srgbClr val="FFC000"/>
+          </a:solidFill>
+          <a:ln>
+            <a:noFill/>
+          </a:ln>
+        </p:spPr>
+        <p:style>
+          <a:lnRef idx="2">
+            <a:schemeClr val="accent1">
+              <a:shade val="15000"/>
+            </a:schemeClr>
+          </a:lnRef>
+          <a:fillRef idx="1">
+            <a:schemeClr val="accent1"/>
+          </a:fillRef>
+          <a:effectRef idx="0">
+            <a:schemeClr val="accent1"/>
+          </a:effectRef>
+          <a:fontRef idx="minor">
+            <a:schemeClr val="lt1"/>
+          </a:fontRef>
+        </p:style>
+        <p:txBody>
+          <a:bodyPr rtlCol="0" anchor="ctr"/>
+          <a:lstStyle/>
+          <a:p>
+            <a:pPr algn="ctr"/>
+            <a:r>
+              <a:rPr lang="en-US" sz="1400" dirty="0" err="1"/>
+              <a:t>X_valid</a:t>
+            </a:r>
+            <a:endParaRPr lang="en-US" sz="1400" dirty="0"/>
+          </a:p>
+        </p:txBody>
+      </p:sp>
+      <p:sp>
+        <p:nvSpPr>
+          <p:cNvPr id="28" name="Rectangle 27">
+            <a:extLst>
+              <a:ext uri="{FF2B5EF4-FFF2-40B4-BE49-F238E27FC236}">
+                <a16:creationId xmlns:a16="http://schemas.microsoft.com/office/drawing/2014/main" id="{EEAB37C2-ADAD-F3E2-C17F-C6E774180D54}"/>
+              </a:ext>
+            </a:extLst>
+          </p:cNvPr>
+          <p:cNvSpPr/>
+          <p:nvPr/>
+        </p:nvSpPr>
+        <p:spPr>
+          <a:xfrm>
+            <a:off x="9153889" y="1100756"/>
+            <a:ext cx="336884" cy="1463035"/>
+          </a:xfrm>
+          <a:prstGeom prst="rect">
+            <a:avLst/>
+          </a:prstGeom>
+          <a:solidFill>
+            <a:schemeClr val="accent1"/>
+          </a:solidFill>
+          <a:ln>
+            <a:noFill/>
+          </a:ln>
+        </p:spPr>
+        <p:style>
+          <a:lnRef idx="2">
+            <a:schemeClr val="accent1">
+              <a:shade val="15000"/>
+            </a:schemeClr>
+          </a:lnRef>
+          <a:fillRef idx="1">
+            <a:schemeClr val="accent1"/>
+          </a:fillRef>
+          <a:effectRef idx="0">
+            <a:schemeClr val="accent1"/>
+          </a:effectRef>
+          <a:fontRef idx="minor">
+            <a:schemeClr val="lt1"/>
+          </a:fontRef>
+        </p:style>
+        <p:txBody>
+          <a:bodyPr vert="vert" rtlCol="0" anchor="ctr"/>
+          <a:lstStyle/>
+          <a:p>
+            <a:pPr algn="ctr"/>
+            <a:r>
+              <a:rPr lang="en-US" sz="1400" dirty="0" err="1"/>
+              <a:t>Y_train</a:t>
+            </a:r>
+            <a:endParaRPr lang="en-US" sz="1400" dirty="0"/>
+          </a:p>
+        </p:txBody>
+      </p:sp>
+      <p:sp>
+        <p:nvSpPr>
+          <p:cNvPr id="29" name="Rectangle 28">
+            <a:extLst>
+              <a:ext uri="{FF2B5EF4-FFF2-40B4-BE49-F238E27FC236}">
+                <a16:creationId xmlns:a16="http://schemas.microsoft.com/office/drawing/2014/main" id="{630E86D5-E6F4-3C70-93BA-DB4347EFB9E1}"/>
+              </a:ext>
+            </a:extLst>
+          </p:cNvPr>
+          <p:cNvSpPr/>
+          <p:nvPr/>
+        </p:nvSpPr>
+        <p:spPr>
+          <a:xfrm>
+            <a:off x="9144791" y="2563791"/>
+            <a:ext cx="336884" cy="736332"/>
+          </a:xfrm>
+          <a:prstGeom prst="rect">
+            <a:avLst/>
+          </a:prstGeom>
+          <a:solidFill>
+            <a:schemeClr val="tx2"/>
+          </a:solidFill>
+          <a:ln>
+            <a:noFill/>
+          </a:ln>
+        </p:spPr>
+        <p:style>
+          <a:lnRef idx="2">
+            <a:schemeClr val="accent1">
+              <a:shade val="15000"/>
+            </a:schemeClr>
+          </a:lnRef>
+          <a:fillRef idx="1">
+            <a:schemeClr val="accent1"/>
+          </a:fillRef>
+          <a:effectRef idx="0">
+            <a:schemeClr val="accent1"/>
+          </a:effectRef>
+          <a:fontRef idx="minor">
+            <a:schemeClr val="lt1"/>
+          </a:fontRef>
+        </p:style>
+        <p:txBody>
+          <a:bodyPr vert="vert" rtlCol="0" anchor="ctr"/>
+          <a:lstStyle/>
+          <a:p>
+            <a:pPr algn="ctr"/>
+            <a:r>
+              <a:rPr lang="en-US" sz="1400" dirty="0" err="1"/>
+              <a:t>Y_valid</a:t>
+            </a:r>
+            <a:endParaRPr lang="en-US" sz="1400" dirty="0"/>
+          </a:p>
+        </p:txBody>
+      </p:sp>
+      <p:sp>
+        <p:nvSpPr>
+          <p:cNvPr id="30" name="TextBox 29">
+            <a:extLst>
+              <a:ext uri="{FF2B5EF4-FFF2-40B4-BE49-F238E27FC236}">
+                <a16:creationId xmlns:a16="http://schemas.microsoft.com/office/drawing/2014/main" id="{27107F72-6317-889B-70F9-DDA590AAF34C}"/>
+              </a:ext>
+            </a:extLst>
+          </p:cNvPr>
+          <p:cNvSpPr txBox="1"/>
+          <p:nvPr/>
+        </p:nvSpPr>
+        <p:spPr>
+          <a:xfrm>
+            <a:off x="7711441" y="524578"/>
+            <a:ext cx="1776388" cy="369332"/>
+          </a:xfrm>
+          <a:prstGeom prst="rect">
+            <a:avLst/>
+          </a:prstGeom>
+          <a:noFill/>
+        </p:spPr>
+        <p:txBody>
+          <a:bodyPr wrap="square" rtlCol="0">
+            <a:spAutoFit/>
+          </a:bodyPr>
+          <a:lstStyle/>
+          <a:p>
+            <a:r>
+              <a:rPr lang="en-US" dirty="0"/>
+              <a:t>Fold 4</a:t>
+            </a:r>
+          </a:p>
+        </p:txBody>
+      </p:sp>
+      <p:sp>
+        <p:nvSpPr>
+          <p:cNvPr id="31" name="Rectangle 30">
+            <a:extLst>
+              <a:ext uri="{FF2B5EF4-FFF2-40B4-BE49-F238E27FC236}">
+                <a16:creationId xmlns:a16="http://schemas.microsoft.com/office/drawing/2014/main" id="{1B54F709-B7DD-7F73-6006-3245B90DCFE7}"/>
+              </a:ext>
+            </a:extLst>
+          </p:cNvPr>
+          <p:cNvSpPr/>
+          <p:nvPr/>
+        </p:nvSpPr>
+        <p:spPr>
+          <a:xfrm>
+            <a:off x="7711441" y="3295312"/>
+            <a:ext cx="1384697" cy="2228249"/>
+          </a:xfrm>
+          <a:prstGeom prst="rect">
+            <a:avLst/>
+          </a:prstGeom>
+          <a:solidFill>
+            <a:schemeClr val="accent6"/>
+          </a:solidFill>
+          <a:ln>
+            <a:noFill/>
+          </a:ln>
+        </p:spPr>
+        <p:style>
+          <a:lnRef idx="2">
+            <a:schemeClr val="accent1">
+              <a:shade val="15000"/>
+            </a:schemeClr>
+          </a:lnRef>
+          <a:fillRef idx="1">
+            <a:schemeClr val="accent1"/>
+          </a:fillRef>
+          <a:effectRef idx="0">
+            <a:schemeClr val="accent1"/>
+          </a:effectRef>
+          <a:fontRef idx="minor">
+            <a:schemeClr val="lt1"/>
+          </a:fontRef>
+        </p:style>
+        <p:txBody>
+          <a:bodyPr rtlCol="0" anchor="ctr"/>
+          <a:lstStyle/>
+          <a:p>
+            <a:pPr algn="ctr"/>
+            <a:r>
+              <a:rPr lang="en-US" sz="1400" dirty="0" err="1"/>
+              <a:t>X_train</a:t>
+            </a:r>
+            <a:endParaRPr lang="en-US" sz="1400" dirty="0"/>
+          </a:p>
+        </p:txBody>
+      </p:sp>
+      <p:sp>
+        <p:nvSpPr>
+          <p:cNvPr id="32" name="Rectangle 31">
+            <a:extLst>
+              <a:ext uri="{FF2B5EF4-FFF2-40B4-BE49-F238E27FC236}">
+                <a16:creationId xmlns:a16="http://schemas.microsoft.com/office/drawing/2014/main" id="{296035C5-1BBF-F463-CBA3-7F35666D39C3}"/>
+              </a:ext>
+            </a:extLst>
+          </p:cNvPr>
+          <p:cNvSpPr/>
+          <p:nvPr/>
+        </p:nvSpPr>
+        <p:spPr>
+          <a:xfrm>
+            <a:off x="9153889" y="3295312"/>
+            <a:ext cx="336884" cy="2228249"/>
+          </a:xfrm>
+          <a:prstGeom prst="rect">
+            <a:avLst/>
+          </a:prstGeom>
+          <a:solidFill>
+            <a:schemeClr val="accent1"/>
+          </a:solidFill>
+          <a:ln>
+            <a:noFill/>
+          </a:ln>
+        </p:spPr>
+        <p:style>
+          <a:lnRef idx="2">
+            <a:schemeClr val="accent1">
+              <a:shade val="15000"/>
+            </a:schemeClr>
+          </a:lnRef>
+          <a:fillRef idx="1">
+            <a:schemeClr val="accent1"/>
+          </a:fillRef>
+          <a:effectRef idx="0">
+            <a:schemeClr val="accent1"/>
+          </a:effectRef>
+          <a:fontRef idx="minor">
+            <a:schemeClr val="lt1"/>
+          </a:fontRef>
+        </p:style>
+        <p:txBody>
+          <a:bodyPr vert="vert" rtlCol="0" anchor="ctr"/>
+          <a:lstStyle/>
+          <a:p>
+            <a:pPr algn="ctr"/>
+            <a:r>
+              <a:rPr lang="en-US" sz="1400" dirty="0" err="1"/>
+              <a:t>Y_train</a:t>
+            </a:r>
+            <a:endParaRPr lang="en-US" sz="1400" dirty="0"/>
+          </a:p>
+        </p:txBody>
+      </p:sp>
+      <p:sp>
+        <p:nvSpPr>
+          <p:cNvPr id="34" name="Rectangle 33">
+            <a:extLst>
+              <a:ext uri="{FF2B5EF4-FFF2-40B4-BE49-F238E27FC236}">
+                <a16:creationId xmlns:a16="http://schemas.microsoft.com/office/drawing/2014/main" id="{4DD4D475-782D-71B4-46B0-F34F32F93007}"/>
+              </a:ext>
+            </a:extLst>
+          </p:cNvPr>
+          <p:cNvSpPr/>
+          <p:nvPr/>
+        </p:nvSpPr>
+        <p:spPr>
+          <a:xfrm>
+            <a:off x="9807879" y="1100755"/>
+            <a:ext cx="1381753" cy="731521"/>
+          </a:xfrm>
+          <a:prstGeom prst="rect">
+            <a:avLst/>
+          </a:prstGeom>
+          <a:solidFill>
+            <a:srgbClr val="FFC000"/>
+          </a:solidFill>
+          <a:ln>
+            <a:noFill/>
+          </a:ln>
+        </p:spPr>
+        <p:style>
+          <a:lnRef idx="2">
+            <a:schemeClr val="accent1">
+              <a:shade val="15000"/>
+            </a:schemeClr>
+          </a:lnRef>
+          <a:fillRef idx="1">
+            <a:schemeClr val="accent1"/>
+          </a:fillRef>
+          <a:effectRef idx="0">
+            <a:schemeClr val="accent1"/>
+          </a:effectRef>
+          <a:fontRef idx="minor">
+            <a:schemeClr val="lt1"/>
+          </a:fontRef>
+        </p:style>
+        <p:txBody>
+          <a:bodyPr rtlCol="0" anchor="ctr"/>
+          <a:lstStyle/>
+          <a:p>
+            <a:pPr algn="ctr"/>
+            <a:r>
+              <a:rPr lang="en-US" sz="1400" dirty="0" err="1"/>
+              <a:t>X_valid</a:t>
+            </a:r>
+            <a:endParaRPr lang="en-US" sz="1400" dirty="0"/>
+          </a:p>
+        </p:txBody>
+      </p:sp>
+      <p:sp>
+        <p:nvSpPr>
+          <p:cNvPr id="36" name="Rectangle 35">
+            <a:extLst>
+              <a:ext uri="{FF2B5EF4-FFF2-40B4-BE49-F238E27FC236}">
+                <a16:creationId xmlns:a16="http://schemas.microsoft.com/office/drawing/2014/main" id="{985374D9-0A28-9166-C1E2-5DF4D69BEA07}"/>
+              </a:ext>
+            </a:extLst>
+          </p:cNvPr>
+          <p:cNvSpPr/>
+          <p:nvPr/>
+        </p:nvSpPr>
+        <p:spPr>
+          <a:xfrm>
+            <a:off x="11250327" y="1100755"/>
+            <a:ext cx="336884" cy="736332"/>
+          </a:xfrm>
+          <a:prstGeom prst="rect">
+            <a:avLst/>
+          </a:prstGeom>
+          <a:solidFill>
+            <a:schemeClr val="tx2"/>
+          </a:solidFill>
+          <a:ln>
+            <a:noFill/>
+          </a:ln>
+        </p:spPr>
+        <p:style>
+          <a:lnRef idx="2">
+            <a:schemeClr val="accent1">
+              <a:shade val="15000"/>
+            </a:schemeClr>
+          </a:lnRef>
+          <a:fillRef idx="1">
+            <a:schemeClr val="accent1"/>
+          </a:fillRef>
+          <a:effectRef idx="0">
+            <a:schemeClr val="accent1"/>
+          </a:effectRef>
+          <a:fontRef idx="minor">
+            <a:schemeClr val="lt1"/>
+          </a:fontRef>
+        </p:style>
+        <p:txBody>
+          <a:bodyPr vert="vert" rtlCol="0" anchor="ctr"/>
+          <a:lstStyle/>
+          <a:p>
+            <a:pPr algn="ctr"/>
+            <a:r>
+              <a:rPr lang="en-US" sz="1400" dirty="0" err="1"/>
+              <a:t>Y_valid</a:t>
+            </a:r>
+            <a:endParaRPr lang="en-US" sz="1400" dirty="0"/>
+          </a:p>
+        </p:txBody>
+      </p:sp>
+      <p:sp>
+        <p:nvSpPr>
+          <p:cNvPr id="37" name="TextBox 36">
+            <a:extLst>
+              <a:ext uri="{FF2B5EF4-FFF2-40B4-BE49-F238E27FC236}">
+                <a16:creationId xmlns:a16="http://schemas.microsoft.com/office/drawing/2014/main" id="{736341DC-4390-A685-F4C7-3EC6426519C1}"/>
+              </a:ext>
+            </a:extLst>
+          </p:cNvPr>
+          <p:cNvSpPr txBox="1"/>
+          <p:nvPr/>
+        </p:nvSpPr>
+        <p:spPr>
+          <a:xfrm>
+            <a:off x="9807879" y="524578"/>
+            <a:ext cx="1776388" cy="369332"/>
+          </a:xfrm>
+          <a:prstGeom prst="rect">
+            <a:avLst/>
+          </a:prstGeom>
+          <a:noFill/>
+        </p:spPr>
+        <p:txBody>
+          <a:bodyPr wrap="square" rtlCol="0">
+            <a:spAutoFit/>
+          </a:bodyPr>
+          <a:lstStyle/>
+          <a:p>
+            <a:r>
+              <a:rPr lang="en-US" dirty="0"/>
+              <a:t>Fold 5</a:t>
+            </a:r>
+          </a:p>
+        </p:txBody>
+      </p:sp>
+      <p:sp>
+        <p:nvSpPr>
+          <p:cNvPr id="38" name="Rectangle 37">
+            <a:extLst>
+              <a:ext uri="{FF2B5EF4-FFF2-40B4-BE49-F238E27FC236}">
+                <a16:creationId xmlns:a16="http://schemas.microsoft.com/office/drawing/2014/main" id="{536C08DF-40A6-DE78-3EF7-D3F4763D4024}"/>
+              </a:ext>
+            </a:extLst>
+          </p:cNvPr>
+          <p:cNvSpPr/>
+          <p:nvPr/>
+        </p:nvSpPr>
+        <p:spPr>
+          <a:xfrm>
+            <a:off x="9807879" y="1832276"/>
+            <a:ext cx="1384697" cy="3691285"/>
+          </a:xfrm>
+          <a:prstGeom prst="rect">
+            <a:avLst/>
+          </a:prstGeom>
+          <a:solidFill>
+            <a:schemeClr val="accent6"/>
+          </a:solidFill>
+          <a:ln>
+            <a:noFill/>
+          </a:ln>
+        </p:spPr>
+        <p:style>
+          <a:lnRef idx="2">
+            <a:schemeClr val="accent1">
+              <a:shade val="15000"/>
+            </a:schemeClr>
+          </a:lnRef>
+          <a:fillRef idx="1">
+            <a:schemeClr val="accent1"/>
+          </a:fillRef>
+          <a:effectRef idx="0">
+            <a:schemeClr val="accent1"/>
+          </a:effectRef>
+          <a:fontRef idx="minor">
+            <a:schemeClr val="lt1"/>
+          </a:fontRef>
+        </p:style>
+        <p:txBody>
+          <a:bodyPr rtlCol="0" anchor="ctr"/>
+          <a:lstStyle/>
+          <a:p>
+            <a:pPr algn="ctr"/>
+            <a:r>
+              <a:rPr lang="en-US" sz="1400" dirty="0" err="1"/>
+              <a:t>X_train</a:t>
+            </a:r>
+            <a:endParaRPr lang="en-US" sz="1400" dirty="0"/>
+          </a:p>
+        </p:txBody>
+      </p:sp>
+      <p:sp>
+        <p:nvSpPr>
+          <p:cNvPr id="39" name="Rectangle 38">
+            <a:extLst>
+              <a:ext uri="{FF2B5EF4-FFF2-40B4-BE49-F238E27FC236}">
+                <a16:creationId xmlns:a16="http://schemas.microsoft.com/office/drawing/2014/main" id="{FCCD7AA0-392B-8B23-E1D9-87FA4F9F01E4}"/>
+              </a:ext>
+            </a:extLst>
+          </p:cNvPr>
+          <p:cNvSpPr/>
+          <p:nvPr/>
+        </p:nvSpPr>
+        <p:spPr>
+          <a:xfrm>
+            <a:off x="11250327" y="1832276"/>
+            <a:ext cx="336884" cy="3691285"/>
+          </a:xfrm>
+          <a:prstGeom prst="rect">
+            <a:avLst/>
+          </a:prstGeom>
+          <a:solidFill>
+            <a:schemeClr val="accent1"/>
+          </a:solidFill>
+          <a:ln>
+            <a:noFill/>
+          </a:ln>
+        </p:spPr>
+        <p:style>
+          <a:lnRef idx="2">
+            <a:schemeClr val="accent1">
+              <a:shade val="15000"/>
+            </a:schemeClr>
+          </a:lnRef>
+          <a:fillRef idx="1">
+            <a:schemeClr val="accent1"/>
+          </a:fillRef>
+          <a:effectRef idx="0">
+            <a:schemeClr val="accent1"/>
+          </a:effectRef>
+          <a:fontRef idx="minor">
+            <a:schemeClr val="lt1"/>
+          </a:fontRef>
+        </p:style>
+        <p:txBody>
+          <a:bodyPr vert="vert" rtlCol="0" anchor="ctr"/>
+          <a:lstStyle/>
+          <a:p>
+            <a:pPr algn="ctr"/>
+            <a:r>
+              <a:rPr lang="en-US" sz="1400" dirty="0" err="1"/>
+              <a:t>Y_train</a:t>
+            </a:r>
+            <a:endParaRPr lang="en-US" sz="1400" dirty="0"/>
+          </a:p>
+        </p:txBody>
+      </p:sp>
+      <p:sp>
+        <p:nvSpPr>
+          <p:cNvPr id="40" name="TextBox 39">
+            <a:extLst>
+              <a:ext uri="{FF2B5EF4-FFF2-40B4-BE49-F238E27FC236}">
+                <a16:creationId xmlns:a16="http://schemas.microsoft.com/office/drawing/2014/main" id="{BC11F7D1-DFD0-DB99-419B-850027CFD3AF}"/>
+              </a:ext>
+            </a:extLst>
+          </p:cNvPr>
+          <p:cNvSpPr txBox="1"/>
+          <p:nvPr/>
+        </p:nvSpPr>
+        <p:spPr>
+          <a:xfrm>
+            <a:off x="941673" y="5611254"/>
+            <a:ext cx="1776388" cy="369332"/>
+          </a:xfrm>
+          <a:prstGeom prst="rect">
+            <a:avLst/>
+          </a:prstGeom>
+          <a:noFill/>
+        </p:spPr>
+        <p:txBody>
+          <a:bodyPr wrap="square" rtlCol="0">
+            <a:spAutoFit/>
+          </a:bodyPr>
+          <a:lstStyle/>
+          <a:p>
+            <a:r>
+              <a:rPr lang="en-US" dirty="0"/>
+              <a:t>R2 = 78%</a:t>
+            </a:r>
+          </a:p>
+        </p:txBody>
+      </p:sp>
+      <p:sp>
+        <p:nvSpPr>
+          <p:cNvPr id="41" name="TextBox 40">
+            <a:extLst>
+              <a:ext uri="{FF2B5EF4-FFF2-40B4-BE49-F238E27FC236}">
+                <a16:creationId xmlns:a16="http://schemas.microsoft.com/office/drawing/2014/main" id="{CFBF21F8-7D7C-AFF4-854A-3EC43FF527AD}"/>
+              </a:ext>
+            </a:extLst>
+          </p:cNvPr>
+          <p:cNvSpPr txBox="1"/>
+          <p:nvPr/>
+        </p:nvSpPr>
+        <p:spPr>
+          <a:xfrm>
+            <a:off x="3230881" y="5606443"/>
+            <a:ext cx="1776388" cy="369332"/>
+          </a:xfrm>
+          <a:prstGeom prst="rect">
+            <a:avLst/>
+          </a:prstGeom>
+          <a:noFill/>
+        </p:spPr>
+        <p:txBody>
+          <a:bodyPr wrap="square" rtlCol="0">
+            <a:spAutoFit/>
+          </a:bodyPr>
+          <a:lstStyle/>
+          <a:p>
+            <a:r>
+              <a:rPr lang="en-US" dirty="0"/>
+              <a:t>R2 = 79%</a:t>
+            </a:r>
+          </a:p>
+        </p:txBody>
+      </p:sp>
+      <p:sp>
+        <p:nvSpPr>
+          <p:cNvPr id="42" name="TextBox 41">
+            <a:extLst>
+              <a:ext uri="{FF2B5EF4-FFF2-40B4-BE49-F238E27FC236}">
+                <a16:creationId xmlns:a16="http://schemas.microsoft.com/office/drawing/2014/main" id="{62EBBC5F-8E21-9ACA-7018-A9A800BAA689}"/>
+              </a:ext>
+            </a:extLst>
+          </p:cNvPr>
+          <p:cNvSpPr txBox="1"/>
+          <p:nvPr/>
+        </p:nvSpPr>
+        <p:spPr>
+          <a:xfrm>
+            <a:off x="5520089" y="5606443"/>
+            <a:ext cx="1776388" cy="369332"/>
+          </a:xfrm>
+          <a:prstGeom prst="rect">
+            <a:avLst/>
+          </a:prstGeom>
+          <a:noFill/>
+        </p:spPr>
+        <p:txBody>
+          <a:bodyPr wrap="square" rtlCol="0">
+            <a:spAutoFit/>
+          </a:bodyPr>
+          <a:lstStyle/>
+          <a:p>
+            <a:r>
+              <a:rPr lang="en-US" dirty="0"/>
+              <a:t>R2 = 58%</a:t>
+            </a:r>
+          </a:p>
+        </p:txBody>
+      </p:sp>
+      <p:sp>
+        <p:nvSpPr>
+          <p:cNvPr id="43" name="TextBox 42">
+            <a:extLst>
+              <a:ext uri="{FF2B5EF4-FFF2-40B4-BE49-F238E27FC236}">
+                <a16:creationId xmlns:a16="http://schemas.microsoft.com/office/drawing/2014/main" id="{863A5FE4-2345-7E61-BE38-186C5B67F424}"/>
+              </a:ext>
+            </a:extLst>
+          </p:cNvPr>
+          <p:cNvSpPr txBox="1"/>
+          <p:nvPr/>
+        </p:nvSpPr>
+        <p:spPr>
+          <a:xfrm>
+            <a:off x="7711441" y="5606443"/>
+            <a:ext cx="1776388" cy="369332"/>
+          </a:xfrm>
+          <a:prstGeom prst="rect">
+            <a:avLst/>
+          </a:prstGeom>
+          <a:noFill/>
+        </p:spPr>
+        <p:txBody>
+          <a:bodyPr wrap="square" rtlCol="0">
+            <a:spAutoFit/>
+          </a:bodyPr>
+          <a:lstStyle/>
+          <a:p>
+            <a:r>
+              <a:rPr lang="en-US" dirty="0"/>
+              <a:t>R2 = 98%</a:t>
+            </a:r>
+          </a:p>
+        </p:txBody>
+      </p:sp>
+      <p:sp>
+        <p:nvSpPr>
+          <p:cNvPr id="44" name="TextBox 43">
+            <a:extLst>
+              <a:ext uri="{FF2B5EF4-FFF2-40B4-BE49-F238E27FC236}">
+                <a16:creationId xmlns:a16="http://schemas.microsoft.com/office/drawing/2014/main" id="{BE1D02B9-9FD3-B9CE-9551-1F3EF665C49A}"/>
+              </a:ext>
+            </a:extLst>
+          </p:cNvPr>
+          <p:cNvSpPr txBox="1"/>
+          <p:nvPr/>
+        </p:nvSpPr>
+        <p:spPr>
+          <a:xfrm>
+            <a:off x="9807879" y="5606443"/>
+            <a:ext cx="1776388" cy="369332"/>
+          </a:xfrm>
+          <a:prstGeom prst="rect">
+            <a:avLst/>
+          </a:prstGeom>
+          <a:noFill/>
+        </p:spPr>
+        <p:txBody>
+          <a:bodyPr wrap="square" rtlCol="0">
+            <a:spAutoFit/>
+          </a:bodyPr>
+          <a:lstStyle/>
+          <a:p>
+            <a:r>
+              <a:rPr lang="en-US" dirty="0"/>
+              <a:t>R2 = 78%</a:t>
+            </a:r>
+          </a:p>
+        </p:txBody>
+      </p:sp>
+    </p:spTree>
+    <p:extLst>
+      <p:ext uri="{BB962C8B-B14F-4D97-AF65-F5344CB8AC3E}">
+        <p14:creationId xmlns:p14="http://schemas.microsoft.com/office/powerpoint/2010/main" val="1959042618"/>
       </p:ext>
     </p:extLst>
   </p:cSld>
@@ -23503,8 +26250,8 @@
           </a:graphicData>
         </a:graphic>
       </p:graphicFrame>
-      <mc:AlternateContent xmlns:mc="http://schemas.openxmlformats.org/markup-compatibility/2006">
-        <mc:Choice xmlns:p14="http://schemas.microsoft.com/office/powerpoint/2010/main" Requires="p14">
+      <mc:AlternateContent xmlns:mc="http://schemas.openxmlformats.org/markup-compatibility/2006" xmlns:p14="http://schemas.microsoft.com/office/powerpoint/2010/main">
+        <mc:Choice Requires="p14">
           <p:contentPart p14:bwMode="auto" r:id="rId2">
             <p14:nvContentPartPr>
               <p14:cNvPr id="17" name="Ink 16">
@@ -23523,7 +26270,7 @@
             </p14:xfrm>
           </p:contentPart>
         </mc:Choice>
-        <mc:Fallback>
+        <mc:Fallback xmlns="">
           <p:pic>
             <p:nvPicPr>
               <p:cNvPr id="17" name="Ink 16">
@@ -23554,8 +26301,8 @@
           </p:pic>
         </mc:Fallback>
       </mc:AlternateContent>
-      <mc:AlternateContent xmlns:mc="http://schemas.openxmlformats.org/markup-compatibility/2006">
-        <mc:Choice xmlns:p14="http://schemas.microsoft.com/office/powerpoint/2010/main" Requires="p14">
+      <mc:AlternateContent xmlns:mc="http://schemas.openxmlformats.org/markup-compatibility/2006" xmlns:p14="http://schemas.microsoft.com/office/powerpoint/2010/main">
+        <mc:Choice Requires="p14">
           <p:contentPart p14:bwMode="auto" r:id="rId4">
             <p14:nvContentPartPr>
               <p14:cNvPr id="18" name="Ink 17">
@@ -23574,7 +26321,7 @@
             </p14:xfrm>
           </p:contentPart>
         </mc:Choice>
-        <mc:Fallback>
+        <mc:Fallback xmlns="">
           <p:pic>
             <p:nvPicPr>
               <p:cNvPr id="18" name="Ink 17">
@@ -23605,8 +26352,8 @@
           </p:pic>
         </mc:Fallback>
       </mc:AlternateContent>
-      <mc:AlternateContent xmlns:mc="http://schemas.openxmlformats.org/markup-compatibility/2006">
-        <mc:Choice xmlns:p14="http://schemas.microsoft.com/office/powerpoint/2010/main" Requires="p14">
+      <mc:AlternateContent xmlns:mc="http://schemas.openxmlformats.org/markup-compatibility/2006" xmlns:p14="http://schemas.microsoft.com/office/powerpoint/2010/main">
+        <mc:Choice Requires="p14">
           <p:contentPart p14:bwMode="auto" r:id="rId6">
             <p14:nvContentPartPr>
               <p14:cNvPr id="19" name="Ink 18">
@@ -23625,7 +26372,7 @@
             </p14:xfrm>
           </p:contentPart>
         </mc:Choice>
-        <mc:Fallback>
+        <mc:Fallback xmlns="">
           <p:pic>
             <p:nvPicPr>
               <p:cNvPr id="19" name="Ink 18">
@@ -23656,8 +26403,8 @@
           </p:pic>
         </mc:Fallback>
       </mc:AlternateContent>
-      <mc:AlternateContent xmlns:mc="http://schemas.openxmlformats.org/markup-compatibility/2006">
-        <mc:Choice xmlns:p14="http://schemas.microsoft.com/office/powerpoint/2010/main" Requires="p14">
+      <mc:AlternateContent xmlns:mc="http://schemas.openxmlformats.org/markup-compatibility/2006" xmlns:p14="http://schemas.microsoft.com/office/powerpoint/2010/main">
+        <mc:Choice Requires="p14">
           <p:contentPart p14:bwMode="auto" r:id="rId8">
             <p14:nvContentPartPr>
               <p14:cNvPr id="20" name="Ink 19">
@@ -23676,7 +26423,7 @@
             </p14:xfrm>
           </p:contentPart>
         </mc:Choice>
-        <mc:Fallback>
+        <mc:Fallback xmlns="">
           <p:pic>
             <p:nvPicPr>
               <p:cNvPr id="20" name="Ink 19">
@@ -23757,8 +26504,8 @@
             <a:chExt cx="8144640" cy="4550040"/>
           </a:xfrm>
         </p:grpSpPr>
-        <mc:AlternateContent xmlns:mc="http://schemas.openxmlformats.org/markup-compatibility/2006">
-          <mc:Choice xmlns:p14="http://schemas.microsoft.com/office/powerpoint/2010/main" Requires="p14">
+        <mc:AlternateContent xmlns:mc="http://schemas.openxmlformats.org/markup-compatibility/2006" xmlns:p14="http://schemas.microsoft.com/office/powerpoint/2010/main">
+          <mc:Choice Requires="p14">
             <p:contentPart p14:bwMode="auto" r:id="rId2">
               <p14:nvContentPartPr>
                 <p14:cNvPr id="5" name="Ink 4">
@@ -23777,7 +26524,7 @@
               </p14:xfrm>
             </p:contentPart>
           </mc:Choice>
-          <mc:Fallback>
+          <mc:Fallback xmlns="">
             <p:pic>
               <p:nvPicPr>
                 <p:cNvPr id="5" name="Ink 4">
@@ -23808,8 +26555,8 @@
             </p:pic>
           </mc:Fallback>
         </mc:AlternateContent>
-        <mc:AlternateContent xmlns:mc="http://schemas.openxmlformats.org/markup-compatibility/2006">
-          <mc:Choice xmlns:p14="http://schemas.microsoft.com/office/powerpoint/2010/main" Requires="p14">
+        <mc:AlternateContent xmlns:mc="http://schemas.openxmlformats.org/markup-compatibility/2006" xmlns:p14="http://schemas.microsoft.com/office/powerpoint/2010/main">
+          <mc:Choice Requires="p14">
             <p:contentPart p14:bwMode="auto" r:id="rId4">
               <p14:nvContentPartPr>
                 <p14:cNvPr id="6" name="Ink 5">
@@ -23828,7 +26575,7 @@
               </p14:xfrm>
             </p:contentPart>
           </mc:Choice>
-          <mc:Fallback>
+          <mc:Fallback xmlns="">
             <p:pic>
               <p:nvPicPr>
                 <p:cNvPr id="6" name="Ink 5">
@@ -24188,8 +26935,8 @@
             <a:chExt cx="172080" cy="1273320"/>
           </a:xfrm>
         </p:grpSpPr>
-        <mc:AlternateContent xmlns:mc="http://schemas.openxmlformats.org/markup-compatibility/2006">
-          <mc:Choice xmlns:p14="http://schemas.microsoft.com/office/powerpoint/2010/main" Requires="p14">
+        <mc:AlternateContent xmlns:mc="http://schemas.openxmlformats.org/markup-compatibility/2006" xmlns:p14="http://schemas.microsoft.com/office/powerpoint/2010/main">
+          <mc:Choice Requires="p14">
             <p:contentPart p14:bwMode="auto" r:id="rId6">
               <p14:nvContentPartPr>
                 <p14:cNvPr id="11" name="Ink 10">
@@ -24208,7 +26955,7 @@
               </p14:xfrm>
             </p:contentPart>
           </mc:Choice>
-          <mc:Fallback>
+          <mc:Fallback xmlns="">
             <p:pic>
               <p:nvPicPr>
                 <p:cNvPr id="11" name="Ink 10">
@@ -24239,8 +26986,8 @@
             </p:pic>
           </mc:Fallback>
         </mc:AlternateContent>
-        <mc:AlternateContent xmlns:mc="http://schemas.openxmlformats.org/markup-compatibility/2006">
-          <mc:Choice xmlns:p14="http://schemas.microsoft.com/office/powerpoint/2010/main" Requires="p14">
+        <mc:AlternateContent xmlns:mc="http://schemas.openxmlformats.org/markup-compatibility/2006" xmlns:p14="http://schemas.microsoft.com/office/powerpoint/2010/main">
+          <mc:Choice Requires="p14">
             <p:contentPart p14:bwMode="auto" r:id="rId8">
               <p14:nvContentPartPr>
                 <p14:cNvPr id="12" name="Ink 11">
@@ -24259,7 +27006,7 @@
               </p14:xfrm>
             </p:contentPart>
           </mc:Choice>
-          <mc:Fallback>
+          <mc:Fallback xmlns="">
             <p:pic>
               <p:nvPicPr>
                 <p:cNvPr id="12" name="Ink 11">
@@ -24290,8 +27037,8 @@
             </p:pic>
           </mc:Fallback>
         </mc:AlternateContent>
-        <mc:AlternateContent xmlns:mc="http://schemas.openxmlformats.org/markup-compatibility/2006">
-          <mc:Choice xmlns:p14="http://schemas.microsoft.com/office/powerpoint/2010/main" Requires="p14">
+        <mc:AlternateContent xmlns:mc="http://schemas.openxmlformats.org/markup-compatibility/2006" xmlns:p14="http://schemas.microsoft.com/office/powerpoint/2010/main">
+          <mc:Choice Requires="p14">
             <p:contentPart p14:bwMode="auto" r:id="rId10">
               <p14:nvContentPartPr>
                 <p14:cNvPr id="15" name="Ink 14">
@@ -24310,7 +27057,7 @@
               </p14:xfrm>
             </p:contentPart>
           </mc:Choice>
-          <mc:Fallback>
+          <mc:Fallback xmlns="">
             <p:pic>
               <p:nvPicPr>
                 <p:cNvPr id="15" name="Ink 14">
@@ -24341,8 +27088,8 @@
             </p:pic>
           </mc:Fallback>
         </mc:AlternateContent>
-        <mc:AlternateContent xmlns:mc="http://schemas.openxmlformats.org/markup-compatibility/2006">
-          <mc:Choice xmlns:p14="http://schemas.microsoft.com/office/powerpoint/2010/main" Requires="p14">
+        <mc:AlternateContent xmlns:mc="http://schemas.openxmlformats.org/markup-compatibility/2006" xmlns:p14="http://schemas.microsoft.com/office/powerpoint/2010/main">
+          <mc:Choice Requires="p14">
             <p:contentPart p14:bwMode="auto" r:id="rId11">
               <p14:nvContentPartPr>
                 <p14:cNvPr id="18" name="Ink 17">
@@ -24361,7 +27108,7 @@
               </p14:xfrm>
             </p:contentPart>
           </mc:Choice>
-          <mc:Fallback>
+          <mc:Fallback xmlns="">
             <p:pic>
               <p:nvPicPr>
                 <p:cNvPr id="18" name="Ink 17">
@@ -24413,8 +27160,8 @@
             <a:chExt cx="231840" cy="521280"/>
           </a:xfrm>
         </p:grpSpPr>
-        <mc:AlternateContent xmlns:mc="http://schemas.openxmlformats.org/markup-compatibility/2006">
-          <mc:Choice xmlns:p14="http://schemas.microsoft.com/office/powerpoint/2010/main" Requires="p14">
+        <mc:AlternateContent xmlns:mc="http://schemas.openxmlformats.org/markup-compatibility/2006" xmlns:p14="http://schemas.microsoft.com/office/powerpoint/2010/main">
+          <mc:Choice Requires="p14">
             <p:contentPart p14:bwMode="auto" r:id="rId13">
               <p14:nvContentPartPr>
                 <p14:cNvPr id="21" name="Ink 20">
@@ -24433,7 +27180,7 @@
               </p14:xfrm>
             </p:contentPart>
           </mc:Choice>
-          <mc:Fallback>
+          <mc:Fallback xmlns="">
             <p:pic>
               <p:nvPicPr>
                 <p:cNvPr id="21" name="Ink 20">
@@ -24464,8 +27211,8 @@
             </p:pic>
           </mc:Fallback>
         </mc:AlternateContent>
-        <mc:AlternateContent xmlns:mc="http://schemas.openxmlformats.org/markup-compatibility/2006">
-          <mc:Choice xmlns:p14="http://schemas.microsoft.com/office/powerpoint/2010/main" Requires="p14">
+        <mc:AlternateContent xmlns:mc="http://schemas.openxmlformats.org/markup-compatibility/2006" xmlns:p14="http://schemas.microsoft.com/office/powerpoint/2010/main">
+          <mc:Choice Requires="p14">
             <p:contentPart p14:bwMode="auto" r:id="rId15">
               <p14:nvContentPartPr>
                 <p14:cNvPr id="22" name="Ink 21">
@@ -24484,7 +27231,7 @@
               </p14:xfrm>
             </p:contentPart>
           </mc:Choice>
-          <mc:Fallback>
+          <mc:Fallback xmlns="">
             <p:pic>
               <p:nvPicPr>
                 <p:cNvPr id="22" name="Ink 21">
@@ -24515,8 +27262,8 @@
             </p:pic>
           </mc:Fallback>
         </mc:AlternateContent>
-        <mc:AlternateContent xmlns:mc="http://schemas.openxmlformats.org/markup-compatibility/2006">
-          <mc:Choice xmlns:p14="http://schemas.microsoft.com/office/powerpoint/2010/main" Requires="p14">
+        <mc:AlternateContent xmlns:mc="http://schemas.openxmlformats.org/markup-compatibility/2006" xmlns:p14="http://schemas.microsoft.com/office/powerpoint/2010/main">
+          <mc:Choice Requires="p14">
             <p:contentPart p14:bwMode="auto" r:id="rId17">
               <p14:nvContentPartPr>
                 <p14:cNvPr id="23" name="Ink 22">
@@ -24535,7 +27282,7 @@
               </p14:xfrm>
             </p:contentPart>
           </mc:Choice>
-          <mc:Fallback>
+          <mc:Fallback xmlns="">
             <p:pic>
               <p:nvPicPr>
                 <p:cNvPr id="23" name="Ink 22">
@@ -24567,8 +27314,8 @@
           </mc:Fallback>
         </mc:AlternateContent>
       </p:grpSp>
-      <mc:AlternateContent xmlns:mc="http://schemas.openxmlformats.org/markup-compatibility/2006">
-        <mc:Choice xmlns:p14="http://schemas.microsoft.com/office/powerpoint/2010/main" Requires="p14">
+      <mc:AlternateContent xmlns:mc="http://schemas.openxmlformats.org/markup-compatibility/2006" xmlns:p14="http://schemas.microsoft.com/office/powerpoint/2010/main">
+        <mc:Choice Requires="p14">
           <p:contentPart p14:bwMode="auto" r:id="rId19">
             <p14:nvContentPartPr>
               <p14:cNvPr id="26" name="Ink 25">
@@ -24587,7 +27334,7 @@
             </p14:xfrm>
           </p:contentPart>
         </mc:Choice>
-        <mc:Fallback>
+        <mc:Fallback xmlns="">
           <p:pic>
             <p:nvPicPr>
               <p:cNvPr id="26" name="Ink 25">
@@ -24618,8 +27365,8 @@
           </p:pic>
         </mc:Fallback>
       </mc:AlternateContent>
-      <mc:AlternateContent xmlns:mc="http://schemas.openxmlformats.org/markup-compatibility/2006">
-        <mc:Choice xmlns:p14="http://schemas.microsoft.com/office/powerpoint/2010/main" Requires="p14">
+      <mc:AlternateContent xmlns:mc="http://schemas.openxmlformats.org/markup-compatibility/2006" xmlns:p14="http://schemas.microsoft.com/office/powerpoint/2010/main">
+        <mc:Choice Requires="p14">
           <p:contentPart p14:bwMode="auto" r:id="rId21">
             <p14:nvContentPartPr>
               <p14:cNvPr id="27" name="Ink 26">
@@ -24638,7 +27385,7 @@
             </p14:xfrm>
           </p:contentPart>
         </mc:Choice>
-        <mc:Fallback>
+        <mc:Fallback xmlns="">
           <p:pic>
             <p:nvPicPr>
               <p:cNvPr id="27" name="Ink 26">
@@ -24669,8 +27416,8 @@
           </p:pic>
         </mc:Fallback>
       </mc:AlternateContent>
-      <mc:AlternateContent xmlns:mc="http://schemas.openxmlformats.org/markup-compatibility/2006">
-        <mc:Choice xmlns:p14="http://schemas.microsoft.com/office/powerpoint/2010/main" Requires="p14">
+      <mc:AlternateContent xmlns:mc="http://schemas.openxmlformats.org/markup-compatibility/2006" xmlns:p14="http://schemas.microsoft.com/office/powerpoint/2010/main">
+        <mc:Choice Requires="p14">
           <p:contentPart p14:bwMode="auto" r:id="rId23">
             <p14:nvContentPartPr>
               <p14:cNvPr id="28" name="Ink 27">
@@ -24689,7 +27436,7 @@
             </p14:xfrm>
           </p:contentPart>
         </mc:Choice>
-        <mc:Fallback>
+        <mc:Fallback xmlns="">
           <p:pic>
             <p:nvPicPr>
               <p:cNvPr id="28" name="Ink 27">
@@ -24720,8 +27467,8 @@
           </p:pic>
         </mc:Fallback>
       </mc:AlternateContent>
-      <mc:AlternateContent xmlns:mc="http://schemas.openxmlformats.org/markup-compatibility/2006">
-        <mc:Choice xmlns:p14="http://schemas.microsoft.com/office/powerpoint/2010/main" Requires="p14">
+      <mc:AlternateContent xmlns:mc="http://schemas.openxmlformats.org/markup-compatibility/2006" xmlns:p14="http://schemas.microsoft.com/office/powerpoint/2010/main">
+        <mc:Choice Requires="p14">
           <p:contentPart p14:bwMode="auto" r:id="rId25">
             <p14:nvContentPartPr>
               <p14:cNvPr id="29" name="Ink 28">
@@ -24740,7 +27487,7 @@
             </p14:xfrm>
           </p:contentPart>
         </mc:Choice>
-        <mc:Fallback>
+        <mc:Fallback xmlns="">
           <p:pic>
             <p:nvPicPr>
               <p:cNvPr id="29" name="Ink 28">
@@ -24771,8 +27518,8 @@
           </p:pic>
         </mc:Fallback>
       </mc:AlternateContent>
-      <mc:AlternateContent xmlns:mc="http://schemas.openxmlformats.org/markup-compatibility/2006">
-        <mc:Choice xmlns:p14="http://schemas.microsoft.com/office/powerpoint/2010/main" Requires="p14">
+      <mc:AlternateContent xmlns:mc="http://schemas.openxmlformats.org/markup-compatibility/2006" xmlns:p14="http://schemas.microsoft.com/office/powerpoint/2010/main">
+        <mc:Choice Requires="p14">
           <p:contentPart p14:bwMode="auto" r:id="rId27">
             <p14:nvContentPartPr>
               <p14:cNvPr id="30" name="Ink 29">
@@ -24791,7 +27538,7 @@
             </p14:xfrm>
           </p:contentPart>
         </mc:Choice>
-        <mc:Fallback>
+        <mc:Fallback xmlns="">
           <p:pic>
             <p:nvPicPr>
               <p:cNvPr id="30" name="Ink 29">
@@ -24822,8 +27569,8 @@
           </p:pic>
         </mc:Fallback>
       </mc:AlternateContent>
-      <mc:AlternateContent xmlns:mc="http://schemas.openxmlformats.org/markup-compatibility/2006">
-        <mc:Choice xmlns:p14="http://schemas.microsoft.com/office/powerpoint/2010/main" Requires="p14">
+      <mc:AlternateContent xmlns:mc="http://schemas.openxmlformats.org/markup-compatibility/2006" xmlns:p14="http://schemas.microsoft.com/office/powerpoint/2010/main">
+        <mc:Choice Requires="p14">
           <p:contentPart p14:bwMode="auto" r:id="rId29">
             <p14:nvContentPartPr>
               <p14:cNvPr id="31" name="Ink 30">
@@ -24842,7 +27589,7 @@
             </p14:xfrm>
           </p:contentPart>
         </mc:Choice>
-        <mc:Fallback>
+        <mc:Fallback xmlns="">
           <p:pic>
             <p:nvPicPr>
               <p:cNvPr id="31" name="Ink 30">
@@ -24873,8 +27620,8 @@
           </p:pic>
         </mc:Fallback>
       </mc:AlternateContent>
-      <mc:AlternateContent xmlns:mc="http://schemas.openxmlformats.org/markup-compatibility/2006">
-        <mc:Choice xmlns:p14="http://schemas.microsoft.com/office/powerpoint/2010/main" Requires="p14">
+      <mc:AlternateContent xmlns:mc="http://schemas.openxmlformats.org/markup-compatibility/2006" xmlns:p14="http://schemas.microsoft.com/office/powerpoint/2010/main">
+        <mc:Choice Requires="p14">
           <p:contentPart p14:bwMode="auto" r:id="rId31">
             <p14:nvContentPartPr>
               <p14:cNvPr id="32" name="Ink 31">
@@ -24893,7 +27640,7 @@
             </p14:xfrm>
           </p:contentPart>
         </mc:Choice>
-        <mc:Fallback>
+        <mc:Fallback xmlns="">
           <p:pic>
             <p:nvPicPr>
               <p:cNvPr id="32" name="Ink 31">
@@ -24924,8 +27671,8 @@
           </p:pic>
         </mc:Fallback>
       </mc:AlternateContent>
-      <mc:AlternateContent xmlns:mc="http://schemas.openxmlformats.org/markup-compatibility/2006">
-        <mc:Choice xmlns:p14="http://schemas.microsoft.com/office/powerpoint/2010/main" Requires="p14">
+      <mc:AlternateContent xmlns:mc="http://schemas.openxmlformats.org/markup-compatibility/2006" xmlns:p14="http://schemas.microsoft.com/office/powerpoint/2010/main">
+        <mc:Choice Requires="p14">
           <p:contentPart p14:bwMode="auto" r:id="rId33">
             <p14:nvContentPartPr>
               <p14:cNvPr id="33" name="Ink 32">
@@ -24944,7 +27691,7 @@
             </p14:xfrm>
           </p:contentPart>
         </mc:Choice>
-        <mc:Fallback>
+        <mc:Fallback xmlns="">
           <p:pic>
             <p:nvPicPr>
               <p:cNvPr id="33" name="Ink 32">
@@ -24975,8 +27722,8 @@
           </p:pic>
         </mc:Fallback>
       </mc:AlternateContent>
-      <mc:AlternateContent xmlns:mc="http://schemas.openxmlformats.org/markup-compatibility/2006">
-        <mc:Choice xmlns:p14="http://schemas.microsoft.com/office/powerpoint/2010/main" Requires="p14">
+      <mc:AlternateContent xmlns:mc="http://schemas.openxmlformats.org/markup-compatibility/2006" xmlns:p14="http://schemas.microsoft.com/office/powerpoint/2010/main">
+        <mc:Choice Requires="p14">
           <p:contentPart p14:bwMode="auto" r:id="rId35">
             <p14:nvContentPartPr>
               <p14:cNvPr id="34" name="Ink 33">
@@ -24995,7 +27742,7 @@
             </p14:xfrm>
           </p:contentPart>
         </mc:Choice>
-        <mc:Fallback>
+        <mc:Fallback xmlns="">
           <p:pic>
             <p:nvPicPr>
               <p:cNvPr id="34" name="Ink 33">
@@ -25046,8 +27793,8 @@
             <a:chExt cx="790560" cy="446040"/>
           </a:xfrm>
         </p:grpSpPr>
-        <mc:AlternateContent xmlns:mc="http://schemas.openxmlformats.org/markup-compatibility/2006">
-          <mc:Choice xmlns:p14="http://schemas.microsoft.com/office/powerpoint/2010/main" Requires="p14">
+        <mc:AlternateContent xmlns:mc="http://schemas.openxmlformats.org/markup-compatibility/2006" xmlns:p14="http://schemas.microsoft.com/office/powerpoint/2010/main">
+          <mc:Choice Requires="p14">
             <p:contentPart p14:bwMode="auto" r:id="rId37">
               <p14:nvContentPartPr>
                 <p14:cNvPr id="42" name="Ink 41">
@@ -25066,7 +27813,7 @@
               </p14:xfrm>
             </p:contentPart>
           </mc:Choice>
-          <mc:Fallback>
+          <mc:Fallback xmlns="">
             <p:pic>
               <p:nvPicPr>
                 <p:cNvPr id="42" name="Ink 41">
@@ -25097,8 +27844,8 @@
             </p:pic>
           </mc:Fallback>
         </mc:AlternateContent>
-        <mc:AlternateContent xmlns:mc="http://schemas.openxmlformats.org/markup-compatibility/2006">
-          <mc:Choice xmlns:p14="http://schemas.microsoft.com/office/powerpoint/2010/main" Requires="p14">
+        <mc:AlternateContent xmlns:mc="http://schemas.openxmlformats.org/markup-compatibility/2006" xmlns:p14="http://schemas.microsoft.com/office/powerpoint/2010/main">
+          <mc:Choice Requires="p14">
             <p:contentPart p14:bwMode="auto" r:id="rId39">
               <p14:nvContentPartPr>
                 <p14:cNvPr id="43" name="Ink 42">
@@ -25117,7 +27864,7 @@
               </p14:xfrm>
             </p:contentPart>
           </mc:Choice>
-          <mc:Fallback>
+          <mc:Fallback xmlns="">
             <p:pic>
               <p:nvPicPr>
                 <p:cNvPr id="43" name="Ink 42">
@@ -25148,8 +27895,8 @@
             </p:pic>
           </mc:Fallback>
         </mc:AlternateContent>
-        <mc:AlternateContent xmlns:mc="http://schemas.openxmlformats.org/markup-compatibility/2006">
-          <mc:Choice xmlns:p14="http://schemas.microsoft.com/office/powerpoint/2010/main" Requires="p14">
+        <mc:AlternateContent xmlns:mc="http://schemas.openxmlformats.org/markup-compatibility/2006" xmlns:p14="http://schemas.microsoft.com/office/powerpoint/2010/main">
+          <mc:Choice Requires="p14">
             <p:contentPart p14:bwMode="auto" r:id="rId41">
               <p14:nvContentPartPr>
                 <p14:cNvPr id="44" name="Ink 43">
@@ -25168,7 +27915,7 @@
               </p14:xfrm>
             </p:contentPart>
           </mc:Choice>
-          <mc:Fallback>
+          <mc:Fallback xmlns="">
             <p:pic>
               <p:nvPicPr>
                 <p:cNvPr id="44" name="Ink 43">
@@ -25199,8 +27946,8 @@
             </p:pic>
           </mc:Fallback>
         </mc:AlternateContent>
-        <mc:AlternateContent xmlns:mc="http://schemas.openxmlformats.org/markup-compatibility/2006">
-          <mc:Choice xmlns:p14="http://schemas.microsoft.com/office/powerpoint/2010/main" Requires="p14">
+        <mc:AlternateContent xmlns:mc="http://schemas.openxmlformats.org/markup-compatibility/2006" xmlns:p14="http://schemas.microsoft.com/office/powerpoint/2010/main">
+          <mc:Choice Requires="p14">
             <p:contentPart p14:bwMode="auto" r:id="rId43">
               <p14:nvContentPartPr>
                 <p14:cNvPr id="45" name="Ink 44">
@@ -25219,7 +27966,7 @@
               </p14:xfrm>
             </p:contentPart>
           </mc:Choice>
-          <mc:Fallback>
+          <mc:Fallback xmlns="">
             <p:pic>
               <p:nvPicPr>
                 <p:cNvPr id="45" name="Ink 44">
@@ -25250,8 +27997,8 @@
             </p:pic>
           </mc:Fallback>
         </mc:AlternateContent>
-        <mc:AlternateContent xmlns:mc="http://schemas.openxmlformats.org/markup-compatibility/2006">
-          <mc:Choice xmlns:p14="http://schemas.microsoft.com/office/powerpoint/2010/main" Requires="p14">
+        <mc:AlternateContent xmlns:mc="http://schemas.openxmlformats.org/markup-compatibility/2006" xmlns:p14="http://schemas.microsoft.com/office/powerpoint/2010/main">
+          <mc:Choice Requires="p14">
             <p:contentPart p14:bwMode="auto" r:id="rId45">
               <p14:nvContentPartPr>
                 <p14:cNvPr id="46" name="Ink 45">
@@ -25270,7 +28017,7 @@
               </p14:xfrm>
             </p:contentPart>
           </mc:Choice>
-          <mc:Fallback>
+          <mc:Fallback xmlns="">
             <p:pic>
               <p:nvPicPr>
                 <p:cNvPr id="46" name="Ink 45">
@@ -25301,8 +28048,8 @@
             </p:pic>
           </mc:Fallback>
         </mc:AlternateContent>
-        <mc:AlternateContent xmlns:mc="http://schemas.openxmlformats.org/markup-compatibility/2006">
-          <mc:Choice xmlns:p14="http://schemas.microsoft.com/office/powerpoint/2010/main" Requires="p14">
+        <mc:AlternateContent xmlns:mc="http://schemas.openxmlformats.org/markup-compatibility/2006" xmlns:p14="http://schemas.microsoft.com/office/powerpoint/2010/main">
+          <mc:Choice Requires="p14">
             <p:contentPart p14:bwMode="auto" r:id="rId47">
               <p14:nvContentPartPr>
                 <p14:cNvPr id="47" name="Ink 46">
@@ -25321,7 +28068,7 @@
               </p14:xfrm>
             </p:contentPart>
           </mc:Choice>
-          <mc:Fallback>
+          <mc:Fallback xmlns="">
             <p:pic>
               <p:nvPicPr>
                 <p:cNvPr id="47" name="Ink 46">
@@ -25353,8 +28100,8 @@
           </mc:Fallback>
         </mc:AlternateContent>
       </p:grpSp>
-      <mc:AlternateContent xmlns:mc="http://schemas.openxmlformats.org/markup-compatibility/2006">
-        <mc:Choice xmlns:p14="http://schemas.microsoft.com/office/powerpoint/2010/main" Requires="p14">
+      <mc:AlternateContent xmlns:mc="http://schemas.openxmlformats.org/markup-compatibility/2006" xmlns:p14="http://schemas.microsoft.com/office/powerpoint/2010/main">
+        <mc:Choice Requires="p14">
           <p:contentPart p14:bwMode="auto" r:id="rId49">
             <p14:nvContentPartPr>
               <p14:cNvPr id="50" name="Ink 49">
@@ -25373,7 +28120,7 @@
             </p14:xfrm>
           </p:contentPart>
         </mc:Choice>
-        <mc:Fallback>
+        <mc:Fallback xmlns="">
           <p:pic>
             <p:nvPicPr>
               <p:cNvPr id="50" name="Ink 49">
@@ -25404,8 +28151,8 @@
           </p:pic>
         </mc:Fallback>
       </mc:AlternateContent>
-      <mc:AlternateContent xmlns:mc="http://schemas.openxmlformats.org/markup-compatibility/2006">
-        <mc:Choice xmlns:p14="http://schemas.microsoft.com/office/powerpoint/2010/main" Requires="p14">
+      <mc:AlternateContent xmlns:mc="http://schemas.openxmlformats.org/markup-compatibility/2006" xmlns:p14="http://schemas.microsoft.com/office/powerpoint/2010/main">
+        <mc:Choice Requires="p14">
           <p:contentPart p14:bwMode="auto" r:id="rId51">
             <p14:nvContentPartPr>
               <p14:cNvPr id="51" name="Ink 50">
@@ -25424,7 +28171,7 @@
             </p14:xfrm>
           </p:contentPart>
         </mc:Choice>
-        <mc:Fallback>
+        <mc:Fallback xmlns="">
           <p:pic>
             <p:nvPicPr>
               <p:cNvPr id="51" name="Ink 50">
@@ -25455,8 +28202,8 @@
           </p:pic>
         </mc:Fallback>
       </mc:AlternateContent>
-      <mc:AlternateContent xmlns:mc="http://schemas.openxmlformats.org/markup-compatibility/2006">
-        <mc:Choice xmlns:p14="http://schemas.microsoft.com/office/powerpoint/2010/main" Requires="p14">
+      <mc:AlternateContent xmlns:mc="http://schemas.openxmlformats.org/markup-compatibility/2006" xmlns:p14="http://schemas.microsoft.com/office/powerpoint/2010/main">
+        <mc:Choice Requires="p14">
           <p:contentPart p14:bwMode="auto" r:id="rId53">
             <p14:nvContentPartPr>
               <p14:cNvPr id="52" name="Ink 51">
@@ -25475,7 +28222,7 @@
             </p14:xfrm>
           </p:contentPart>
         </mc:Choice>
-        <mc:Fallback>
+        <mc:Fallback xmlns="">
           <p:pic>
             <p:nvPicPr>
               <p:cNvPr id="52" name="Ink 51">
@@ -25506,8 +28253,8 @@
           </p:pic>
         </mc:Fallback>
       </mc:AlternateContent>
-      <mc:AlternateContent xmlns:mc="http://schemas.openxmlformats.org/markup-compatibility/2006">
-        <mc:Choice xmlns:p14="http://schemas.microsoft.com/office/powerpoint/2010/main" Requires="p14">
+      <mc:AlternateContent xmlns:mc="http://schemas.openxmlformats.org/markup-compatibility/2006" xmlns:p14="http://schemas.microsoft.com/office/powerpoint/2010/main">
+        <mc:Choice Requires="p14">
           <p:contentPart p14:bwMode="auto" r:id="rId55">
             <p14:nvContentPartPr>
               <p14:cNvPr id="53" name="Ink 52">
@@ -25526,7 +28273,7 @@
             </p14:xfrm>
           </p:contentPart>
         </mc:Choice>
-        <mc:Fallback>
+        <mc:Fallback xmlns="">
           <p:pic>
             <p:nvPicPr>
               <p:cNvPr id="53" name="Ink 52">
@@ -25557,8 +28304,8 @@
           </p:pic>
         </mc:Fallback>
       </mc:AlternateContent>
-      <mc:AlternateContent xmlns:mc="http://schemas.openxmlformats.org/markup-compatibility/2006">
-        <mc:Choice xmlns:p14="http://schemas.microsoft.com/office/powerpoint/2010/main" Requires="p14">
+      <mc:AlternateContent xmlns:mc="http://schemas.openxmlformats.org/markup-compatibility/2006" xmlns:p14="http://schemas.microsoft.com/office/powerpoint/2010/main">
+        <mc:Choice Requires="p14">
           <p:contentPart p14:bwMode="auto" r:id="rId57">
             <p14:nvContentPartPr>
               <p14:cNvPr id="54" name="Ink 53">
@@ -25577,7 +28324,7 @@
             </p14:xfrm>
           </p:contentPart>
         </mc:Choice>
-        <mc:Fallback>
+        <mc:Fallback xmlns="">
           <p:pic>
             <p:nvPicPr>
               <p:cNvPr id="54" name="Ink 53">
@@ -25628,8 +28375,8 @@
             <a:chExt cx="415080" cy="509400"/>
           </a:xfrm>
         </p:grpSpPr>
-        <mc:AlternateContent xmlns:mc="http://schemas.openxmlformats.org/markup-compatibility/2006">
-          <mc:Choice xmlns:p14="http://schemas.microsoft.com/office/powerpoint/2010/main" Requires="p14">
+        <mc:AlternateContent xmlns:mc="http://schemas.openxmlformats.org/markup-compatibility/2006" xmlns:p14="http://schemas.microsoft.com/office/powerpoint/2010/main">
+          <mc:Choice Requires="p14">
             <p:contentPart p14:bwMode="auto" r:id="rId59">
               <p14:nvContentPartPr>
                 <p14:cNvPr id="35" name="Ink 34">
@@ -25648,7 +28395,7 @@
               </p14:xfrm>
             </p:contentPart>
           </mc:Choice>
-          <mc:Fallback>
+          <mc:Fallback xmlns="">
             <p:pic>
               <p:nvPicPr>
                 <p:cNvPr id="35" name="Ink 34">
@@ -25679,8 +28426,8 @@
             </p:pic>
           </mc:Fallback>
         </mc:AlternateContent>
-        <mc:AlternateContent xmlns:mc="http://schemas.openxmlformats.org/markup-compatibility/2006">
-          <mc:Choice xmlns:p14="http://schemas.microsoft.com/office/powerpoint/2010/main" Requires="p14">
+        <mc:AlternateContent xmlns:mc="http://schemas.openxmlformats.org/markup-compatibility/2006" xmlns:p14="http://schemas.microsoft.com/office/powerpoint/2010/main">
+          <mc:Choice Requires="p14">
             <p:contentPart p14:bwMode="auto" r:id="rId61">
               <p14:nvContentPartPr>
                 <p14:cNvPr id="36" name="Ink 35">
@@ -25699,7 +28446,7 @@
               </p14:xfrm>
             </p:contentPart>
           </mc:Choice>
-          <mc:Fallback>
+          <mc:Fallback xmlns="">
             <p:pic>
               <p:nvPicPr>
                 <p:cNvPr id="36" name="Ink 35">
@@ -25730,8 +28477,8 @@
             </p:pic>
           </mc:Fallback>
         </mc:AlternateContent>
-        <mc:AlternateContent xmlns:mc="http://schemas.openxmlformats.org/markup-compatibility/2006">
-          <mc:Choice xmlns:p14="http://schemas.microsoft.com/office/powerpoint/2010/main" Requires="p14">
+        <mc:AlternateContent xmlns:mc="http://schemas.openxmlformats.org/markup-compatibility/2006" xmlns:p14="http://schemas.microsoft.com/office/powerpoint/2010/main">
+          <mc:Choice Requires="p14">
             <p:contentPart p14:bwMode="auto" r:id="rId63">
               <p14:nvContentPartPr>
                 <p14:cNvPr id="37" name="Ink 36">
@@ -25750,7 +28497,7 @@
               </p14:xfrm>
             </p:contentPart>
           </mc:Choice>
-          <mc:Fallback>
+          <mc:Fallback xmlns="">
             <p:pic>
               <p:nvPicPr>
                 <p:cNvPr id="37" name="Ink 36">
@@ -25781,8 +28528,8 @@
             </p:pic>
           </mc:Fallback>
         </mc:AlternateContent>
-        <mc:AlternateContent xmlns:mc="http://schemas.openxmlformats.org/markup-compatibility/2006">
-          <mc:Choice xmlns:p14="http://schemas.microsoft.com/office/powerpoint/2010/main" Requires="p14">
+        <mc:AlternateContent xmlns:mc="http://schemas.openxmlformats.org/markup-compatibility/2006" xmlns:p14="http://schemas.microsoft.com/office/powerpoint/2010/main">
+          <mc:Choice Requires="p14">
             <p:contentPart p14:bwMode="auto" r:id="rId65">
               <p14:nvContentPartPr>
                 <p14:cNvPr id="38" name="Ink 37">
@@ -25801,7 +28548,7 @@
               </p14:xfrm>
             </p:contentPart>
           </mc:Choice>
-          <mc:Fallback>
+          <mc:Fallback xmlns="">
             <p:pic>
               <p:nvPicPr>
                 <p:cNvPr id="38" name="Ink 37">
@@ -25832,8 +28579,8 @@
             </p:pic>
           </mc:Fallback>
         </mc:AlternateContent>
-        <mc:AlternateContent xmlns:mc="http://schemas.openxmlformats.org/markup-compatibility/2006">
-          <mc:Choice xmlns:p14="http://schemas.microsoft.com/office/powerpoint/2010/main" Requires="p14">
+        <mc:AlternateContent xmlns:mc="http://schemas.openxmlformats.org/markup-compatibility/2006" xmlns:p14="http://schemas.microsoft.com/office/powerpoint/2010/main">
+          <mc:Choice Requires="p14">
             <p:contentPart p14:bwMode="auto" r:id="rId67">
               <p14:nvContentPartPr>
                 <p14:cNvPr id="39" name="Ink 38">
@@ -25852,7 +28599,7 @@
               </p14:xfrm>
             </p:contentPart>
           </mc:Choice>
-          <mc:Fallback>
+          <mc:Fallback xmlns="">
             <p:pic>
               <p:nvPicPr>
                 <p:cNvPr id="39" name="Ink 38">
@@ -25883,8 +28630,8 @@
             </p:pic>
           </mc:Fallback>
         </mc:AlternateContent>
-        <mc:AlternateContent xmlns:mc="http://schemas.openxmlformats.org/markup-compatibility/2006">
-          <mc:Choice xmlns:p14="http://schemas.microsoft.com/office/powerpoint/2010/main" Requires="p14">
+        <mc:AlternateContent xmlns:mc="http://schemas.openxmlformats.org/markup-compatibility/2006" xmlns:p14="http://schemas.microsoft.com/office/powerpoint/2010/main">
+          <mc:Choice Requires="p14">
             <p:contentPart p14:bwMode="auto" r:id="rId69">
               <p14:nvContentPartPr>
                 <p14:cNvPr id="55" name="Ink 54">
@@ -25903,7 +28650,7 @@
               </p14:xfrm>
             </p:contentPart>
           </mc:Choice>
-          <mc:Fallback>
+          <mc:Fallback xmlns="">
             <p:pic>
               <p:nvPicPr>
                 <p:cNvPr id="55" name="Ink 54">
@@ -25935,8 +28682,8 @@
           </mc:Fallback>
         </mc:AlternateContent>
       </p:grpSp>
-      <mc:AlternateContent xmlns:mc="http://schemas.openxmlformats.org/markup-compatibility/2006">
-        <mc:Choice xmlns:p14="http://schemas.microsoft.com/office/powerpoint/2010/main" Requires="p14">
+      <mc:AlternateContent xmlns:mc="http://schemas.openxmlformats.org/markup-compatibility/2006" xmlns:p14="http://schemas.microsoft.com/office/powerpoint/2010/main">
+        <mc:Choice Requires="p14">
           <p:contentPart p14:bwMode="auto" r:id="rId71">
             <p14:nvContentPartPr>
               <p14:cNvPr id="56" name="Ink 55">
@@ -25955,7 +28702,7 @@
             </p14:xfrm>
           </p:contentPart>
         </mc:Choice>
-        <mc:Fallback>
+        <mc:Fallback xmlns="">
           <p:pic>
             <p:nvPicPr>
               <p:cNvPr id="56" name="Ink 55">
@@ -25986,8 +28733,8 @@
           </p:pic>
         </mc:Fallback>
       </mc:AlternateContent>
-      <mc:AlternateContent xmlns:mc="http://schemas.openxmlformats.org/markup-compatibility/2006">
-        <mc:Choice xmlns:p14="http://schemas.microsoft.com/office/powerpoint/2010/main" Requires="p14">
+      <mc:AlternateContent xmlns:mc="http://schemas.openxmlformats.org/markup-compatibility/2006" xmlns:p14="http://schemas.microsoft.com/office/powerpoint/2010/main">
+        <mc:Choice Requires="p14">
           <p:contentPart p14:bwMode="auto" r:id="rId73">
             <p14:nvContentPartPr>
               <p14:cNvPr id="59" name="Ink 58">
@@ -26006,7 +28753,7 @@
             </p14:xfrm>
           </p:contentPart>
         </mc:Choice>
-        <mc:Fallback>
+        <mc:Fallback xmlns="">
           <p:pic>
             <p:nvPicPr>
               <p:cNvPr id="59" name="Ink 58">
@@ -26037,8 +28784,8 @@
           </p:pic>
         </mc:Fallback>
       </mc:AlternateContent>
-      <mc:AlternateContent xmlns:mc="http://schemas.openxmlformats.org/markup-compatibility/2006">
-        <mc:Choice xmlns:p14="http://schemas.microsoft.com/office/powerpoint/2010/main" Requires="p14">
+      <mc:AlternateContent xmlns:mc="http://schemas.openxmlformats.org/markup-compatibility/2006" xmlns:p14="http://schemas.microsoft.com/office/powerpoint/2010/main">
+        <mc:Choice Requires="p14">
           <p:contentPart p14:bwMode="auto" r:id="rId75">
             <p14:nvContentPartPr>
               <p14:cNvPr id="60" name="Ink 59">
@@ -26057,7 +28804,7 @@
             </p14:xfrm>
           </p:contentPart>
         </mc:Choice>
-        <mc:Fallback>
+        <mc:Fallback xmlns="">
           <p:pic>
             <p:nvPicPr>
               <p:cNvPr id="60" name="Ink 59">
@@ -26088,8 +28835,8 @@
           </p:pic>
         </mc:Fallback>
       </mc:AlternateContent>
-      <mc:AlternateContent xmlns:mc="http://schemas.openxmlformats.org/markup-compatibility/2006">
-        <mc:Choice xmlns:p14="http://schemas.microsoft.com/office/powerpoint/2010/main" Requires="p14">
+      <mc:AlternateContent xmlns:mc="http://schemas.openxmlformats.org/markup-compatibility/2006" xmlns:p14="http://schemas.microsoft.com/office/powerpoint/2010/main">
+        <mc:Choice Requires="p14">
           <p:contentPart p14:bwMode="auto" r:id="rId77">
             <p14:nvContentPartPr>
               <p14:cNvPr id="61" name="Ink 60">
@@ -26108,7 +28855,7 @@
             </p14:xfrm>
           </p:contentPart>
         </mc:Choice>
-        <mc:Fallback>
+        <mc:Fallback xmlns="">
           <p:pic>
             <p:nvPicPr>
               <p:cNvPr id="61" name="Ink 60">
@@ -26139,8 +28886,8 @@
           </p:pic>
         </mc:Fallback>
       </mc:AlternateContent>
-      <mc:AlternateContent xmlns:mc="http://schemas.openxmlformats.org/markup-compatibility/2006">
-        <mc:Choice xmlns:p14="http://schemas.microsoft.com/office/powerpoint/2010/main" Requires="p14">
+      <mc:AlternateContent xmlns:mc="http://schemas.openxmlformats.org/markup-compatibility/2006" xmlns:p14="http://schemas.microsoft.com/office/powerpoint/2010/main">
+        <mc:Choice Requires="p14">
           <p:contentPart p14:bwMode="auto" r:id="rId79">
             <p14:nvContentPartPr>
               <p14:cNvPr id="62" name="Ink 61">
@@ -26159,7 +28906,7 @@
             </p14:xfrm>
           </p:contentPart>
         </mc:Choice>
-        <mc:Fallback>
+        <mc:Fallback xmlns="">
           <p:pic>
             <p:nvPicPr>
               <p:cNvPr id="62" name="Ink 61">
@@ -26190,8 +28937,8 @@
           </p:pic>
         </mc:Fallback>
       </mc:AlternateContent>
-      <mc:AlternateContent xmlns:mc="http://schemas.openxmlformats.org/markup-compatibility/2006">
-        <mc:Choice xmlns:p14="http://schemas.microsoft.com/office/powerpoint/2010/main" Requires="p14">
+      <mc:AlternateContent xmlns:mc="http://schemas.openxmlformats.org/markup-compatibility/2006" xmlns:p14="http://schemas.microsoft.com/office/powerpoint/2010/main">
+        <mc:Choice Requires="p14">
           <p:contentPart p14:bwMode="auto" r:id="rId81">
             <p14:nvContentPartPr>
               <p14:cNvPr id="63" name="Ink 62">
@@ -26210,7 +28957,7 @@
             </p14:xfrm>
           </p:contentPart>
         </mc:Choice>
-        <mc:Fallback>
+        <mc:Fallback xmlns="">
           <p:pic>
             <p:nvPicPr>
               <p:cNvPr id="63" name="Ink 62">
@@ -26241,8 +28988,8 @@
           </p:pic>
         </mc:Fallback>
       </mc:AlternateContent>
-      <mc:AlternateContent xmlns:mc="http://schemas.openxmlformats.org/markup-compatibility/2006">
-        <mc:Choice xmlns:p14="http://schemas.microsoft.com/office/powerpoint/2010/main" Requires="p14">
+      <mc:AlternateContent xmlns:mc="http://schemas.openxmlformats.org/markup-compatibility/2006" xmlns:p14="http://schemas.microsoft.com/office/powerpoint/2010/main">
+        <mc:Choice Requires="p14">
           <p:contentPart p14:bwMode="auto" r:id="rId83">
             <p14:nvContentPartPr>
               <p14:cNvPr id="64" name="Ink 63">
@@ -26261,7 +29008,7 @@
             </p14:xfrm>
           </p:contentPart>
         </mc:Choice>
-        <mc:Fallback>
+        <mc:Fallback xmlns="">
           <p:pic>
             <p:nvPicPr>
               <p:cNvPr id="64" name="Ink 63">
@@ -26292,8 +29039,8 @@
           </p:pic>
         </mc:Fallback>
       </mc:AlternateContent>
-      <mc:AlternateContent xmlns:mc="http://schemas.openxmlformats.org/markup-compatibility/2006">
-        <mc:Choice xmlns:p14="http://schemas.microsoft.com/office/powerpoint/2010/main" Requires="p14">
+      <mc:AlternateContent xmlns:mc="http://schemas.openxmlformats.org/markup-compatibility/2006" xmlns:p14="http://schemas.microsoft.com/office/powerpoint/2010/main">
+        <mc:Choice Requires="p14">
           <p:contentPart p14:bwMode="auto" r:id="rId85">
             <p14:nvContentPartPr>
               <p14:cNvPr id="65" name="Ink 64">
@@ -26312,7 +29059,7 @@
             </p14:xfrm>
           </p:contentPart>
         </mc:Choice>
-        <mc:Fallback>
+        <mc:Fallback xmlns="">
           <p:pic>
             <p:nvPicPr>
               <p:cNvPr id="65" name="Ink 64">
@@ -26343,8 +29090,8 @@
           </p:pic>
         </mc:Fallback>
       </mc:AlternateContent>
-      <mc:AlternateContent xmlns:mc="http://schemas.openxmlformats.org/markup-compatibility/2006">
-        <mc:Choice xmlns:p14="http://schemas.microsoft.com/office/powerpoint/2010/main" Requires="p14">
+      <mc:AlternateContent xmlns:mc="http://schemas.openxmlformats.org/markup-compatibility/2006" xmlns:p14="http://schemas.microsoft.com/office/powerpoint/2010/main">
+        <mc:Choice Requires="p14">
           <p:contentPart p14:bwMode="auto" r:id="rId87">
             <p14:nvContentPartPr>
               <p14:cNvPr id="66" name="Ink 65">
@@ -26363,7 +29110,7 @@
             </p14:xfrm>
           </p:contentPart>
         </mc:Choice>
-        <mc:Fallback>
+        <mc:Fallback xmlns="">
           <p:pic>
             <p:nvPicPr>
               <p:cNvPr id="66" name="Ink 65">
@@ -26394,8 +29141,8 @@
           </p:pic>
         </mc:Fallback>
       </mc:AlternateContent>
-      <mc:AlternateContent xmlns:mc="http://schemas.openxmlformats.org/markup-compatibility/2006">
-        <mc:Choice xmlns:p14="http://schemas.microsoft.com/office/powerpoint/2010/main" Requires="p14">
+      <mc:AlternateContent xmlns:mc="http://schemas.openxmlformats.org/markup-compatibility/2006" xmlns:p14="http://schemas.microsoft.com/office/powerpoint/2010/main">
+        <mc:Choice Requires="p14">
           <p:contentPart p14:bwMode="auto" r:id="rId89">
             <p14:nvContentPartPr>
               <p14:cNvPr id="67" name="Ink 66">
@@ -26414,7 +29161,7 @@
             </p14:xfrm>
           </p:contentPart>
         </mc:Choice>
-        <mc:Fallback>
+        <mc:Fallback xmlns="">
           <p:pic>
             <p:nvPicPr>
               <p:cNvPr id="67" name="Ink 66">
@@ -26445,8 +29192,8 @@
           </p:pic>
         </mc:Fallback>
       </mc:AlternateContent>
-      <mc:AlternateContent xmlns:mc="http://schemas.openxmlformats.org/markup-compatibility/2006">
-        <mc:Choice xmlns:p14="http://schemas.microsoft.com/office/powerpoint/2010/main" Requires="p14">
+      <mc:AlternateContent xmlns:mc="http://schemas.openxmlformats.org/markup-compatibility/2006" xmlns:p14="http://schemas.microsoft.com/office/powerpoint/2010/main">
+        <mc:Choice Requires="p14">
           <p:contentPart p14:bwMode="auto" r:id="rId91">
             <p14:nvContentPartPr>
               <p14:cNvPr id="68" name="Ink 67">
@@ -26465,7 +29212,7 @@
             </p14:xfrm>
           </p:contentPart>
         </mc:Choice>
-        <mc:Fallback>
+        <mc:Fallback xmlns="">
           <p:pic>
             <p:nvPicPr>
               <p:cNvPr id="68" name="Ink 67">
@@ -26496,8 +29243,8 @@
           </p:pic>
         </mc:Fallback>
       </mc:AlternateContent>
-      <mc:AlternateContent xmlns:mc="http://schemas.openxmlformats.org/markup-compatibility/2006">
-        <mc:Choice xmlns:p14="http://schemas.microsoft.com/office/powerpoint/2010/main" Requires="p14">
+      <mc:AlternateContent xmlns:mc="http://schemas.openxmlformats.org/markup-compatibility/2006" xmlns:p14="http://schemas.microsoft.com/office/powerpoint/2010/main">
+        <mc:Choice Requires="p14">
           <p:contentPart p14:bwMode="auto" r:id="rId93">
             <p14:nvContentPartPr>
               <p14:cNvPr id="69" name="Ink 68">
@@ -26516,7 +29263,7 @@
             </p14:xfrm>
           </p:contentPart>
         </mc:Choice>
-        <mc:Fallback>
+        <mc:Fallback xmlns="">
           <p:pic>
             <p:nvPicPr>
               <p:cNvPr id="69" name="Ink 68">
@@ -26547,8 +29294,8 @@
           </p:pic>
         </mc:Fallback>
       </mc:AlternateContent>
-      <mc:AlternateContent xmlns:mc="http://schemas.openxmlformats.org/markup-compatibility/2006">
-        <mc:Choice xmlns:p14="http://schemas.microsoft.com/office/powerpoint/2010/main" Requires="p14">
+      <mc:AlternateContent xmlns:mc="http://schemas.openxmlformats.org/markup-compatibility/2006" xmlns:p14="http://schemas.microsoft.com/office/powerpoint/2010/main">
+        <mc:Choice Requires="p14">
           <p:contentPart p14:bwMode="auto" r:id="rId95">
             <p14:nvContentPartPr>
               <p14:cNvPr id="70" name="Ink 69">
@@ -26567,7 +29314,7 @@
             </p14:xfrm>
           </p:contentPart>
         </mc:Choice>
-        <mc:Fallback>
+        <mc:Fallback xmlns="">
           <p:pic>
             <p:nvPicPr>
               <p:cNvPr id="70" name="Ink 69">
@@ -26598,8 +29345,8 @@
           </p:pic>
         </mc:Fallback>
       </mc:AlternateContent>
-      <mc:AlternateContent xmlns:mc="http://schemas.openxmlformats.org/markup-compatibility/2006">
-        <mc:Choice xmlns:p14="http://schemas.microsoft.com/office/powerpoint/2010/main" Requires="p14">
+      <mc:AlternateContent xmlns:mc="http://schemas.openxmlformats.org/markup-compatibility/2006" xmlns:p14="http://schemas.microsoft.com/office/powerpoint/2010/main">
+        <mc:Choice Requires="p14">
           <p:contentPart p14:bwMode="auto" r:id="rId97">
             <p14:nvContentPartPr>
               <p14:cNvPr id="71" name="Ink 70">
@@ -26618,7 +29365,7 @@
             </p14:xfrm>
           </p:contentPart>
         </mc:Choice>
-        <mc:Fallback>
+        <mc:Fallback xmlns="">
           <p:pic>
             <p:nvPicPr>
               <p:cNvPr id="71" name="Ink 70">
@@ -26649,8 +29396,8 @@
           </p:pic>
         </mc:Fallback>
       </mc:AlternateContent>
-      <mc:AlternateContent xmlns:mc="http://schemas.openxmlformats.org/markup-compatibility/2006">
-        <mc:Choice xmlns:p14="http://schemas.microsoft.com/office/powerpoint/2010/main" Requires="p14">
+      <mc:AlternateContent xmlns:mc="http://schemas.openxmlformats.org/markup-compatibility/2006" xmlns:p14="http://schemas.microsoft.com/office/powerpoint/2010/main">
+        <mc:Choice Requires="p14">
           <p:contentPart p14:bwMode="auto" r:id="rId99">
             <p14:nvContentPartPr>
               <p14:cNvPr id="72" name="Ink 71">
@@ -26669,7 +29416,7 @@
             </p14:xfrm>
           </p:contentPart>
         </mc:Choice>
-        <mc:Fallback>
+        <mc:Fallback xmlns="">
           <p:pic>
             <p:nvPicPr>
               <p:cNvPr id="72" name="Ink 71">
@@ -26700,8 +29447,8 @@
           </p:pic>
         </mc:Fallback>
       </mc:AlternateContent>
-      <mc:AlternateContent xmlns:mc="http://schemas.openxmlformats.org/markup-compatibility/2006">
-        <mc:Choice xmlns:p14="http://schemas.microsoft.com/office/powerpoint/2010/main" Requires="p14">
+      <mc:AlternateContent xmlns:mc="http://schemas.openxmlformats.org/markup-compatibility/2006" xmlns:p14="http://schemas.microsoft.com/office/powerpoint/2010/main">
+        <mc:Choice Requires="p14">
           <p:contentPart p14:bwMode="auto" r:id="rId101">
             <p14:nvContentPartPr>
               <p14:cNvPr id="73" name="Ink 72">
@@ -26720,7 +29467,7 @@
             </p14:xfrm>
           </p:contentPart>
         </mc:Choice>
-        <mc:Fallback>
+        <mc:Fallback xmlns="">
           <p:pic>
             <p:nvPicPr>
               <p:cNvPr id="73" name="Ink 72">
@@ -26751,8 +29498,8 @@
           </p:pic>
         </mc:Fallback>
       </mc:AlternateContent>
-      <mc:AlternateContent xmlns:mc="http://schemas.openxmlformats.org/markup-compatibility/2006">
-        <mc:Choice xmlns:p14="http://schemas.microsoft.com/office/powerpoint/2010/main" Requires="p14">
+      <mc:AlternateContent xmlns:mc="http://schemas.openxmlformats.org/markup-compatibility/2006" xmlns:p14="http://schemas.microsoft.com/office/powerpoint/2010/main">
+        <mc:Choice Requires="p14">
           <p:contentPart p14:bwMode="auto" r:id="rId103">
             <p14:nvContentPartPr>
               <p14:cNvPr id="74" name="Ink 73">
@@ -26771,7 +29518,7 @@
             </p14:xfrm>
           </p:contentPart>
         </mc:Choice>
-        <mc:Fallback>
+        <mc:Fallback xmlns="">
           <p:pic>
             <p:nvPicPr>
               <p:cNvPr id="74" name="Ink 73">
@@ -26802,8 +29549,8 @@
           </p:pic>
         </mc:Fallback>
       </mc:AlternateContent>
-      <mc:AlternateContent xmlns:mc="http://schemas.openxmlformats.org/markup-compatibility/2006">
-        <mc:Choice xmlns:p14="http://schemas.microsoft.com/office/powerpoint/2010/main" Requires="p14">
+      <mc:AlternateContent xmlns:mc="http://schemas.openxmlformats.org/markup-compatibility/2006" xmlns:p14="http://schemas.microsoft.com/office/powerpoint/2010/main">
+        <mc:Choice Requires="p14">
           <p:contentPart p14:bwMode="auto" r:id="rId105">
             <p14:nvContentPartPr>
               <p14:cNvPr id="75" name="Ink 74">
@@ -26822,7 +29569,7 @@
             </p14:xfrm>
           </p:contentPart>
         </mc:Choice>
-        <mc:Fallback>
+        <mc:Fallback xmlns="">
           <p:pic>
             <p:nvPicPr>
               <p:cNvPr id="75" name="Ink 74">
@@ -26853,8 +29600,8 @@
           </p:pic>
         </mc:Fallback>
       </mc:AlternateContent>
-      <mc:AlternateContent xmlns:mc="http://schemas.openxmlformats.org/markup-compatibility/2006">
-        <mc:Choice xmlns:p14="http://schemas.microsoft.com/office/powerpoint/2010/main" Requires="p14">
+      <mc:AlternateContent xmlns:mc="http://schemas.openxmlformats.org/markup-compatibility/2006" xmlns:p14="http://schemas.microsoft.com/office/powerpoint/2010/main">
+        <mc:Choice Requires="p14">
           <p:contentPart p14:bwMode="auto" r:id="rId107">
             <p14:nvContentPartPr>
               <p14:cNvPr id="76" name="Ink 75">
@@ -26873,7 +29620,7 @@
             </p14:xfrm>
           </p:contentPart>
         </mc:Choice>
-        <mc:Fallback>
+        <mc:Fallback xmlns="">
           <p:pic>
             <p:nvPicPr>
               <p:cNvPr id="76" name="Ink 75">
@@ -26904,8 +29651,8 @@
           </p:pic>
         </mc:Fallback>
       </mc:AlternateContent>
-      <mc:AlternateContent xmlns:mc="http://schemas.openxmlformats.org/markup-compatibility/2006">
-        <mc:Choice xmlns:p14="http://schemas.microsoft.com/office/powerpoint/2010/main" Requires="p14">
+      <mc:AlternateContent xmlns:mc="http://schemas.openxmlformats.org/markup-compatibility/2006" xmlns:p14="http://schemas.microsoft.com/office/powerpoint/2010/main">
+        <mc:Choice Requires="p14">
           <p:contentPart p14:bwMode="auto" r:id="rId109">
             <p14:nvContentPartPr>
               <p14:cNvPr id="77" name="Ink 76">
@@ -26924,7 +29671,7 @@
             </p14:xfrm>
           </p:contentPart>
         </mc:Choice>
-        <mc:Fallback>
+        <mc:Fallback xmlns="">
           <p:pic>
             <p:nvPicPr>
               <p:cNvPr id="77" name="Ink 76">
@@ -26955,8 +29702,8 @@
           </p:pic>
         </mc:Fallback>
       </mc:AlternateContent>
-      <mc:AlternateContent xmlns:mc="http://schemas.openxmlformats.org/markup-compatibility/2006">
-        <mc:Choice xmlns:p14="http://schemas.microsoft.com/office/powerpoint/2010/main" Requires="p14">
+      <mc:AlternateContent xmlns:mc="http://schemas.openxmlformats.org/markup-compatibility/2006" xmlns:p14="http://schemas.microsoft.com/office/powerpoint/2010/main">
+        <mc:Choice Requires="p14">
           <p:contentPart p14:bwMode="auto" r:id="rId111">
             <p14:nvContentPartPr>
               <p14:cNvPr id="78" name="Ink 77">
@@ -26975,7 +29722,7 @@
             </p14:xfrm>
           </p:contentPart>
         </mc:Choice>
-        <mc:Fallback>
+        <mc:Fallback xmlns="">
           <p:pic>
             <p:nvPicPr>
               <p:cNvPr id="78" name="Ink 77">
@@ -27006,8 +29753,8 @@
           </p:pic>
         </mc:Fallback>
       </mc:AlternateContent>
-      <mc:AlternateContent xmlns:mc="http://schemas.openxmlformats.org/markup-compatibility/2006">
-        <mc:Choice xmlns:p14="http://schemas.microsoft.com/office/powerpoint/2010/main" Requires="p14">
+      <mc:AlternateContent xmlns:mc="http://schemas.openxmlformats.org/markup-compatibility/2006" xmlns:p14="http://schemas.microsoft.com/office/powerpoint/2010/main">
+        <mc:Choice Requires="p14">
           <p:contentPart p14:bwMode="auto" r:id="rId113">
             <p14:nvContentPartPr>
               <p14:cNvPr id="79" name="Ink 78">
@@ -27026,7 +29773,7 @@
             </p14:xfrm>
           </p:contentPart>
         </mc:Choice>
-        <mc:Fallback>
+        <mc:Fallback xmlns="">
           <p:pic>
             <p:nvPicPr>
               <p:cNvPr id="79" name="Ink 78">
@@ -27057,8 +29804,8 @@
           </p:pic>
         </mc:Fallback>
       </mc:AlternateContent>
-      <mc:AlternateContent xmlns:mc="http://schemas.openxmlformats.org/markup-compatibility/2006">
-        <mc:Choice xmlns:p14="http://schemas.microsoft.com/office/powerpoint/2010/main" Requires="p14">
+      <mc:AlternateContent xmlns:mc="http://schemas.openxmlformats.org/markup-compatibility/2006" xmlns:p14="http://schemas.microsoft.com/office/powerpoint/2010/main">
+        <mc:Choice Requires="p14">
           <p:contentPart p14:bwMode="auto" r:id="rId115">
             <p14:nvContentPartPr>
               <p14:cNvPr id="81" name="Ink 80">
@@ -27077,7 +29824,7 @@
             </p14:xfrm>
           </p:contentPart>
         </mc:Choice>
-        <mc:Fallback>
+        <mc:Fallback xmlns="">
           <p:pic>
             <p:nvPicPr>
               <p:cNvPr id="81" name="Ink 80">
@@ -27128,8 +29875,8 @@
             <a:chExt cx="2359800" cy="1026720"/>
           </a:xfrm>
         </p:grpSpPr>
-        <mc:AlternateContent xmlns:mc="http://schemas.openxmlformats.org/markup-compatibility/2006">
-          <mc:Choice xmlns:p14="http://schemas.microsoft.com/office/powerpoint/2010/main" Requires="p14">
+        <mc:AlternateContent xmlns:mc="http://schemas.openxmlformats.org/markup-compatibility/2006" xmlns:p14="http://schemas.microsoft.com/office/powerpoint/2010/main">
+          <mc:Choice Requires="p14">
             <p:contentPart p14:bwMode="auto" r:id="rId117">
               <p14:nvContentPartPr>
                 <p14:cNvPr id="82" name="Ink 81">
@@ -27148,7 +29895,7 @@
               </p14:xfrm>
             </p:contentPart>
           </mc:Choice>
-          <mc:Fallback>
+          <mc:Fallback xmlns="">
             <p:pic>
               <p:nvPicPr>
                 <p:cNvPr id="82" name="Ink 81">
@@ -27179,8 +29926,8 @@
             </p:pic>
           </mc:Fallback>
         </mc:AlternateContent>
-        <mc:AlternateContent xmlns:mc="http://schemas.openxmlformats.org/markup-compatibility/2006">
-          <mc:Choice xmlns:p14="http://schemas.microsoft.com/office/powerpoint/2010/main" Requires="p14">
+        <mc:AlternateContent xmlns:mc="http://schemas.openxmlformats.org/markup-compatibility/2006" xmlns:p14="http://schemas.microsoft.com/office/powerpoint/2010/main">
+          <mc:Choice Requires="p14">
             <p:contentPart p14:bwMode="auto" r:id="rId119">
               <p14:nvContentPartPr>
                 <p14:cNvPr id="83" name="Ink 82">
@@ -27199,7 +29946,7 @@
               </p14:xfrm>
             </p:contentPart>
           </mc:Choice>
-          <mc:Fallback>
+          <mc:Fallback xmlns="">
             <p:pic>
               <p:nvPicPr>
                 <p:cNvPr id="83" name="Ink 82">
@@ -27230,8 +29977,8 @@
             </p:pic>
           </mc:Fallback>
         </mc:AlternateContent>
-        <mc:AlternateContent xmlns:mc="http://schemas.openxmlformats.org/markup-compatibility/2006">
-          <mc:Choice xmlns:p14="http://schemas.microsoft.com/office/powerpoint/2010/main" Requires="p14">
+        <mc:AlternateContent xmlns:mc="http://schemas.openxmlformats.org/markup-compatibility/2006" xmlns:p14="http://schemas.microsoft.com/office/powerpoint/2010/main">
+          <mc:Choice Requires="p14">
             <p:contentPart p14:bwMode="auto" r:id="rId121">
               <p14:nvContentPartPr>
                 <p14:cNvPr id="84" name="Ink 83">
@@ -27250,7 +29997,7 @@
               </p14:xfrm>
             </p:contentPart>
           </mc:Choice>
-          <mc:Fallback>
+          <mc:Fallback xmlns="">
             <p:pic>
               <p:nvPicPr>
                 <p:cNvPr id="84" name="Ink 83">
@@ -27281,8 +30028,8 @@
             </p:pic>
           </mc:Fallback>
         </mc:AlternateContent>
-        <mc:AlternateContent xmlns:mc="http://schemas.openxmlformats.org/markup-compatibility/2006">
-          <mc:Choice xmlns:p14="http://schemas.microsoft.com/office/powerpoint/2010/main" Requires="p14">
+        <mc:AlternateContent xmlns:mc="http://schemas.openxmlformats.org/markup-compatibility/2006" xmlns:p14="http://schemas.microsoft.com/office/powerpoint/2010/main">
+          <mc:Choice Requires="p14">
             <p:contentPart p14:bwMode="auto" r:id="rId123">
               <p14:nvContentPartPr>
                 <p14:cNvPr id="85" name="Ink 84">
@@ -27301,7 +30048,7 @@
               </p14:xfrm>
             </p:contentPart>
           </mc:Choice>
-          <mc:Fallback>
+          <mc:Fallback xmlns="">
             <p:pic>
               <p:nvPicPr>
                 <p:cNvPr id="85" name="Ink 84">
@@ -27332,8 +30079,8 @@
             </p:pic>
           </mc:Fallback>
         </mc:AlternateContent>
-        <mc:AlternateContent xmlns:mc="http://schemas.openxmlformats.org/markup-compatibility/2006">
-          <mc:Choice xmlns:p14="http://schemas.microsoft.com/office/powerpoint/2010/main" Requires="p14">
+        <mc:AlternateContent xmlns:mc="http://schemas.openxmlformats.org/markup-compatibility/2006" xmlns:p14="http://schemas.microsoft.com/office/powerpoint/2010/main">
+          <mc:Choice Requires="p14">
             <p:contentPart p14:bwMode="auto" r:id="rId125">
               <p14:nvContentPartPr>
                 <p14:cNvPr id="86" name="Ink 85">
@@ -27352,7 +30099,7 @@
               </p14:xfrm>
             </p:contentPart>
           </mc:Choice>
-          <mc:Fallback>
+          <mc:Fallback xmlns="">
             <p:pic>
               <p:nvPicPr>
                 <p:cNvPr id="86" name="Ink 85">
@@ -27383,8 +30130,8 @@
             </p:pic>
           </mc:Fallback>
         </mc:AlternateContent>
-        <mc:AlternateContent xmlns:mc="http://schemas.openxmlformats.org/markup-compatibility/2006">
-          <mc:Choice xmlns:p14="http://schemas.microsoft.com/office/powerpoint/2010/main" Requires="p14">
+        <mc:AlternateContent xmlns:mc="http://schemas.openxmlformats.org/markup-compatibility/2006" xmlns:p14="http://schemas.microsoft.com/office/powerpoint/2010/main">
+          <mc:Choice Requires="p14">
             <p:contentPart p14:bwMode="auto" r:id="rId127">
               <p14:nvContentPartPr>
                 <p14:cNvPr id="87" name="Ink 86">
@@ -27403,7 +30150,7 @@
               </p14:xfrm>
             </p:contentPart>
           </mc:Choice>
-          <mc:Fallback>
+          <mc:Fallback xmlns="">
             <p:pic>
               <p:nvPicPr>
                 <p:cNvPr id="87" name="Ink 86">
@@ -27434,8 +30181,8 @@
             </p:pic>
           </mc:Fallback>
         </mc:AlternateContent>
-        <mc:AlternateContent xmlns:mc="http://schemas.openxmlformats.org/markup-compatibility/2006">
-          <mc:Choice xmlns:p14="http://schemas.microsoft.com/office/powerpoint/2010/main" Requires="p14">
+        <mc:AlternateContent xmlns:mc="http://schemas.openxmlformats.org/markup-compatibility/2006" xmlns:p14="http://schemas.microsoft.com/office/powerpoint/2010/main">
+          <mc:Choice Requires="p14">
             <p:contentPart p14:bwMode="auto" r:id="rId129">
               <p14:nvContentPartPr>
                 <p14:cNvPr id="88" name="Ink 87">
@@ -27454,7 +30201,7 @@
               </p14:xfrm>
             </p:contentPart>
           </mc:Choice>
-          <mc:Fallback>
+          <mc:Fallback xmlns="">
             <p:pic>
               <p:nvPicPr>
                 <p:cNvPr id="88" name="Ink 87">
@@ -27485,8 +30232,8 @@
             </p:pic>
           </mc:Fallback>
         </mc:AlternateContent>
-        <mc:AlternateContent xmlns:mc="http://schemas.openxmlformats.org/markup-compatibility/2006">
-          <mc:Choice xmlns:p14="http://schemas.microsoft.com/office/powerpoint/2010/main" Requires="p14">
+        <mc:AlternateContent xmlns:mc="http://schemas.openxmlformats.org/markup-compatibility/2006" xmlns:p14="http://schemas.microsoft.com/office/powerpoint/2010/main">
+          <mc:Choice Requires="p14">
             <p:contentPart p14:bwMode="auto" r:id="rId131">
               <p14:nvContentPartPr>
                 <p14:cNvPr id="89" name="Ink 88">
@@ -27505,7 +30252,7 @@
               </p14:xfrm>
             </p:contentPart>
           </mc:Choice>
-          <mc:Fallback>
+          <mc:Fallback xmlns="">
             <p:pic>
               <p:nvPicPr>
                 <p:cNvPr id="89" name="Ink 88">
@@ -27536,8 +30283,8 @@
             </p:pic>
           </mc:Fallback>
         </mc:AlternateContent>
-        <mc:AlternateContent xmlns:mc="http://schemas.openxmlformats.org/markup-compatibility/2006">
-          <mc:Choice xmlns:p14="http://schemas.microsoft.com/office/powerpoint/2010/main" Requires="p14">
+        <mc:AlternateContent xmlns:mc="http://schemas.openxmlformats.org/markup-compatibility/2006" xmlns:p14="http://schemas.microsoft.com/office/powerpoint/2010/main">
+          <mc:Choice Requires="p14">
             <p:contentPart p14:bwMode="auto" r:id="rId133">
               <p14:nvContentPartPr>
                 <p14:cNvPr id="92" name="Ink 91">
@@ -27556,7 +30303,7 @@
               </p14:xfrm>
             </p:contentPart>
           </mc:Choice>
-          <mc:Fallback>
+          <mc:Fallback xmlns="">
             <p:pic>
               <p:nvPicPr>
                 <p:cNvPr id="92" name="Ink 91">
@@ -27587,8 +30334,8 @@
             </p:pic>
           </mc:Fallback>
         </mc:AlternateContent>
-        <mc:AlternateContent xmlns:mc="http://schemas.openxmlformats.org/markup-compatibility/2006">
-          <mc:Choice xmlns:p14="http://schemas.microsoft.com/office/powerpoint/2010/main" Requires="p14">
+        <mc:AlternateContent xmlns:mc="http://schemas.openxmlformats.org/markup-compatibility/2006" xmlns:p14="http://schemas.microsoft.com/office/powerpoint/2010/main">
+          <mc:Choice Requires="p14">
             <p:contentPart p14:bwMode="auto" r:id="rId135">
               <p14:nvContentPartPr>
                 <p14:cNvPr id="93" name="Ink 92">
@@ -27607,7 +30354,7 @@
               </p14:xfrm>
             </p:contentPart>
           </mc:Choice>
-          <mc:Fallback>
+          <mc:Fallback xmlns="">
             <p:pic>
               <p:nvPicPr>
                 <p:cNvPr id="93" name="Ink 92">
@@ -27659,8 +30406,8 @@
             <a:chExt cx="1443240" cy="382320"/>
           </a:xfrm>
         </p:grpSpPr>
-        <mc:AlternateContent xmlns:mc="http://schemas.openxmlformats.org/markup-compatibility/2006">
-          <mc:Choice xmlns:p14="http://schemas.microsoft.com/office/powerpoint/2010/main" Requires="p14">
+        <mc:AlternateContent xmlns:mc="http://schemas.openxmlformats.org/markup-compatibility/2006" xmlns:p14="http://schemas.microsoft.com/office/powerpoint/2010/main">
+          <mc:Choice Requires="p14">
             <p:contentPart p14:bwMode="auto" r:id="rId137">
               <p14:nvContentPartPr>
                 <p14:cNvPr id="96" name="Ink 95">
@@ -27679,7 +30426,7 @@
               </p14:xfrm>
             </p:contentPart>
           </mc:Choice>
-          <mc:Fallback>
+          <mc:Fallback xmlns="">
             <p:pic>
               <p:nvPicPr>
                 <p:cNvPr id="96" name="Ink 95">
@@ -27710,8 +30457,8 @@
             </p:pic>
           </mc:Fallback>
         </mc:AlternateContent>
-        <mc:AlternateContent xmlns:mc="http://schemas.openxmlformats.org/markup-compatibility/2006">
-          <mc:Choice xmlns:p14="http://schemas.microsoft.com/office/powerpoint/2010/main" Requires="p14">
+        <mc:AlternateContent xmlns:mc="http://schemas.openxmlformats.org/markup-compatibility/2006" xmlns:p14="http://schemas.microsoft.com/office/powerpoint/2010/main">
+          <mc:Choice Requires="p14">
             <p:contentPart p14:bwMode="auto" r:id="rId139">
               <p14:nvContentPartPr>
                 <p14:cNvPr id="97" name="Ink 96">
@@ -27730,7 +30477,7 @@
               </p14:xfrm>
             </p:contentPart>
           </mc:Choice>
-          <mc:Fallback>
+          <mc:Fallback xmlns="">
             <p:pic>
               <p:nvPicPr>
                 <p:cNvPr id="97" name="Ink 96">
@@ -27761,8 +30508,8 @@
             </p:pic>
           </mc:Fallback>
         </mc:AlternateContent>
-        <mc:AlternateContent xmlns:mc="http://schemas.openxmlformats.org/markup-compatibility/2006">
-          <mc:Choice xmlns:p14="http://schemas.microsoft.com/office/powerpoint/2010/main" Requires="p14">
+        <mc:AlternateContent xmlns:mc="http://schemas.openxmlformats.org/markup-compatibility/2006" xmlns:p14="http://schemas.microsoft.com/office/powerpoint/2010/main">
+          <mc:Choice Requires="p14">
             <p:contentPart p14:bwMode="auto" r:id="rId141">
               <p14:nvContentPartPr>
                 <p14:cNvPr id="98" name="Ink 97">
@@ -27781,7 +30528,7 @@
               </p14:xfrm>
             </p:contentPart>
           </mc:Choice>
-          <mc:Fallback>
+          <mc:Fallback xmlns="">
             <p:pic>
               <p:nvPicPr>
                 <p:cNvPr id="98" name="Ink 97">
@@ -27812,8 +30559,8 @@
             </p:pic>
           </mc:Fallback>
         </mc:AlternateContent>
-        <mc:AlternateContent xmlns:mc="http://schemas.openxmlformats.org/markup-compatibility/2006">
-          <mc:Choice xmlns:p14="http://schemas.microsoft.com/office/powerpoint/2010/main" Requires="p14">
+        <mc:AlternateContent xmlns:mc="http://schemas.openxmlformats.org/markup-compatibility/2006" xmlns:p14="http://schemas.microsoft.com/office/powerpoint/2010/main">
+          <mc:Choice Requires="p14">
             <p:contentPart p14:bwMode="auto" r:id="rId143">
               <p14:nvContentPartPr>
                 <p14:cNvPr id="99" name="Ink 98">
@@ -27832,7 +30579,7 @@
               </p14:xfrm>
             </p:contentPart>
           </mc:Choice>
-          <mc:Fallback>
+          <mc:Fallback xmlns="">
             <p:pic>
               <p:nvPicPr>
                 <p:cNvPr id="99" name="Ink 98">
@@ -27884,8 +30631,8 @@
             <a:chExt cx="1046880" cy="556560"/>
           </a:xfrm>
         </p:grpSpPr>
-        <mc:AlternateContent xmlns:mc="http://schemas.openxmlformats.org/markup-compatibility/2006">
-          <mc:Choice xmlns:p14="http://schemas.microsoft.com/office/powerpoint/2010/main" Requires="p14">
+        <mc:AlternateContent xmlns:mc="http://schemas.openxmlformats.org/markup-compatibility/2006" xmlns:p14="http://schemas.microsoft.com/office/powerpoint/2010/main">
+          <mc:Choice Requires="p14">
             <p:contentPart p14:bwMode="auto" r:id="rId145">
               <p14:nvContentPartPr>
                 <p14:cNvPr id="102" name="Ink 101">
@@ -27904,7 +30651,7 @@
               </p14:xfrm>
             </p:contentPart>
           </mc:Choice>
-          <mc:Fallback>
+          <mc:Fallback xmlns="">
             <p:pic>
               <p:nvPicPr>
                 <p:cNvPr id="102" name="Ink 101">
@@ -27935,8 +30682,8 @@
             </p:pic>
           </mc:Fallback>
         </mc:AlternateContent>
-        <mc:AlternateContent xmlns:mc="http://schemas.openxmlformats.org/markup-compatibility/2006">
-          <mc:Choice xmlns:p14="http://schemas.microsoft.com/office/powerpoint/2010/main" Requires="p14">
+        <mc:AlternateContent xmlns:mc="http://schemas.openxmlformats.org/markup-compatibility/2006" xmlns:p14="http://schemas.microsoft.com/office/powerpoint/2010/main">
+          <mc:Choice Requires="p14">
             <p:contentPart p14:bwMode="auto" r:id="rId147">
               <p14:nvContentPartPr>
                 <p14:cNvPr id="103" name="Ink 102">
@@ -27955,7 +30702,7 @@
               </p14:xfrm>
             </p:contentPart>
           </mc:Choice>
-          <mc:Fallback>
+          <mc:Fallback xmlns="">
             <p:pic>
               <p:nvPicPr>
                 <p:cNvPr id="103" name="Ink 102">
@@ -27986,8 +30733,8 @@
             </p:pic>
           </mc:Fallback>
         </mc:AlternateContent>
-        <mc:AlternateContent xmlns:mc="http://schemas.openxmlformats.org/markup-compatibility/2006">
-          <mc:Choice xmlns:p14="http://schemas.microsoft.com/office/powerpoint/2010/main" Requires="p14">
+        <mc:AlternateContent xmlns:mc="http://schemas.openxmlformats.org/markup-compatibility/2006" xmlns:p14="http://schemas.microsoft.com/office/powerpoint/2010/main">
+          <mc:Choice Requires="p14">
             <p:contentPart p14:bwMode="auto" r:id="rId149">
               <p14:nvContentPartPr>
                 <p14:cNvPr id="104" name="Ink 103">
@@ -28006,7 +30753,7 @@
               </p14:xfrm>
             </p:contentPart>
           </mc:Choice>
-          <mc:Fallback>
+          <mc:Fallback xmlns="">
             <p:pic>
               <p:nvPicPr>
                 <p:cNvPr id="104" name="Ink 103">
@@ -28037,8 +30784,8 @@
             </p:pic>
           </mc:Fallback>
         </mc:AlternateContent>
-        <mc:AlternateContent xmlns:mc="http://schemas.openxmlformats.org/markup-compatibility/2006">
-          <mc:Choice xmlns:p14="http://schemas.microsoft.com/office/powerpoint/2010/main" Requires="p14">
+        <mc:AlternateContent xmlns:mc="http://schemas.openxmlformats.org/markup-compatibility/2006" xmlns:p14="http://schemas.microsoft.com/office/powerpoint/2010/main">
+          <mc:Choice Requires="p14">
             <p:contentPart p14:bwMode="auto" r:id="rId151">
               <p14:nvContentPartPr>
                 <p14:cNvPr id="105" name="Ink 104">
@@ -28057,7 +30804,7 @@
               </p14:xfrm>
             </p:contentPart>
           </mc:Choice>
-          <mc:Fallback>
+          <mc:Fallback xmlns="">
             <p:pic>
               <p:nvPicPr>
                 <p:cNvPr id="105" name="Ink 104">
@@ -28088,8 +30835,8 @@
             </p:pic>
           </mc:Fallback>
         </mc:AlternateContent>
-        <mc:AlternateContent xmlns:mc="http://schemas.openxmlformats.org/markup-compatibility/2006">
-          <mc:Choice xmlns:p14="http://schemas.microsoft.com/office/powerpoint/2010/main" Requires="p14">
+        <mc:AlternateContent xmlns:mc="http://schemas.openxmlformats.org/markup-compatibility/2006" xmlns:p14="http://schemas.microsoft.com/office/powerpoint/2010/main">
+          <mc:Choice Requires="p14">
             <p:contentPart p14:bwMode="auto" r:id="rId153">
               <p14:nvContentPartPr>
                 <p14:cNvPr id="106" name="Ink 105">
@@ -28108,7 +30855,7 @@
               </p14:xfrm>
             </p:contentPart>
           </mc:Choice>
-          <mc:Fallback>
+          <mc:Fallback xmlns="">
             <p:pic>
               <p:nvPicPr>
                 <p:cNvPr id="106" name="Ink 105">
@@ -28139,8 +30886,8 @@
             </p:pic>
           </mc:Fallback>
         </mc:AlternateContent>
-        <mc:AlternateContent xmlns:mc="http://schemas.openxmlformats.org/markup-compatibility/2006">
-          <mc:Choice xmlns:p14="http://schemas.microsoft.com/office/powerpoint/2010/main" Requires="p14">
+        <mc:AlternateContent xmlns:mc="http://schemas.openxmlformats.org/markup-compatibility/2006" xmlns:p14="http://schemas.microsoft.com/office/powerpoint/2010/main">
+          <mc:Choice Requires="p14">
             <p:contentPart p14:bwMode="auto" r:id="rId155">
               <p14:nvContentPartPr>
                 <p14:cNvPr id="107" name="Ink 106">
@@ -28159,7 +30906,7 @@
               </p14:xfrm>
             </p:contentPart>
           </mc:Choice>
-          <mc:Fallback>
+          <mc:Fallback xmlns="">
             <p:pic>
               <p:nvPicPr>
                 <p:cNvPr id="107" name="Ink 106">
@@ -28190,8 +30937,8 @@
             </p:pic>
           </mc:Fallback>
         </mc:AlternateContent>
-        <mc:AlternateContent xmlns:mc="http://schemas.openxmlformats.org/markup-compatibility/2006">
-          <mc:Choice xmlns:p14="http://schemas.microsoft.com/office/powerpoint/2010/main" Requires="p14">
+        <mc:AlternateContent xmlns:mc="http://schemas.openxmlformats.org/markup-compatibility/2006" xmlns:p14="http://schemas.microsoft.com/office/powerpoint/2010/main">
+          <mc:Choice Requires="p14">
             <p:contentPart p14:bwMode="auto" r:id="rId157">
               <p14:nvContentPartPr>
                 <p14:cNvPr id="108" name="Ink 107">
@@ -28210,7 +30957,7 @@
               </p14:xfrm>
             </p:contentPart>
           </mc:Choice>
-          <mc:Fallback>
+          <mc:Fallback xmlns="">
             <p:pic>
               <p:nvPicPr>
                 <p:cNvPr id="108" name="Ink 107">
@@ -28262,8 +31009,8 @@
             <a:chExt cx="213840" cy="125280"/>
           </a:xfrm>
         </p:grpSpPr>
-        <mc:AlternateContent xmlns:mc="http://schemas.openxmlformats.org/markup-compatibility/2006">
-          <mc:Choice xmlns:p14="http://schemas.microsoft.com/office/powerpoint/2010/main" Requires="p14">
+        <mc:AlternateContent xmlns:mc="http://schemas.openxmlformats.org/markup-compatibility/2006" xmlns:p14="http://schemas.microsoft.com/office/powerpoint/2010/main">
+          <mc:Choice Requires="p14">
             <p:contentPart p14:bwMode="auto" r:id="rId159">
               <p14:nvContentPartPr>
                 <p14:cNvPr id="117" name="Ink 116">
@@ -28282,7 +31029,7 @@
               </p14:xfrm>
             </p:contentPart>
           </mc:Choice>
-          <mc:Fallback>
+          <mc:Fallback xmlns="">
             <p:pic>
               <p:nvPicPr>
                 <p:cNvPr id="117" name="Ink 116">
@@ -28313,8 +31060,8 @@
             </p:pic>
           </mc:Fallback>
         </mc:AlternateContent>
-        <mc:AlternateContent xmlns:mc="http://schemas.openxmlformats.org/markup-compatibility/2006">
-          <mc:Choice xmlns:p14="http://schemas.microsoft.com/office/powerpoint/2010/main" Requires="p14">
+        <mc:AlternateContent xmlns:mc="http://schemas.openxmlformats.org/markup-compatibility/2006" xmlns:p14="http://schemas.microsoft.com/office/powerpoint/2010/main">
+          <mc:Choice Requires="p14">
             <p:contentPart p14:bwMode="auto" r:id="rId161">
               <p14:nvContentPartPr>
                 <p14:cNvPr id="118" name="Ink 117">
@@ -28333,7 +31080,7 @@
               </p14:xfrm>
             </p:contentPart>
           </mc:Choice>
-          <mc:Fallback>
+          <mc:Fallback xmlns="">
             <p:pic>
               <p:nvPicPr>
                 <p:cNvPr id="118" name="Ink 117">
@@ -28385,8 +31132,8 @@
             <a:chExt cx="798480" cy="371880"/>
           </a:xfrm>
         </p:grpSpPr>
-        <mc:AlternateContent xmlns:mc="http://schemas.openxmlformats.org/markup-compatibility/2006">
-          <mc:Choice xmlns:p14="http://schemas.microsoft.com/office/powerpoint/2010/main" Requires="p14">
+        <mc:AlternateContent xmlns:mc="http://schemas.openxmlformats.org/markup-compatibility/2006" xmlns:p14="http://schemas.microsoft.com/office/powerpoint/2010/main">
+          <mc:Choice Requires="p14">
             <p:contentPart p14:bwMode="auto" r:id="rId163">
               <p14:nvContentPartPr>
                 <p14:cNvPr id="121" name="Ink 120">
@@ -28405,7 +31152,7 @@
               </p14:xfrm>
             </p:contentPart>
           </mc:Choice>
-          <mc:Fallback>
+          <mc:Fallback xmlns="">
             <p:pic>
               <p:nvPicPr>
                 <p:cNvPr id="121" name="Ink 120">
@@ -28436,8 +31183,8 @@
             </p:pic>
           </mc:Fallback>
         </mc:AlternateContent>
-        <mc:AlternateContent xmlns:mc="http://schemas.openxmlformats.org/markup-compatibility/2006">
-          <mc:Choice xmlns:p14="http://schemas.microsoft.com/office/powerpoint/2010/main" Requires="p14">
+        <mc:AlternateContent xmlns:mc="http://schemas.openxmlformats.org/markup-compatibility/2006" xmlns:p14="http://schemas.microsoft.com/office/powerpoint/2010/main">
+          <mc:Choice Requires="p14">
             <p:contentPart p14:bwMode="auto" r:id="rId165">
               <p14:nvContentPartPr>
                 <p14:cNvPr id="122" name="Ink 121">
@@ -28456,7 +31203,7 @@
               </p14:xfrm>
             </p:contentPart>
           </mc:Choice>
-          <mc:Fallback>
+          <mc:Fallback xmlns="">
             <p:pic>
               <p:nvPicPr>
                 <p:cNvPr id="122" name="Ink 121">
@@ -28487,8 +31234,8 @@
             </p:pic>
           </mc:Fallback>
         </mc:AlternateContent>
-        <mc:AlternateContent xmlns:mc="http://schemas.openxmlformats.org/markup-compatibility/2006">
-          <mc:Choice xmlns:p14="http://schemas.microsoft.com/office/powerpoint/2010/main" Requires="p14">
+        <mc:AlternateContent xmlns:mc="http://schemas.openxmlformats.org/markup-compatibility/2006" xmlns:p14="http://schemas.microsoft.com/office/powerpoint/2010/main">
+          <mc:Choice Requires="p14">
             <p:contentPart p14:bwMode="auto" r:id="rId167">
               <p14:nvContentPartPr>
                 <p14:cNvPr id="123" name="Ink 122">
@@ -28507,7 +31254,7 @@
               </p14:xfrm>
             </p:contentPart>
           </mc:Choice>
-          <mc:Fallback>
+          <mc:Fallback xmlns="">
             <p:pic>
               <p:nvPicPr>
                 <p:cNvPr id="123" name="Ink 122">
@@ -28538,8 +31285,8 @@
             </p:pic>
           </mc:Fallback>
         </mc:AlternateContent>
-        <mc:AlternateContent xmlns:mc="http://schemas.openxmlformats.org/markup-compatibility/2006">
-          <mc:Choice xmlns:p14="http://schemas.microsoft.com/office/powerpoint/2010/main" Requires="p14">
+        <mc:AlternateContent xmlns:mc="http://schemas.openxmlformats.org/markup-compatibility/2006" xmlns:p14="http://schemas.microsoft.com/office/powerpoint/2010/main">
+          <mc:Choice Requires="p14">
             <p:contentPart p14:bwMode="auto" r:id="rId169">
               <p14:nvContentPartPr>
                 <p14:cNvPr id="124" name="Ink 123">
@@ -28558,7 +31305,7 @@
               </p14:xfrm>
             </p:contentPart>
           </mc:Choice>
-          <mc:Fallback>
+          <mc:Fallback xmlns="">
             <p:pic>
               <p:nvPicPr>
                 <p:cNvPr id="124" name="Ink 123">
@@ -28589,8 +31336,8 @@
             </p:pic>
           </mc:Fallback>
         </mc:AlternateContent>
-        <mc:AlternateContent xmlns:mc="http://schemas.openxmlformats.org/markup-compatibility/2006">
-          <mc:Choice xmlns:p14="http://schemas.microsoft.com/office/powerpoint/2010/main" Requires="p14">
+        <mc:AlternateContent xmlns:mc="http://schemas.openxmlformats.org/markup-compatibility/2006" xmlns:p14="http://schemas.microsoft.com/office/powerpoint/2010/main">
+          <mc:Choice Requires="p14">
             <p:contentPart p14:bwMode="auto" r:id="rId171">
               <p14:nvContentPartPr>
                 <p14:cNvPr id="125" name="Ink 124">
@@ -28609,7 +31356,7 @@
               </p14:xfrm>
             </p:contentPart>
           </mc:Choice>
-          <mc:Fallback>
+          <mc:Fallback xmlns="">
             <p:pic>
               <p:nvPicPr>
                 <p:cNvPr id="125" name="Ink 124">
@@ -28661,8 +31408,8 @@
             <a:chExt cx="307080" cy="392040"/>
           </a:xfrm>
         </p:grpSpPr>
-        <mc:AlternateContent xmlns:mc="http://schemas.openxmlformats.org/markup-compatibility/2006">
-          <mc:Choice xmlns:p14="http://schemas.microsoft.com/office/powerpoint/2010/main" Requires="p14">
+        <mc:AlternateContent xmlns:mc="http://schemas.openxmlformats.org/markup-compatibility/2006" xmlns:p14="http://schemas.microsoft.com/office/powerpoint/2010/main">
+          <mc:Choice Requires="p14">
             <p:contentPart p14:bwMode="auto" r:id="rId173">
               <p14:nvContentPartPr>
                 <p14:cNvPr id="126" name="Ink 125">
@@ -28681,7 +31428,7 @@
               </p14:xfrm>
             </p:contentPart>
           </mc:Choice>
-          <mc:Fallback>
+          <mc:Fallback xmlns="">
             <p:pic>
               <p:nvPicPr>
                 <p:cNvPr id="126" name="Ink 125">
@@ -28712,8 +31459,8 @@
             </p:pic>
           </mc:Fallback>
         </mc:AlternateContent>
-        <mc:AlternateContent xmlns:mc="http://schemas.openxmlformats.org/markup-compatibility/2006">
-          <mc:Choice xmlns:p14="http://schemas.microsoft.com/office/powerpoint/2010/main" Requires="p14">
+        <mc:AlternateContent xmlns:mc="http://schemas.openxmlformats.org/markup-compatibility/2006" xmlns:p14="http://schemas.microsoft.com/office/powerpoint/2010/main">
+          <mc:Choice Requires="p14">
             <p:contentPart p14:bwMode="auto" r:id="rId175">
               <p14:nvContentPartPr>
                 <p14:cNvPr id="127" name="Ink 126">
@@ -28732,7 +31479,7 @@
               </p14:xfrm>
             </p:contentPart>
           </mc:Choice>
-          <mc:Fallback>
+          <mc:Fallback xmlns="">
             <p:pic>
               <p:nvPicPr>
                 <p:cNvPr id="127" name="Ink 126">
@@ -28763,8 +31510,8 @@
             </p:pic>
           </mc:Fallback>
         </mc:AlternateContent>
-        <mc:AlternateContent xmlns:mc="http://schemas.openxmlformats.org/markup-compatibility/2006">
-          <mc:Choice xmlns:p14="http://schemas.microsoft.com/office/powerpoint/2010/main" Requires="p14">
+        <mc:AlternateContent xmlns:mc="http://schemas.openxmlformats.org/markup-compatibility/2006" xmlns:p14="http://schemas.microsoft.com/office/powerpoint/2010/main">
+          <mc:Choice Requires="p14">
             <p:contentPart p14:bwMode="auto" r:id="rId177">
               <p14:nvContentPartPr>
                 <p14:cNvPr id="128" name="Ink 127">
@@ -28783,7 +31530,7 @@
               </p14:xfrm>
             </p:contentPart>
           </mc:Choice>
-          <mc:Fallback>
+          <mc:Fallback xmlns="">
             <p:pic>
               <p:nvPicPr>
                 <p:cNvPr id="128" name="Ink 127">
@@ -28835,8 +31582,8 @@
             <a:chExt cx="561960" cy="453600"/>
           </a:xfrm>
         </p:grpSpPr>
-        <mc:AlternateContent xmlns:mc="http://schemas.openxmlformats.org/markup-compatibility/2006">
-          <mc:Choice xmlns:p14="http://schemas.microsoft.com/office/powerpoint/2010/main" Requires="p14">
+        <mc:AlternateContent xmlns:mc="http://schemas.openxmlformats.org/markup-compatibility/2006" xmlns:p14="http://schemas.microsoft.com/office/powerpoint/2010/main">
+          <mc:Choice Requires="p14">
             <p:contentPart p14:bwMode="auto" r:id="rId179">
               <p14:nvContentPartPr>
                 <p14:cNvPr id="133" name="Ink 132">
@@ -28855,7 +31602,7 @@
               </p14:xfrm>
             </p:contentPart>
           </mc:Choice>
-          <mc:Fallback>
+          <mc:Fallback xmlns="">
             <p:pic>
               <p:nvPicPr>
                 <p:cNvPr id="133" name="Ink 132">
@@ -28886,8 +31633,8 @@
             </p:pic>
           </mc:Fallback>
         </mc:AlternateContent>
-        <mc:AlternateContent xmlns:mc="http://schemas.openxmlformats.org/markup-compatibility/2006">
-          <mc:Choice xmlns:p14="http://schemas.microsoft.com/office/powerpoint/2010/main" Requires="p14">
+        <mc:AlternateContent xmlns:mc="http://schemas.openxmlformats.org/markup-compatibility/2006" xmlns:p14="http://schemas.microsoft.com/office/powerpoint/2010/main">
+          <mc:Choice Requires="p14">
             <p:contentPart p14:bwMode="auto" r:id="rId181">
               <p14:nvContentPartPr>
                 <p14:cNvPr id="134" name="Ink 133">
@@ -28906,7 +31653,7 @@
               </p14:xfrm>
             </p:contentPart>
           </mc:Choice>
-          <mc:Fallback>
+          <mc:Fallback xmlns="">
             <p:pic>
               <p:nvPicPr>
                 <p:cNvPr id="134" name="Ink 133">
@@ -28937,8 +31684,8 @@
             </p:pic>
           </mc:Fallback>
         </mc:AlternateContent>
-        <mc:AlternateContent xmlns:mc="http://schemas.openxmlformats.org/markup-compatibility/2006">
-          <mc:Choice xmlns:p14="http://schemas.microsoft.com/office/powerpoint/2010/main" Requires="p14">
+        <mc:AlternateContent xmlns:mc="http://schemas.openxmlformats.org/markup-compatibility/2006" xmlns:p14="http://schemas.microsoft.com/office/powerpoint/2010/main">
+          <mc:Choice Requires="p14">
             <p:contentPart p14:bwMode="auto" r:id="rId183">
               <p14:nvContentPartPr>
                 <p14:cNvPr id="135" name="Ink 134">
@@ -28957,7 +31704,7 @@
               </p14:xfrm>
             </p:contentPart>
           </mc:Choice>
-          <mc:Fallback>
+          <mc:Fallback xmlns="">
             <p:pic>
               <p:nvPicPr>
                 <p:cNvPr id="135" name="Ink 134">
@@ -28989,8 +31736,8 @@
           </mc:Fallback>
         </mc:AlternateContent>
       </p:grpSp>
-      <mc:AlternateContent xmlns:mc="http://schemas.openxmlformats.org/markup-compatibility/2006">
-        <mc:Choice xmlns:p14="http://schemas.microsoft.com/office/powerpoint/2010/main" Requires="p14">
+      <mc:AlternateContent xmlns:mc="http://schemas.openxmlformats.org/markup-compatibility/2006" xmlns:p14="http://schemas.microsoft.com/office/powerpoint/2010/main">
+        <mc:Choice Requires="p14">
           <p:contentPart p14:bwMode="auto" r:id="rId185">
             <p14:nvContentPartPr>
               <p14:cNvPr id="138" name="Ink 137">
@@ -29009,7 +31756,7 @@
             </p14:xfrm>
           </p:contentPart>
         </mc:Choice>
-        <mc:Fallback>
+        <mc:Fallback xmlns="">
           <p:pic>
             <p:nvPicPr>
               <p:cNvPr id="138" name="Ink 137">
@@ -29040,8 +31787,8 @@
           </p:pic>
         </mc:Fallback>
       </mc:AlternateContent>
-      <mc:AlternateContent xmlns:mc="http://schemas.openxmlformats.org/markup-compatibility/2006">
-        <mc:Choice xmlns:p14="http://schemas.microsoft.com/office/powerpoint/2010/main" Requires="p14">
+      <mc:AlternateContent xmlns:mc="http://schemas.openxmlformats.org/markup-compatibility/2006" xmlns:p14="http://schemas.microsoft.com/office/powerpoint/2010/main">
+        <mc:Choice Requires="p14">
           <p:contentPart p14:bwMode="auto" r:id="rId187">
             <p14:nvContentPartPr>
               <p14:cNvPr id="139" name="Ink 138">
@@ -29060,7 +31807,7 @@
             </p14:xfrm>
           </p:contentPart>
         </mc:Choice>
-        <mc:Fallback>
+        <mc:Fallback xmlns="">
           <p:pic>
             <p:nvPicPr>
               <p:cNvPr id="139" name="Ink 138">
@@ -29111,8 +31858,8 @@
             <a:chExt cx="1154880" cy="833760"/>
           </a:xfrm>
         </p:grpSpPr>
-        <mc:AlternateContent xmlns:mc="http://schemas.openxmlformats.org/markup-compatibility/2006">
-          <mc:Choice xmlns:p14="http://schemas.microsoft.com/office/powerpoint/2010/main" Requires="p14">
+        <mc:AlternateContent xmlns:mc="http://schemas.openxmlformats.org/markup-compatibility/2006" xmlns:p14="http://schemas.microsoft.com/office/powerpoint/2010/main">
+          <mc:Choice Requires="p14">
             <p:contentPart p14:bwMode="auto" r:id="rId189">
               <p14:nvContentPartPr>
                 <p14:cNvPr id="140" name="Ink 139">
@@ -29131,7 +31878,7 @@
               </p14:xfrm>
             </p:contentPart>
           </mc:Choice>
-          <mc:Fallback>
+          <mc:Fallback xmlns="">
             <p:pic>
               <p:nvPicPr>
                 <p:cNvPr id="140" name="Ink 139">
@@ -29162,8 +31909,8 @@
             </p:pic>
           </mc:Fallback>
         </mc:AlternateContent>
-        <mc:AlternateContent xmlns:mc="http://schemas.openxmlformats.org/markup-compatibility/2006">
-          <mc:Choice xmlns:p14="http://schemas.microsoft.com/office/powerpoint/2010/main" Requires="p14">
+        <mc:AlternateContent xmlns:mc="http://schemas.openxmlformats.org/markup-compatibility/2006" xmlns:p14="http://schemas.microsoft.com/office/powerpoint/2010/main">
+          <mc:Choice Requires="p14">
             <p:contentPart p14:bwMode="auto" r:id="rId191">
               <p14:nvContentPartPr>
                 <p14:cNvPr id="141" name="Ink 140">
@@ -29182,7 +31929,7 @@
               </p14:xfrm>
             </p:contentPart>
           </mc:Choice>
-          <mc:Fallback>
+          <mc:Fallback xmlns="">
             <p:pic>
               <p:nvPicPr>
                 <p:cNvPr id="141" name="Ink 140">
@@ -29213,8 +31960,8 @@
             </p:pic>
           </mc:Fallback>
         </mc:AlternateContent>
-        <mc:AlternateContent xmlns:mc="http://schemas.openxmlformats.org/markup-compatibility/2006">
-          <mc:Choice xmlns:p14="http://schemas.microsoft.com/office/powerpoint/2010/main" Requires="p14">
+        <mc:AlternateContent xmlns:mc="http://schemas.openxmlformats.org/markup-compatibility/2006" xmlns:p14="http://schemas.microsoft.com/office/powerpoint/2010/main">
+          <mc:Choice Requires="p14">
             <p:contentPart p14:bwMode="auto" r:id="rId193">
               <p14:nvContentPartPr>
                 <p14:cNvPr id="142" name="Ink 141">
@@ -29233,7 +31980,7 @@
               </p14:xfrm>
             </p:contentPart>
           </mc:Choice>
-          <mc:Fallback>
+          <mc:Fallback xmlns="">
             <p:pic>
               <p:nvPicPr>
                 <p:cNvPr id="142" name="Ink 141">
@@ -29264,8 +32011,8 @@
             </p:pic>
           </mc:Fallback>
         </mc:AlternateContent>
-        <mc:AlternateContent xmlns:mc="http://schemas.openxmlformats.org/markup-compatibility/2006">
-          <mc:Choice xmlns:p14="http://schemas.microsoft.com/office/powerpoint/2010/main" Requires="p14">
+        <mc:AlternateContent xmlns:mc="http://schemas.openxmlformats.org/markup-compatibility/2006" xmlns:p14="http://schemas.microsoft.com/office/powerpoint/2010/main">
+          <mc:Choice Requires="p14">
             <p:contentPart p14:bwMode="auto" r:id="rId195">
               <p14:nvContentPartPr>
                 <p14:cNvPr id="143" name="Ink 142">
@@ -29284,7 +32031,7 @@
               </p14:xfrm>
             </p:contentPart>
           </mc:Choice>
-          <mc:Fallback>
+          <mc:Fallback xmlns="">
             <p:pic>
               <p:nvPicPr>
                 <p:cNvPr id="143" name="Ink 142">
@@ -29315,8 +32062,8 @@
             </p:pic>
           </mc:Fallback>
         </mc:AlternateContent>
-        <mc:AlternateContent xmlns:mc="http://schemas.openxmlformats.org/markup-compatibility/2006">
-          <mc:Choice xmlns:p14="http://schemas.microsoft.com/office/powerpoint/2010/main" Requires="p14">
+        <mc:AlternateContent xmlns:mc="http://schemas.openxmlformats.org/markup-compatibility/2006" xmlns:p14="http://schemas.microsoft.com/office/powerpoint/2010/main">
+          <mc:Choice Requires="p14">
             <p:contentPart p14:bwMode="auto" r:id="rId197">
               <p14:nvContentPartPr>
                 <p14:cNvPr id="144" name="Ink 143">
@@ -29335,7 +32082,7 @@
               </p14:xfrm>
             </p:contentPart>
           </mc:Choice>
-          <mc:Fallback>
+          <mc:Fallback xmlns="">
             <p:pic>
               <p:nvPicPr>
                 <p:cNvPr id="144" name="Ink 143">
@@ -29366,8 +32113,8 @@
             </p:pic>
           </mc:Fallback>
         </mc:AlternateContent>
-        <mc:AlternateContent xmlns:mc="http://schemas.openxmlformats.org/markup-compatibility/2006">
-          <mc:Choice xmlns:p14="http://schemas.microsoft.com/office/powerpoint/2010/main" Requires="p14">
+        <mc:AlternateContent xmlns:mc="http://schemas.openxmlformats.org/markup-compatibility/2006" xmlns:p14="http://schemas.microsoft.com/office/powerpoint/2010/main">
+          <mc:Choice Requires="p14">
             <p:contentPart p14:bwMode="auto" r:id="rId199">
               <p14:nvContentPartPr>
                 <p14:cNvPr id="145" name="Ink 144">
@@ -29386,7 +32133,7 @@
               </p14:xfrm>
             </p:contentPart>
           </mc:Choice>
-          <mc:Fallback>
+          <mc:Fallback xmlns="">
             <p:pic>
               <p:nvPicPr>
                 <p:cNvPr id="145" name="Ink 144">
@@ -29417,8 +32164,8 @@
             </p:pic>
           </mc:Fallback>
         </mc:AlternateContent>
-        <mc:AlternateContent xmlns:mc="http://schemas.openxmlformats.org/markup-compatibility/2006">
-          <mc:Choice xmlns:p14="http://schemas.microsoft.com/office/powerpoint/2010/main" Requires="p14">
+        <mc:AlternateContent xmlns:mc="http://schemas.openxmlformats.org/markup-compatibility/2006" xmlns:p14="http://schemas.microsoft.com/office/powerpoint/2010/main">
+          <mc:Choice Requires="p14">
             <p:contentPart p14:bwMode="auto" r:id="rId201">
               <p14:nvContentPartPr>
                 <p14:cNvPr id="148" name="Ink 147">
@@ -29437,7 +32184,7 @@
               </p14:xfrm>
             </p:contentPart>
           </mc:Choice>
-          <mc:Fallback>
+          <mc:Fallback xmlns="">
             <p:pic>
               <p:nvPicPr>
                 <p:cNvPr id="148" name="Ink 147">
@@ -29468,8 +32215,8 @@
             </p:pic>
           </mc:Fallback>
         </mc:AlternateContent>
-        <mc:AlternateContent xmlns:mc="http://schemas.openxmlformats.org/markup-compatibility/2006">
-          <mc:Choice xmlns:p14="http://schemas.microsoft.com/office/powerpoint/2010/main" Requires="p14">
+        <mc:AlternateContent xmlns:mc="http://schemas.openxmlformats.org/markup-compatibility/2006" xmlns:p14="http://schemas.microsoft.com/office/powerpoint/2010/main">
+          <mc:Choice Requires="p14">
             <p:contentPart p14:bwMode="auto" r:id="rId203">
               <p14:nvContentPartPr>
                 <p14:cNvPr id="149" name="Ink 148">
@@ -29488,7 +32235,7 @@
               </p14:xfrm>
             </p:contentPart>
           </mc:Choice>
-          <mc:Fallback>
+          <mc:Fallback xmlns="">
             <p:pic>
               <p:nvPicPr>
                 <p:cNvPr id="149" name="Ink 148">
@@ -29520,8 +32267,8 @@
           </mc:Fallback>
         </mc:AlternateContent>
       </p:grpSp>
-      <mc:AlternateContent xmlns:mc="http://schemas.openxmlformats.org/markup-compatibility/2006">
-        <mc:Choice xmlns:p14="http://schemas.microsoft.com/office/powerpoint/2010/main" Requires="p14">
+      <mc:AlternateContent xmlns:mc="http://schemas.openxmlformats.org/markup-compatibility/2006" xmlns:p14="http://schemas.microsoft.com/office/powerpoint/2010/main">
+        <mc:Choice Requires="p14">
           <p:contentPart p14:bwMode="auto" r:id="rId205">
             <p14:nvContentPartPr>
               <p14:cNvPr id="152" name="Ink 151">
@@ -29540,7 +32287,7 @@
             </p14:xfrm>
           </p:contentPart>
         </mc:Choice>
-        <mc:Fallback>
+        <mc:Fallback xmlns="">
           <p:pic>
             <p:nvPicPr>
               <p:cNvPr id="152" name="Ink 151">
@@ -29591,8 +32338,8 @@
             <a:chExt cx="138240" cy="141120"/>
           </a:xfrm>
         </p:grpSpPr>
-        <mc:AlternateContent xmlns:mc="http://schemas.openxmlformats.org/markup-compatibility/2006">
-          <mc:Choice xmlns:p14="http://schemas.microsoft.com/office/powerpoint/2010/main" Requires="p14">
+        <mc:AlternateContent xmlns:mc="http://schemas.openxmlformats.org/markup-compatibility/2006" xmlns:p14="http://schemas.microsoft.com/office/powerpoint/2010/main">
+          <mc:Choice Requires="p14">
             <p:contentPart p14:bwMode="auto" r:id="rId207">
               <p14:nvContentPartPr>
                 <p14:cNvPr id="153" name="Ink 152">
@@ -29611,7 +32358,7 @@
               </p14:xfrm>
             </p:contentPart>
           </mc:Choice>
-          <mc:Fallback>
+          <mc:Fallback xmlns="">
             <p:pic>
               <p:nvPicPr>
                 <p:cNvPr id="153" name="Ink 152">
@@ -29642,8 +32389,8 @@
             </p:pic>
           </mc:Fallback>
         </mc:AlternateContent>
-        <mc:AlternateContent xmlns:mc="http://schemas.openxmlformats.org/markup-compatibility/2006">
-          <mc:Choice xmlns:p14="http://schemas.microsoft.com/office/powerpoint/2010/main" Requires="p14">
+        <mc:AlternateContent xmlns:mc="http://schemas.openxmlformats.org/markup-compatibility/2006" xmlns:p14="http://schemas.microsoft.com/office/powerpoint/2010/main">
+          <mc:Choice Requires="p14">
             <p:contentPart p14:bwMode="auto" r:id="rId209">
               <p14:nvContentPartPr>
                 <p14:cNvPr id="154" name="Ink 153">
@@ -29662,7 +32409,7 @@
               </p14:xfrm>
             </p:contentPart>
           </mc:Choice>
-          <mc:Fallback>
+          <mc:Fallback xmlns="">
             <p:pic>
               <p:nvPicPr>
                 <p:cNvPr id="154" name="Ink 153">
@@ -29714,8 +32461,8 @@
             <a:chExt cx="534600" cy="648000"/>
           </a:xfrm>
         </p:grpSpPr>
-        <mc:AlternateContent xmlns:mc="http://schemas.openxmlformats.org/markup-compatibility/2006">
-          <mc:Choice xmlns:p14="http://schemas.microsoft.com/office/powerpoint/2010/main" Requires="p14">
+        <mc:AlternateContent xmlns:mc="http://schemas.openxmlformats.org/markup-compatibility/2006" xmlns:p14="http://schemas.microsoft.com/office/powerpoint/2010/main">
+          <mc:Choice Requires="p14">
             <p:contentPart p14:bwMode="auto" r:id="rId211">
               <p14:nvContentPartPr>
                 <p14:cNvPr id="155" name="Ink 154">
@@ -29734,7 +32481,7 @@
               </p14:xfrm>
             </p:contentPart>
           </mc:Choice>
-          <mc:Fallback>
+          <mc:Fallback xmlns="">
             <p:pic>
               <p:nvPicPr>
                 <p:cNvPr id="155" name="Ink 154">
@@ -29765,8 +32512,8 @@
             </p:pic>
           </mc:Fallback>
         </mc:AlternateContent>
-        <mc:AlternateContent xmlns:mc="http://schemas.openxmlformats.org/markup-compatibility/2006">
-          <mc:Choice xmlns:p14="http://schemas.microsoft.com/office/powerpoint/2010/main" Requires="p14">
+        <mc:AlternateContent xmlns:mc="http://schemas.openxmlformats.org/markup-compatibility/2006" xmlns:p14="http://schemas.microsoft.com/office/powerpoint/2010/main">
+          <mc:Choice Requires="p14">
             <p:contentPart p14:bwMode="auto" r:id="rId213">
               <p14:nvContentPartPr>
                 <p14:cNvPr id="156" name="Ink 155">
@@ -29785,7 +32532,7 @@
               </p14:xfrm>
             </p:contentPart>
           </mc:Choice>
-          <mc:Fallback>
+          <mc:Fallback xmlns="">
             <p:pic>
               <p:nvPicPr>
                 <p:cNvPr id="156" name="Ink 155">
@@ -29816,8 +32563,8 @@
             </p:pic>
           </mc:Fallback>
         </mc:AlternateContent>
-        <mc:AlternateContent xmlns:mc="http://schemas.openxmlformats.org/markup-compatibility/2006">
-          <mc:Choice xmlns:p14="http://schemas.microsoft.com/office/powerpoint/2010/main" Requires="p14">
+        <mc:AlternateContent xmlns:mc="http://schemas.openxmlformats.org/markup-compatibility/2006" xmlns:p14="http://schemas.microsoft.com/office/powerpoint/2010/main">
+          <mc:Choice Requires="p14">
             <p:contentPart p14:bwMode="auto" r:id="rId215">
               <p14:nvContentPartPr>
                 <p14:cNvPr id="157" name="Ink 156">
@@ -29836,7 +32583,7 @@
               </p14:xfrm>
             </p:contentPart>
           </mc:Choice>
-          <mc:Fallback>
+          <mc:Fallback xmlns="">
             <p:pic>
               <p:nvPicPr>
                 <p:cNvPr id="157" name="Ink 156">
@@ -29888,8 +32635,8 @@
             <a:chExt cx="981720" cy="365760"/>
           </a:xfrm>
         </p:grpSpPr>
-        <mc:AlternateContent xmlns:mc="http://schemas.openxmlformats.org/markup-compatibility/2006">
-          <mc:Choice xmlns:p14="http://schemas.microsoft.com/office/powerpoint/2010/main" Requires="p14">
+        <mc:AlternateContent xmlns:mc="http://schemas.openxmlformats.org/markup-compatibility/2006" xmlns:p14="http://schemas.microsoft.com/office/powerpoint/2010/main">
+          <mc:Choice Requires="p14">
             <p:contentPart p14:bwMode="auto" r:id="rId217">
               <p14:nvContentPartPr>
                 <p14:cNvPr id="162" name="Ink 161">
@@ -29908,7 +32655,7 @@
               </p14:xfrm>
             </p:contentPart>
           </mc:Choice>
-          <mc:Fallback>
+          <mc:Fallback xmlns="">
             <p:pic>
               <p:nvPicPr>
                 <p:cNvPr id="162" name="Ink 161">
@@ -29939,8 +32686,8 @@
             </p:pic>
           </mc:Fallback>
         </mc:AlternateContent>
-        <mc:AlternateContent xmlns:mc="http://schemas.openxmlformats.org/markup-compatibility/2006">
-          <mc:Choice xmlns:p14="http://schemas.microsoft.com/office/powerpoint/2010/main" Requires="p14">
+        <mc:AlternateContent xmlns:mc="http://schemas.openxmlformats.org/markup-compatibility/2006" xmlns:p14="http://schemas.microsoft.com/office/powerpoint/2010/main">
+          <mc:Choice Requires="p14">
             <p:contentPart p14:bwMode="auto" r:id="rId219">
               <p14:nvContentPartPr>
                 <p14:cNvPr id="163" name="Ink 162">
@@ -29959,7 +32706,7 @@
               </p14:xfrm>
             </p:contentPart>
           </mc:Choice>
-          <mc:Fallback>
+          <mc:Fallback xmlns="">
             <p:pic>
               <p:nvPicPr>
                 <p:cNvPr id="163" name="Ink 162">
@@ -29990,8 +32737,8 @@
             </p:pic>
           </mc:Fallback>
         </mc:AlternateContent>
-        <mc:AlternateContent xmlns:mc="http://schemas.openxmlformats.org/markup-compatibility/2006">
-          <mc:Choice xmlns:p14="http://schemas.microsoft.com/office/powerpoint/2010/main" Requires="p14">
+        <mc:AlternateContent xmlns:mc="http://schemas.openxmlformats.org/markup-compatibility/2006" xmlns:p14="http://schemas.microsoft.com/office/powerpoint/2010/main">
+          <mc:Choice Requires="p14">
             <p:contentPart p14:bwMode="auto" r:id="rId221">
               <p14:nvContentPartPr>
                 <p14:cNvPr id="166" name="Ink 165">
@@ -30010,7 +32757,7 @@
               </p14:xfrm>
             </p:contentPart>
           </mc:Choice>
-          <mc:Fallback>
+          <mc:Fallback xmlns="">
             <p:pic>
               <p:nvPicPr>
                 <p:cNvPr id="166" name="Ink 165">
@@ -30041,8 +32788,8 @@
             </p:pic>
           </mc:Fallback>
         </mc:AlternateContent>
-        <mc:AlternateContent xmlns:mc="http://schemas.openxmlformats.org/markup-compatibility/2006">
-          <mc:Choice xmlns:p14="http://schemas.microsoft.com/office/powerpoint/2010/main" Requires="p14">
+        <mc:AlternateContent xmlns:mc="http://schemas.openxmlformats.org/markup-compatibility/2006" xmlns:p14="http://schemas.microsoft.com/office/powerpoint/2010/main">
+          <mc:Choice Requires="p14">
             <p:contentPart p14:bwMode="auto" r:id="rId223">
               <p14:nvContentPartPr>
                 <p14:cNvPr id="167" name="Ink 166">
@@ -30061,7 +32808,7 @@
               </p14:xfrm>
             </p:contentPart>
           </mc:Choice>
-          <mc:Fallback>
+          <mc:Fallback xmlns="">
             <p:pic>
               <p:nvPicPr>
                 <p:cNvPr id="167" name="Ink 166">
@@ -30092,8 +32839,8 @@
             </p:pic>
           </mc:Fallback>
         </mc:AlternateContent>
-        <mc:AlternateContent xmlns:mc="http://schemas.openxmlformats.org/markup-compatibility/2006">
-          <mc:Choice xmlns:p14="http://schemas.microsoft.com/office/powerpoint/2010/main" Requires="p14">
+        <mc:AlternateContent xmlns:mc="http://schemas.openxmlformats.org/markup-compatibility/2006" xmlns:p14="http://schemas.microsoft.com/office/powerpoint/2010/main">
+          <mc:Choice Requires="p14">
             <p:contentPart p14:bwMode="auto" r:id="rId225">
               <p14:nvContentPartPr>
                 <p14:cNvPr id="168" name="Ink 167">
@@ -30112,7 +32859,7 @@
               </p14:xfrm>
             </p:contentPart>
           </mc:Choice>
-          <mc:Fallback>
+          <mc:Fallback xmlns="">
             <p:pic>
               <p:nvPicPr>
                 <p:cNvPr id="168" name="Ink 167">
@@ -30143,8 +32890,8 @@
             </p:pic>
           </mc:Fallback>
         </mc:AlternateContent>
-        <mc:AlternateContent xmlns:mc="http://schemas.openxmlformats.org/markup-compatibility/2006">
-          <mc:Choice xmlns:p14="http://schemas.microsoft.com/office/powerpoint/2010/main" Requires="p14">
+        <mc:AlternateContent xmlns:mc="http://schemas.openxmlformats.org/markup-compatibility/2006" xmlns:p14="http://schemas.microsoft.com/office/powerpoint/2010/main">
+          <mc:Choice Requires="p14">
             <p:contentPart p14:bwMode="auto" r:id="rId227">
               <p14:nvContentPartPr>
                 <p14:cNvPr id="169" name="Ink 168">
@@ -30163,7 +32910,7 @@
               </p14:xfrm>
             </p:contentPart>
           </mc:Choice>
-          <mc:Fallback>
+          <mc:Fallback xmlns="">
             <p:pic>
               <p:nvPicPr>
                 <p:cNvPr id="169" name="Ink 168">
@@ -30194,8 +32941,8 @@
             </p:pic>
           </mc:Fallback>
         </mc:AlternateContent>
-        <mc:AlternateContent xmlns:mc="http://schemas.openxmlformats.org/markup-compatibility/2006">
-          <mc:Choice xmlns:p14="http://schemas.microsoft.com/office/powerpoint/2010/main" Requires="p14">
+        <mc:AlternateContent xmlns:mc="http://schemas.openxmlformats.org/markup-compatibility/2006" xmlns:p14="http://schemas.microsoft.com/office/powerpoint/2010/main">
+          <mc:Choice Requires="p14">
             <p:contentPart p14:bwMode="auto" r:id="rId229">
               <p14:nvContentPartPr>
                 <p14:cNvPr id="170" name="Ink 169">
@@ -30214,7 +32961,7 @@
               </p14:xfrm>
             </p:contentPart>
           </mc:Choice>
-          <mc:Fallback>
+          <mc:Fallback xmlns="">
             <p:pic>
               <p:nvPicPr>
                 <p:cNvPr id="170" name="Ink 169">
